--- a/Tarea Ordenamiento/Práctica de ordenamiento.pptx
+++ b/Tarea Ordenamiento/Práctica de ordenamiento.pptx
@@ -25,30 +25,31 @@
     <p:sldId id="270" r:id="rId21"/>
     <p:sldId id="271" r:id="rId22"/>
     <p:sldId id="272" r:id="rId23"/>
+    <p:sldId id="273" r:id="rId24"/>
   </p:sldIdLst>
   <p:sldSz cy="5143500" cx="9144000"/>
   <p:notesSz cx="6858000" cy="9144000"/>
   <p:embeddedFontLst>
     <p:embeddedFont>
       <p:font typeface="Raleway"/>
-      <p:regular r:id="rId24"/>
-      <p:bold r:id="rId25"/>
-      <p:italic r:id="rId26"/>
-      <p:boldItalic r:id="rId27"/>
+      <p:regular r:id="rId25"/>
+      <p:bold r:id="rId26"/>
+      <p:italic r:id="rId27"/>
+      <p:boldItalic r:id="rId28"/>
     </p:embeddedFont>
     <p:embeddedFont>
       <p:font typeface="Roboto"/>
-      <p:regular r:id="rId28"/>
-      <p:bold r:id="rId29"/>
-      <p:italic r:id="rId30"/>
-      <p:boldItalic r:id="rId31"/>
+      <p:regular r:id="rId29"/>
+      <p:bold r:id="rId30"/>
+      <p:italic r:id="rId31"/>
+      <p:boldItalic r:id="rId32"/>
     </p:embeddedFont>
     <p:embeddedFont>
       <p:font typeface="Lato"/>
-      <p:regular r:id="rId32"/>
-      <p:bold r:id="rId33"/>
-      <p:italic r:id="rId34"/>
-      <p:boldItalic r:id="rId35"/>
+      <p:regular r:id="rId33"/>
+      <p:bold r:id="rId34"/>
+      <p:italic r:id="rId35"/>
+      <p:boldItalic r:id="rId36"/>
     </p:embeddedFont>
   </p:embeddedFontLst>
   <p:defaultTextStyle>
@@ -829,7 +830,7 @@
   <p:cSld>
     <p:spTree>
       <p:nvGrpSpPr>
-        <p:cNvPr id="218" name="Shape 218"/>
+        <p:cNvPr id="235" name="Shape 235"/>
         <p:cNvGrpSpPr/>
         <p:nvPr/>
       </p:nvGrpSpPr>
@@ -843,7 +844,7 @@
       </p:grpSpPr>
       <p:sp>
         <p:nvSpPr>
-          <p:cNvPr id="219" name="Google Shape;219;g120e0aebf81_1_172:notes"/>
+          <p:cNvPr id="236" name="Google Shape;236;g120e0aebf81_4_836:notes"/>
           <p:cNvSpPr/>
           <p:nvPr>
             <p:ph idx="2" type="sldImg"/>
@@ -878,7 +879,7 @@
       </p:sp>
       <p:sp>
         <p:nvSpPr>
-          <p:cNvPr id="220" name="Google Shape;220;g120e0aebf81_1_172:notes"/>
+          <p:cNvPr id="237" name="Google Shape;237;g120e0aebf81_4_836:notes"/>
           <p:cNvSpPr txBox="1"/>
           <p:nvPr>
             <p:ph idx="1" type="body"/>
@@ -928,7 +929,7 @@
   <p:cSld>
     <p:spTree>
       <p:nvGrpSpPr>
-        <p:cNvPr id="226" name="Shape 226"/>
+        <p:cNvPr id="241" name="Shape 241"/>
         <p:cNvGrpSpPr/>
         <p:nvPr/>
       </p:nvGrpSpPr>
@@ -942,7 +943,7 @@
       </p:grpSpPr>
       <p:sp>
         <p:nvSpPr>
-          <p:cNvPr id="227" name="Google Shape;227;g120e0aebf81_4_836:notes"/>
+          <p:cNvPr id="242" name="Google Shape;242;g120e0aebf81_4_850:notes"/>
           <p:cNvSpPr/>
           <p:nvPr>
             <p:ph idx="2" type="sldImg"/>
@@ -977,7 +978,7 @@
       </p:sp>
       <p:sp>
         <p:nvSpPr>
-          <p:cNvPr id="228" name="Google Shape;228;g120e0aebf81_4_836:notes"/>
+          <p:cNvPr id="243" name="Google Shape;243;g120e0aebf81_4_850:notes"/>
           <p:cNvSpPr txBox="1"/>
           <p:nvPr>
             <p:ph idx="1" type="body"/>
@@ -1027,7 +1028,7 @@
   <p:cSld>
     <p:spTree>
       <p:nvGrpSpPr>
-        <p:cNvPr id="232" name="Shape 232"/>
+        <p:cNvPr id="247" name="Shape 247"/>
         <p:cNvGrpSpPr/>
         <p:nvPr/>
       </p:nvGrpSpPr>
@@ -1041,7 +1042,7 @@
       </p:grpSpPr>
       <p:sp>
         <p:nvSpPr>
-          <p:cNvPr id="233" name="Google Shape;233;g120e0aebf81_4_850:notes"/>
+          <p:cNvPr id="248" name="Google Shape;248;g120e0aebf81_4_840:notes"/>
           <p:cNvSpPr/>
           <p:nvPr>
             <p:ph idx="2" type="sldImg"/>
@@ -1076,7 +1077,7 @@
       </p:sp>
       <p:sp>
         <p:nvSpPr>
-          <p:cNvPr id="234" name="Google Shape;234;g120e0aebf81_4_850:notes"/>
+          <p:cNvPr id="249" name="Google Shape;249;g120e0aebf81_4_840:notes"/>
           <p:cNvSpPr txBox="1"/>
           <p:nvPr>
             <p:ph idx="1" type="body"/>
@@ -1126,7 +1127,7 @@
   <p:cSld>
     <p:spTree>
       <p:nvGrpSpPr>
-        <p:cNvPr id="238" name="Shape 238"/>
+        <p:cNvPr id="253" name="Shape 253"/>
         <p:cNvGrpSpPr/>
         <p:nvPr/>
       </p:nvGrpSpPr>
@@ -1140,7 +1141,7 @@
       </p:grpSpPr>
       <p:sp>
         <p:nvSpPr>
-          <p:cNvPr id="239" name="Google Shape;239;g120e0aebf81_4_840:notes"/>
+          <p:cNvPr id="254" name="Google Shape;254;g120e0aebf81_4_845:notes"/>
           <p:cNvSpPr/>
           <p:nvPr>
             <p:ph idx="2" type="sldImg"/>
@@ -1175,7 +1176,7 @@
       </p:sp>
       <p:sp>
         <p:nvSpPr>
-          <p:cNvPr id="240" name="Google Shape;240;g120e0aebf81_4_840:notes"/>
+          <p:cNvPr id="255" name="Google Shape;255;g120e0aebf81_4_845:notes"/>
           <p:cNvSpPr txBox="1"/>
           <p:nvPr>
             <p:ph idx="1" type="body"/>
@@ -1225,7 +1226,7 @@
   <p:cSld>
     <p:spTree>
       <p:nvGrpSpPr>
-        <p:cNvPr id="244" name="Shape 244"/>
+        <p:cNvPr id="259" name="Shape 259"/>
         <p:cNvGrpSpPr/>
         <p:nvPr/>
       </p:nvGrpSpPr>
@@ -1239,7 +1240,7 @@
       </p:grpSpPr>
       <p:sp>
         <p:nvSpPr>
-          <p:cNvPr id="245" name="Google Shape;245;g120e0aebf81_4_845:notes"/>
+          <p:cNvPr id="260" name="Google Shape;260;g13822425e73_0_6:notes"/>
           <p:cNvSpPr/>
           <p:nvPr>
             <p:ph idx="2" type="sldImg"/>
@@ -1274,7 +1275,7 @@
       </p:sp>
       <p:sp>
         <p:nvSpPr>
-          <p:cNvPr id="246" name="Google Shape;246;g120e0aebf81_4_845:notes"/>
+          <p:cNvPr id="261" name="Google Shape;261;g13822425e73_0_6:notes"/>
           <p:cNvSpPr txBox="1"/>
           <p:nvPr>
             <p:ph idx="1" type="body"/>
@@ -1324,7 +1325,7 @@
   <p:cSld>
     <p:spTree>
       <p:nvGrpSpPr>
-        <p:cNvPr id="250" name="Shape 250"/>
+        <p:cNvPr id="264" name="Shape 264"/>
         <p:cNvGrpSpPr/>
         <p:nvPr/>
       </p:nvGrpSpPr>
@@ -1338,7 +1339,7 @@
       </p:grpSpPr>
       <p:sp>
         <p:nvSpPr>
-          <p:cNvPr id="251" name="Google Shape;251;g120e0aebf4d_0_104:notes"/>
+          <p:cNvPr id="265" name="Google Shape;265;g13822425e73_0_10:notes"/>
           <p:cNvSpPr/>
           <p:nvPr>
             <p:ph idx="2" type="sldImg"/>
@@ -1373,7 +1374,7 @@
       </p:sp>
       <p:sp>
         <p:nvSpPr>
-          <p:cNvPr id="252" name="Google Shape;252;g120e0aebf4d_0_104:notes"/>
+          <p:cNvPr id="266" name="Google Shape;266;g13822425e73_0_10:notes"/>
           <p:cNvSpPr txBox="1"/>
           <p:nvPr>
             <p:ph idx="1" type="body"/>
@@ -1423,7 +1424,7 @@
   <p:cSld>
     <p:spTree>
       <p:nvGrpSpPr>
-        <p:cNvPr id="256" name="Shape 256"/>
+        <p:cNvPr id="271" name="Shape 271"/>
         <p:cNvGrpSpPr/>
         <p:nvPr/>
       </p:nvGrpSpPr>
@@ -1437,7 +1438,7 @@
       </p:grpSpPr>
       <p:sp>
         <p:nvSpPr>
-          <p:cNvPr id="257" name="Google Shape;257;g120e0aebf4d_0_99:notes"/>
+          <p:cNvPr id="272" name="Google Shape;272;g120e0aebf4d_0_104:notes"/>
           <p:cNvSpPr/>
           <p:nvPr>
             <p:ph idx="2" type="sldImg"/>
@@ -1472,7 +1473,7 @@
       </p:sp>
       <p:sp>
         <p:nvSpPr>
-          <p:cNvPr id="258" name="Google Shape;258;g120e0aebf4d_0_99:notes"/>
+          <p:cNvPr id="273" name="Google Shape;273;g120e0aebf4d_0_104:notes"/>
           <p:cNvSpPr txBox="1"/>
           <p:nvPr>
             <p:ph idx="1" type="body"/>
@@ -1522,7 +1523,7 @@
   <p:cSld>
     <p:spTree>
       <p:nvGrpSpPr>
-        <p:cNvPr id="262" name="Shape 262"/>
+        <p:cNvPr id="277" name="Shape 277"/>
         <p:cNvGrpSpPr/>
         <p:nvPr/>
       </p:nvGrpSpPr>
@@ -1536,7 +1537,7 @@
       </p:grpSpPr>
       <p:sp>
         <p:nvSpPr>
-          <p:cNvPr id="263" name="Google Shape;263;g120e0aebf4d_0_91:notes"/>
+          <p:cNvPr id="278" name="Google Shape;278;g120e0aebf4d_0_91:notes"/>
           <p:cNvSpPr/>
           <p:nvPr>
             <p:ph idx="2" type="sldImg"/>
@@ -1571,7 +1572,106 @@
       </p:sp>
       <p:sp>
         <p:nvSpPr>
-          <p:cNvPr id="264" name="Google Shape;264;g120e0aebf4d_0_91:notes"/>
+          <p:cNvPr id="279" name="Google Shape;279;g120e0aebf4d_0_91:notes"/>
+          <p:cNvSpPr txBox="1"/>
+          <p:nvPr>
+            <p:ph idx="1" type="body"/>
+          </p:nvPr>
+        </p:nvSpPr>
+        <p:spPr>
+          <a:xfrm>
+            <a:off x="685800" y="4343400"/>
+            <a:ext cx="5486400" cy="4114800"/>
+          </a:xfrm>
+          <a:prstGeom prst="rect">
+            <a:avLst/>
+          </a:prstGeom>
+        </p:spPr>
+        <p:txBody>
+          <a:bodyPr anchorCtr="0" anchor="t" bIns="91425" lIns="91425" spcFirstLastPara="1" rIns="91425" wrap="square" tIns="91425">
+            <a:noAutofit/>
+          </a:bodyPr>
+          <a:lstStyle/>
+          <a:p>
+            <a:pPr indent="0" lvl="0" marL="0" rtl="0" algn="l">
+              <a:spcBef>
+                <a:spcPts val="0"/>
+              </a:spcBef>
+              <a:spcAft>
+                <a:spcPts val="0"/>
+              </a:spcAft>
+              <a:buNone/>
+            </a:pPr>
+            <a:r>
+              <a:t/>
+            </a:r>
+            <a:endParaRPr/>
+          </a:p>
+        </p:txBody>
+      </p:sp>
+    </p:spTree>
+  </p:cSld>
+  <p:clrMapOvr>
+    <a:masterClrMapping/>
+  </p:clrMapOvr>
+</p:notes>
+</file>
+
+<file path=ppt/notesSlides/notesSlide18.xml><?xml version="1.0" encoding="utf-8"?>
+<p:notes xmlns:a="http://schemas.openxmlformats.org/drawingml/2006/main" xmlns:r="http://schemas.openxmlformats.org/officeDocument/2006/relationships" xmlns:mc="http://schemas.openxmlformats.org/markup-compatibility/2006" xmlns:mv="urn:schemas-microsoft-com:mac:vml" xmlns:p="http://schemas.openxmlformats.org/presentationml/2006/main" xmlns:c="http://schemas.openxmlformats.org/drawingml/2006/chart" xmlns:dgm="http://schemas.openxmlformats.org/drawingml/2006/diagram" xmlns:o="urn:schemas-microsoft-com:office:office" xmlns:v="urn:schemas-microsoft-com:vml" xmlns:pvml="urn:schemas-microsoft-com:office:powerpoint" xmlns:com="http://schemas.openxmlformats.org/drawingml/2006/compatibility" xmlns:p14="http://schemas.microsoft.com/office/powerpoint/2010/main" xmlns:p15="http://schemas.microsoft.com/office/powerpoint/2012/main" xmlns:ahyp="http://schemas.microsoft.com/office/drawing/2018/hyperlinkcolor" showMasterPhAnim="0" showMasterSp="0">
+  <p:cSld>
+    <p:spTree>
+      <p:nvGrpSpPr>
+        <p:cNvPr id="282" name="Shape 282"/>
+        <p:cNvGrpSpPr/>
+        <p:nvPr/>
+      </p:nvGrpSpPr>
+      <p:grpSpPr>
+        <a:xfrm>
+          <a:off x="0" y="0"/>
+          <a:ext cx="0" cy="0"/>
+          <a:chOff x="0" y="0"/>
+          <a:chExt cx="0" cy="0"/>
+        </a:xfrm>
+      </p:grpSpPr>
+      <p:sp>
+        <p:nvSpPr>
+          <p:cNvPr id="283" name="Google Shape;283;g120e0aebf4d_0_99:notes"/>
+          <p:cNvSpPr/>
+          <p:nvPr>
+            <p:ph idx="2" type="sldImg"/>
+          </p:nvPr>
+        </p:nvSpPr>
+        <p:spPr>
+          <a:xfrm>
+            <a:off x="381300" y="685800"/>
+            <a:ext cx="6096000" cy="3429000"/>
+          </a:xfrm>
+          <a:custGeom>
+            <a:rect b="b" l="l" r="r" t="t"/>
+            <a:pathLst>
+              <a:path extrusionOk="0" h="120000" w="120000">
+                <a:moveTo>
+                  <a:pt x="0" y="0"/>
+                </a:moveTo>
+                <a:lnTo>
+                  <a:pt x="120000" y="0"/>
+                </a:lnTo>
+                <a:lnTo>
+                  <a:pt x="120000" y="120000"/>
+                </a:lnTo>
+                <a:lnTo>
+                  <a:pt x="0" y="120000"/>
+                </a:lnTo>
+                <a:close/>
+              </a:path>
+            </a:pathLst>
+          </a:custGeom>
+        </p:spPr>
+      </p:sp>
+      <p:sp>
+        <p:nvSpPr>
+          <p:cNvPr id="284" name="Google Shape;284;g120e0aebf4d_0_99:notes"/>
           <p:cNvSpPr txBox="1"/>
           <p:nvPr>
             <p:ph idx="1" type="body"/>
@@ -2017,7 +2117,7 @@
   <p:cSld>
     <p:spTree>
       <p:nvGrpSpPr>
-        <p:cNvPr id="195" name="Shape 195"/>
+        <p:cNvPr id="209" name="Shape 209"/>
         <p:cNvGrpSpPr/>
         <p:nvPr/>
       </p:nvGrpSpPr>
@@ -2031,7 +2131,7 @@
       </p:grpSpPr>
       <p:sp>
         <p:nvSpPr>
-          <p:cNvPr id="196" name="Google Shape;196;g120e0aebf81_2_10:notes"/>
+          <p:cNvPr id="210" name="Google Shape;210;g120e0aebf81_2_10:notes"/>
           <p:cNvSpPr/>
           <p:nvPr>
             <p:ph idx="2" type="sldImg"/>
@@ -2066,7 +2166,7 @@
       </p:sp>
       <p:sp>
         <p:nvSpPr>
-          <p:cNvPr id="197" name="Google Shape;197;g120e0aebf81_2_10:notes"/>
+          <p:cNvPr id="211" name="Google Shape;211;g120e0aebf81_2_10:notes"/>
           <p:cNvSpPr txBox="1"/>
           <p:nvPr>
             <p:ph idx="1" type="body"/>
@@ -2116,7 +2216,7 @@
   <p:cSld>
     <p:spTree>
       <p:nvGrpSpPr>
-        <p:cNvPr id="200" name="Shape 200"/>
+        <p:cNvPr id="214" name="Shape 214"/>
         <p:cNvGrpSpPr/>
         <p:nvPr/>
       </p:nvGrpSpPr>
@@ -2130,7 +2230,7 @@
       </p:grpSpPr>
       <p:sp>
         <p:nvSpPr>
-          <p:cNvPr id="201" name="Google Shape;201;g120e0aebf4d_0_87:notes"/>
+          <p:cNvPr id="215" name="Google Shape;215;g120e0aebf81_1_157:notes"/>
           <p:cNvSpPr/>
           <p:nvPr>
             <p:ph idx="2" type="sldImg"/>
@@ -2165,7 +2265,7 @@
       </p:sp>
       <p:sp>
         <p:nvSpPr>
-          <p:cNvPr id="202" name="Google Shape;202;g120e0aebf4d_0_87:notes"/>
+          <p:cNvPr id="216" name="Google Shape;216;g120e0aebf81_1_157:notes"/>
           <p:cNvSpPr txBox="1"/>
           <p:nvPr>
             <p:ph idx="1" type="body"/>
@@ -2215,7 +2315,7 @@
   <p:cSld>
     <p:spTree>
       <p:nvGrpSpPr>
-        <p:cNvPr id="205" name="Shape 205"/>
+        <p:cNvPr id="219" name="Shape 219"/>
         <p:cNvGrpSpPr/>
         <p:nvPr/>
       </p:nvGrpSpPr>
@@ -2229,7 +2329,7 @@
       </p:grpSpPr>
       <p:sp>
         <p:nvSpPr>
-          <p:cNvPr id="206" name="Google Shape;206;g120e0aebf81_1_157:notes"/>
+          <p:cNvPr id="220" name="Google Shape;220;g120e0aebf81_1_165:notes"/>
           <p:cNvSpPr/>
           <p:nvPr>
             <p:ph idx="2" type="sldImg"/>
@@ -2264,7 +2364,7 @@
       </p:sp>
       <p:sp>
         <p:nvSpPr>
-          <p:cNvPr id="207" name="Google Shape;207;g120e0aebf81_1_157:notes"/>
+          <p:cNvPr id="221" name="Google Shape;221;g120e0aebf81_1_165:notes"/>
           <p:cNvSpPr txBox="1"/>
           <p:nvPr>
             <p:ph idx="1" type="body"/>
@@ -2314,7 +2414,7 @@
   <p:cSld>
     <p:spTree>
       <p:nvGrpSpPr>
-        <p:cNvPr id="210" name="Shape 210"/>
+        <p:cNvPr id="227" name="Shape 227"/>
         <p:cNvGrpSpPr/>
         <p:nvPr/>
       </p:nvGrpSpPr>
@@ -2328,7 +2428,7 @@
       </p:grpSpPr>
       <p:sp>
         <p:nvSpPr>
-          <p:cNvPr id="211" name="Google Shape;211;g120e0aebf81_1_165:notes"/>
+          <p:cNvPr id="228" name="Google Shape;228;g120e0aebf81_1_172:notes"/>
           <p:cNvSpPr/>
           <p:nvPr>
             <p:ph idx="2" type="sldImg"/>
@@ -2363,7 +2463,7 @@
       </p:sp>
       <p:sp>
         <p:nvSpPr>
-          <p:cNvPr id="212" name="Google Shape;212;g120e0aebf81_1_165:notes"/>
+          <p:cNvPr id="229" name="Google Shape;229;g120e0aebf81_1_172:notes"/>
           <p:cNvSpPr txBox="1"/>
           <p:nvPr>
             <p:ph idx="1" type="body"/>
@@ -8338,7 +8438,7 @@
         </p:spPr>
         <p:txBody>
           <a:bodyPr anchorCtr="0" anchor="t" bIns="91425" lIns="91425" spcFirstLastPara="1" rIns="91425" wrap="square" tIns="91425">
-            <a:normAutofit/>
+            <a:normAutofit fontScale="90000"/>
           </a:bodyPr>
           <a:lstStyle/>
           <a:p>
@@ -8357,7 +8457,39 @@
             </a:r>
             <a:r>
               <a:rPr lang="es"/>
-              <a:t>ergeSort</a:t>
+              <a:t>erge Sort</a:t>
+            </a:r>
+            <a:endParaRPr/>
+          </a:p>
+          <a:p>
+            <a:pPr indent="0" lvl="0" marL="0" rtl="0" algn="l">
+              <a:spcBef>
+                <a:spcPts val="0"/>
+              </a:spcBef>
+              <a:spcAft>
+                <a:spcPts val="0"/>
+              </a:spcAft>
+              <a:buNone/>
+            </a:pPr>
+            <a:r>
+              <a:rPr lang="es"/>
+              <a:t>Selection Sort</a:t>
+            </a:r>
+            <a:endParaRPr/>
+          </a:p>
+          <a:p>
+            <a:pPr indent="0" lvl="0" marL="0" rtl="0" algn="l">
+              <a:spcBef>
+                <a:spcPts val="0"/>
+              </a:spcBef>
+              <a:spcAft>
+                <a:spcPts val="0"/>
+              </a:spcAft>
+              <a:buNone/>
+            </a:pPr>
+            <a:r>
+              <a:rPr lang="es"/>
+              <a:t>Introsort</a:t>
             </a:r>
             <a:endParaRPr/>
           </a:p>
@@ -8382,40 +8514,75 @@
         </p:spPr>
         <p:txBody>
           <a:bodyPr anchorCtr="0" anchor="b" bIns="91425" lIns="91425" spcFirstLastPara="1" rIns="91425" wrap="square" tIns="91425">
-            <a:normAutofit/>
+            <a:normAutofit lnSpcReduction="20000"/>
           </a:bodyPr>
           <a:lstStyle/>
           <a:p>
-            <a:pPr indent="0" lvl="0" marL="0" rtl="0" algn="l">
-              <a:spcBef>
-                <a:spcPts val="0"/>
-              </a:spcBef>
-              <a:spcAft>
-                <a:spcPts val="0"/>
-              </a:spcAft>
-              <a:buNone/>
+            <a:pPr indent="-342900" lvl="0" marL="457200" rtl="0" algn="l">
+              <a:lnSpc>
+                <a:spcPct val="115000"/>
+              </a:lnSpc>
+              <a:spcBef>
+                <a:spcPts val="0"/>
+              </a:spcBef>
+              <a:spcAft>
+                <a:spcPts val="0"/>
+              </a:spcAft>
+              <a:buSzPts val="1800"/>
+              <a:buChar char="●"/>
             </a:pPr>
             <a:r>
               <a:rPr lang="es"/>
-              <a:t>Villena Peña, Diego Salvador</a:t>
+              <a:t>Quiroz Maquin, Nincol Abraham </a:t>
             </a:r>
             <a:endParaRPr/>
           </a:p>
           <a:p>
-            <a:pPr indent="0" lvl="0" marL="0" rtl="0" algn="l">
-              <a:spcBef>
-                <a:spcPts val="0"/>
-              </a:spcBef>
-              <a:spcAft>
-                <a:spcPts val="0"/>
-              </a:spcAft>
-              <a:buNone/>
+            <a:pPr indent="-342900" lvl="0" marL="457200" rtl="0" algn="l">
+              <a:lnSpc>
+                <a:spcPct val="115000"/>
+              </a:lnSpc>
+              <a:spcBef>
+                <a:spcPts val="0"/>
+              </a:spcBef>
+              <a:spcAft>
+                <a:spcPts val="0"/>
+              </a:spcAft>
+              <a:buSzPts val="1800"/>
+              <a:buChar char="●"/>
             </a:pPr>
             <a:r>
               <a:rPr lang="es"/>
-              <a:t>Dasso Arana, Alvaro José</a:t>
+              <a:t>Sánchez Atahualpa, José Miguel</a:t>
             </a:r>
             <a:endParaRPr/>
+          </a:p>
+          <a:p>
+            <a:pPr indent="-342900" lvl="0" marL="457200" rtl="0" algn="l">
+              <a:lnSpc>
+                <a:spcPct val="115000"/>
+              </a:lnSpc>
+              <a:spcBef>
+                <a:spcPts val="0"/>
+              </a:spcBef>
+              <a:spcAft>
+                <a:spcPts val="0"/>
+              </a:spcAft>
+              <a:buSzPts val="1800"/>
+              <a:buChar char="●"/>
+            </a:pPr>
+            <a:r>
+              <a:rPr lang="es"/>
+              <a:t>Villena Peña, Diego Salvador</a:t>
+            </a:r>
+            <a:endParaRPr sz="1050">
+              <a:solidFill>
+                <a:srgbClr val="2D3B45"/>
+              </a:solidFill>
+              <a:highlight>
+                <a:srgbClr val="FFFFFF"/>
+              </a:highlight>
+            </a:endParaRPr>
           </a:p>
           <a:p>
             <a:pPr indent="0" lvl="0" marL="0" rtl="0" algn="l">
@@ -8433,8 +8600,7 @@
               <a:buNone/>
             </a:pPr>
             <a:r>
-              <a:rPr lang="es"/>
-              <a:t>Flores Rimac, Christopher William</a:t>
+              <a:t/>
             </a:r>
             <a:endParaRPr/>
           </a:p>
@@ -8453,7 +8619,7 @@
   <p:cSld>
     <p:spTree>
       <p:nvGrpSpPr>
-        <p:cNvPr id="221" name="Shape 221"/>
+        <p:cNvPr id="238" name="Shape 238"/>
         <p:cNvGrpSpPr/>
         <p:nvPr/>
       </p:nvGrpSpPr>
@@ -8467,277 +8633,7 @@
       </p:grpSpPr>
       <p:sp>
         <p:nvSpPr>
-          <p:cNvPr id="222" name="Google Shape;222;p22"/>
-          <p:cNvSpPr txBox="1"/>
-          <p:nvPr>
-            <p:ph type="title"/>
-          </p:nvPr>
-        </p:nvSpPr>
-        <p:spPr>
-          <a:xfrm>
-            <a:off x="303300" y="1249775"/>
-            <a:ext cx="4268700" cy="639600"/>
-          </a:xfrm>
-          <a:prstGeom prst="rect">
-            <a:avLst/>
-          </a:prstGeom>
-        </p:spPr>
-        <p:txBody>
-          <a:bodyPr anchorCtr="0" anchor="t" bIns="91425" lIns="91425" spcFirstLastPara="1" rIns="91425" wrap="square" tIns="91425">
-            <a:normAutofit fontScale="90000"/>
-          </a:bodyPr>
-          <a:lstStyle/>
-          <a:p>
-            <a:pPr indent="0" lvl="0" marL="0" rtl="0" algn="ctr">
-              <a:spcBef>
-                <a:spcPts val="0"/>
-              </a:spcBef>
-              <a:spcAft>
-                <a:spcPts val="0"/>
-              </a:spcAft>
-              <a:buNone/>
-            </a:pPr>
-            <a:r>
-              <a:rPr lang="es"/>
-              <a:t>Pros</a:t>
-            </a:r>
-            <a:endParaRPr/>
-          </a:p>
-        </p:txBody>
-      </p:sp>
-      <p:sp>
-        <p:nvSpPr>
-          <p:cNvPr id="223" name="Google Shape;223;p22"/>
-          <p:cNvSpPr txBox="1"/>
-          <p:nvPr>
-            <p:ph idx="4294967295" type="body"/>
-          </p:nvPr>
-        </p:nvSpPr>
-        <p:spPr>
-          <a:xfrm>
-            <a:off x="303300" y="1763700"/>
-            <a:ext cx="4437000" cy="3002400"/>
-          </a:xfrm>
-          <a:prstGeom prst="rect">
-            <a:avLst/>
-          </a:prstGeom>
-        </p:spPr>
-        <p:txBody>
-          <a:bodyPr anchorCtr="0" anchor="t" bIns="91425" lIns="91425" spcFirstLastPara="1" rIns="91425" wrap="square" tIns="91425">
-            <a:normAutofit/>
-          </a:bodyPr>
-          <a:lstStyle/>
-          <a:p>
-            <a:pPr indent="-342900" lvl="0" marL="457200" rtl="0" algn="l">
-              <a:spcBef>
-                <a:spcPts val="0"/>
-              </a:spcBef>
-              <a:spcAft>
-                <a:spcPts val="0"/>
-              </a:spcAft>
-              <a:buSzPts val="1800"/>
-              <a:buChar char="●"/>
-            </a:pPr>
-            <a:r>
-              <a:rPr lang="es"/>
-              <a:t>Es fácil de implementar.</a:t>
-            </a:r>
-            <a:endParaRPr/>
-          </a:p>
-          <a:p>
-            <a:pPr indent="-342900" lvl="0" marL="457200" rtl="0" algn="l">
-              <a:spcBef>
-                <a:spcPts val="0"/>
-              </a:spcBef>
-              <a:spcAft>
-                <a:spcPts val="0"/>
-              </a:spcAft>
-              <a:buSzPts val="1800"/>
-              <a:buChar char="●"/>
-            </a:pPr>
-            <a:r>
-              <a:rPr lang="es"/>
-              <a:t>No necesita memoria adicional.</a:t>
-            </a:r>
-            <a:endParaRPr/>
-          </a:p>
-          <a:p>
-            <a:pPr indent="-342900" lvl="0" marL="457200" rtl="0" algn="l">
-              <a:spcBef>
-                <a:spcPts val="0"/>
-              </a:spcBef>
-              <a:spcAft>
-                <a:spcPts val="0"/>
-              </a:spcAft>
-              <a:buSzPts val="1800"/>
-              <a:buChar char="●"/>
-            </a:pPr>
-            <a:r>
-              <a:rPr lang="es"/>
-              <a:t>Realiza pocos intercambios.</a:t>
-            </a:r>
-            <a:endParaRPr/>
-          </a:p>
-          <a:p>
-            <a:pPr indent="-342900" lvl="0" marL="457200" rtl="0" algn="l">
-              <a:spcBef>
-                <a:spcPts val="0"/>
-              </a:spcBef>
-              <a:spcAft>
-                <a:spcPts val="0"/>
-              </a:spcAft>
-              <a:buSzPts val="1800"/>
-              <a:buChar char="●"/>
-            </a:pPr>
-            <a:r>
-              <a:rPr lang="es"/>
-              <a:t>Rendimiento constante.</a:t>
-            </a:r>
-            <a:endParaRPr/>
-          </a:p>
-          <a:p>
-            <a:pPr indent="0" lvl="0" marL="0" rtl="0" algn="l">
-              <a:spcBef>
-                <a:spcPts val="1200"/>
-              </a:spcBef>
-              <a:spcAft>
-                <a:spcPts val="1200"/>
-              </a:spcAft>
-              <a:buNone/>
-            </a:pPr>
-            <a:r>
-              <a:t/>
-            </a:r>
-            <a:endParaRPr/>
-          </a:p>
-        </p:txBody>
-      </p:sp>
-      <p:sp>
-        <p:nvSpPr>
-          <p:cNvPr id="224" name="Google Shape;224;p22"/>
-          <p:cNvSpPr txBox="1"/>
-          <p:nvPr>
-            <p:ph type="title"/>
-          </p:nvPr>
-        </p:nvSpPr>
-        <p:spPr>
-          <a:xfrm>
-            <a:off x="4740275" y="1249775"/>
-            <a:ext cx="4268700" cy="639600"/>
-          </a:xfrm>
-          <a:prstGeom prst="rect">
-            <a:avLst/>
-          </a:prstGeom>
-        </p:spPr>
-        <p:txBody>
-          <a:bodyPr anchorCtr="0" anchor="t" bIns="91425" lIns="91425" spcFirstLastPara="1" rIns="91425" wrap="square" tIns="91425">
-            <a:normAutofit fontScale="90000"/>
-          </a:bodyPr>
-          <a:lstStyle/>
-          <a:p>
-            <a:pPr indent="0" lvl="0" marL="0" rtl="0" algn="ctr">
-              <a:spcBef>
-                <a:spcPts val="0"/>
-              </a:spcBef>
-              <a:spcAft>
-                <a:spcPts val="0"/>
-              </a:spcAft>
-              <a:buNone/>
-            </a:pPr>
-            <a:r>
-              <a:rPr lang="es"/>
-              <a:t>Contras</a:t>
-            </a:r>
-            <a:endParaRPr/>
-          </a:p>
-        </p:txBody>
-      </p:sp>
-      <p:sp>
-        <p:nvSpPr>
-          <p:cNvPr id="225" name="Google Shape;225;p22"/>
-          <p:cNvSpPr txBox="1"/>
-          <p:nvPr>
-            <p:ph idx="4294967295" type="body"/>
-          </p:nvPr>
-        </p:nvSpPr>
-        <p:spPr>
-          <a:xfrm>
-            <a:off x="4656125" y="1763700"/>
-            <a:ext cx="4437000" cy="3002400"/>
-          </a:xfrm>
-          <a:prstGeom prst="rect">
-            <a:avLst/>
-          </a:prstGeom>
-        </p:spPr>
-        <p:txBody>
-          <a:bodyPr anchorCtr="0" anchor="t" bIns="91425" lIns="91425" spcFirstLastPara="1" rIns="91425" wrap="square" tIns="91425">
-            <a:normAutofit/>
-          </a:bodyPr>
-          <a:lstStyle/>
-          <a:p>
-            <a:pPr indent="-342900" lvl="0" marL="457200" rtl="0" algn="l">
-              <a:spcBef>
-                <a:spcPts val="0"/>
-              </a:spcBef>
-              <a:spcAft>
-                <a:spcPts val="0"/>
-              </a:spcAft>
-              <a:buSzPts val="1800"/>
-              <a:buChar char="●"/>
-            </a:pPr>
-            <a:r>
-              <a:rPr lang="es"/>
-              <a:t>Es lento, poco eficiente cuando se usa en listas de más de 10 000 unidades</a:t>
-            </a:r>
-            <a:endParaRPr/>
-          </a:p>
-          <a:p>
-            <a:pPr indent="-342900" lvl="0" marL="457200" rtl="0" algn="l">
-              <a:spcBef>
-                <a:spcPts val="0"/>
-              </a:spcBef>
-              <a:spcAft>
-                <a:spcPts val="0"/>
-              </a:spcAft>
-              <a:buSzPts val="1800"/>
-              <a:buChar char="●"/>
-            </a:pPr>
-            <a:r>
-              <a:rPr lang="es"/>
-              <a:t>Realiza numerosas comparaciones.</a:t>
-            </a:r>
-            <a:endParaRPr/>
-          </a:p>
-        </p:txBody>
-      </p:sp>
-    </p:spTree>
-  </p:cSld>
-  <p:clrMapOvr>
-    <a:masterClrMapping/>
-  </p:clrMapOvr>
-</p:sld>
-</file>
-
-<file path=ppt/slides/slide11.xml><?xml version="1.0" encoding="utf-8"?>
-<p:sld xmlns:a="http://schemas.openxmlformats.org/drawingml/2006/main" xmlns:r="http://schemas.openxmlformats.org/officeDocument/2006/relationships" xmlns:mc="http://schemas.openxmlformats.org/markup-compatibility/2006" xmlns:mv="urn:schemas-microsoft-com:mac:vml" xmlns:p="http://schemas.openxmlformats.org/presentationml/2006/main" xmlns:c="http://schemas.openxmlformats.org/drawingml/2006/chart" xmlns:dgm="http://schemas.openxmlformats.org/drawingml/2006/diagram" xmlns:o="urn:schemas-microsoft-com:office:office" xmlns:v="urn:schemas-microsoft-com:vml" xmlns:pvml="urn:schemas-microsoft-com:office:powerpoint" xmlns:com="http://schemas.openxmlformats.org/drawingml/2006/compatibility" xmlns:p14="http://schemas.microsoft.com/office/powerpoint/2010/main" xmlns:p15="http://schemas.microsoft.com/office/powerpoint/2012/main" xmlns:ahyp="http://schemas.microsoft.com/office/drawing/2018/hyperlinkcolor">
-  <p:cSld>
-    <p:spTree>
-      <p:nvGrpSpPr>
-        <p:cNvPr id="229" name="Shape 229"/>
-        <p:cNvGrpSpPr/>
-        <p:nvPr/>
-      </p:nvGrpSpPr>
-      <p:grpSpPr>
-        <a:xfrm>
-          <a:off x="0" y="0"/>
-          <a:ext cx="0" cy="0"/>
-          <a:chOff x="0" y="0"/>
-          <a:chExt cx="0" cy="0"/>
-        </a:xfrm>
-      </p:grpSpPr>
-      <p:sp>
-        <p:nvSpPr>
-          <p:cNvPr id="230" name="Google Shape;230;p23"/>
+          <p:cNvPr id="239" name="Google Shape;239;p22"/>
           <p:cNvSpPr txBox="1"/>
           <p:nvPr>
             <p:ph type="title"/>
@@ -8777,7 +8673,7 @@
       </p:sp>
       <p:graphicFrame>
         <p:nvGraphicFramePr>
-          <p:cNvPr id="231" name="Google Shape;231;p23"/>
+          <p:cNvPr id="240" name="Google Shape;240;p22"/>
           <p:cNvGraphicFramePr/>
           <p:nvPr/>
         </p:nvGraphicFramePr>
@@ -8790,7 +8686,7 @@
             <a:tbl>
               <a:tblPr>
                 <a:noFill/>
-                <a:tableStyleId>{9943CE5C-D84A-4433-9C5C-0A968445AF93}</a:tableStyleId>
+                <a:tableStyleId>{388E561D-561F-45AC-A854-42D78D4A40BB}</a:tableStyleId>
               </a:tblPr>
               <a:tblGrid>
                 <a:gridCol w="1575025"/>
@@ -10678,12 +10574,12 @@
 </p:sld>
 </file>
 
-<file path=ppt/slides/slide12.xml><?xml version="1.0" encoding="utf-8"?>
+<file path=ppt/slides/slide11.xml><?xml version="1.0" encoding="utf-8"?>
 <p:sld xmlns:a="http://schemas.openxmlformats.org/drawingml/2006/main" xmlns:r="http://schemas.openxmlformats.org/officeDocument/2006/relationships" xmlns:mc="http://schemas.openxmlformats.org/markup-compatibility/2006" xmlns:mv="urn:schemas-microsoft-com:mac:vml" xmlns:p="http://schemas.openxmlformats.org/presentationml/2006/main" xmlns:c="http://schemas.openxmlformats.org/drawingml/2006/chart" xmlns:dgm="http://schemas.openxmlformats.org/drawingml/2006/diagram" xmlns:o="urn:schemas-microsoft-com:office:office" xmlns:v="urn:schemas-microsoft-com:vml" xmlns:pvml="urn:schemas-microsoft-com:office:powerpoint" xmlns:com="http://schemas.openxmlformats.org/drawingml/2006/compatibility" xmlns:p14="http://schemas.microsoft.com/office/powerpoint/2010/main" xmlns:p15="http://schemas.microsoft.com/office/powerpoint/2012/main" xmlns:ahyp="http://schemas.microsoft.com/office/drawing/2018/hyperlinkcolor">
   <p:cSld>
     <p:spTree>
       <p:nvGrpSpPr>
-        <p:cNvPr id="235" name="Shape 235"/>
+        <p:cNvPr id="244" name="Shape 244"/>
         <p:cNvGrpSpPr/>
         <p:nvPr/>
       </p:nvGrpSpPr>
@@ -10697,7 +10593,7 @@
       </p:grpSpPr>
       <p:sp>
         <p:nvSpPr>
-          <p:cNvPr id="236" name="Google Shape;236;p24"/>
+          <p:cNvPr id="245" name="Google Shape;245;p23"/>
           <p:cNvSpPr txBox="1"/>
           <p:nvPr>
             <p:ph type="title"/>
@@ -10737,7 +10633,7 @@
       </p:sp>
       <p:pic>
         <p:nvPicPr>
-          <p:cNvPr id="237" name="Google Shape;237;p24"/>
+          <p:cNvPr id="246" name="Google Shape;246;p23"/>
           <p:cNvPicPr preferRelativeResize="0"/>
           <p:nvPr/>
         </p:nvPicPr>
@@ -10753,6 +10649,99 @@
           <a:xfrm>
             <a:off x="1030211" y="954595"/>
             <a:ext cx="7083574" cy="4098999"/>
+          </a:xfrm>
+          <a:prstGeom prst="rect">
+            <a:avLst/>
+          </a:prstGeom>
+          <a:noFill/>
+          <a:ln>
+            <a:noFill/>
+          </a:ln>
+        </p:spPr>
+      </p:pic>
+    </p:spTree>
+  </p:cSld>
+  <p:clrMapOvr>
+    <a:masterClrMapping/>
+  </p:clrMapOvr>
+</p:sld>
+</file>
+
+<file path=ppt/slides/slide12.xml><?xml version="1.0" encoding="utf-8"?>
+<p:sld xmlns:a="http://schemas.openxmlformats.org/drawingml/2006/main" xmlns:r="http://schemas.openxmlformats.org/officeDocument/2006/relationships" xmlns:mc="http://schemas.openxmlformats.org/markup-compatibility/2006" xmlns:mv="urn:schemas-microsoft-com:mac:vml" xmlns:p="http://schemas.openxmlformats.org/presentationml/2006/main" xmlns:c="http://schemas.openxmlformats.org/drawingml/2006/chart" xmlns:dgm="http://schemas.openxmlformats.org/drawingml/2006/diagram" xmlns:o="urn:schemas-microsoft-com:office:office" xmlns:v="urn:schemas-microsoft-com:vml" xmlns:pvml="urn:schemas-microsoft-com:office:powerpoint" xmlns:com="http://schemas.openxmlformats.org/drawingml/2006/compatibility" xmlns:p14="http://schemas.microsoft.com/office/powerpoint/2010/main" xmlns:p15="http://schemas.microsoft.com/office/powerpoint/2012/main" xmlns:ahyp="http://schemas.microsoft.com/office/drawing/2018/hyperlinkcolor">
+  <p:cSld>
+    <p:spTree>
+      <p:nvGrpSpPr>
+        <p:cNvPr id="250" name="Shape 250"/>
+        <p:cNvGrpSpPr/>
+        <p:nvPr/>
+      </p:nvGrpSpPr>
+      <p:grpSpPr>
+        <a:xfrm>
+          <a:off x="0" y="0"/>
+          <a:ext cx="0" cy="0"/>
+          <a:chOff x="0" y="0"/>
+          <a:chExt cx="0" cy="0"/>
+        </a:xfrm>
+      </p:grpSpPr>
+      <p:sp>
+        <p:nvSpPr>
+          <p:cNvPr id="251" name="Google Shape;251;p24"/>
+          <p:cNvSpPr txBox="1"/>
+          <p:nvPr>
+            <p:ph type="title"/>
+          </p:nvPr>
+        </p:nvSpPr>
+        <p:spPr>
+          <a:xfrm>
+            <a:off x="303300" y="411575"/>
+            <a:ext cx="8520600" cy="639600"/>
+          </a:xfrm>
+          <a:prstGeom prst="rect">
+            <a:avLst/>
+          </a:prstGeom>
+        </p:spPr>
+        <p:txBody>
+          <a:bodyPr anchorCtr="0" anchor="t" bIns="91425" lIns="91425" spcFirstLastPara="1" rIns="91425" wrap="square" tIns="91425">
+            <a:normAutofit fontScale="90000"/>
+          </a:bodyPr>
+          <a:lstStyle/>
+          <a:p>
+            <a:pPr indent="0" lvl="0" marL="0" rtl="0" algn="l">
+              <a:spcBef>
+                <a:spcPts val="0"/>
+              </a:spcBef>
+              <a:spcAft>
+                <a:spcPts val="0"/>
+              </a:spcAft>
+              <a:buNone/>
+            </a:pPr>
+            <a:r>
+              <a:rPr lang="es"/>
+              <a:t>Gráfica completa</a:t>
+            </a:r>
+            <a:endParaRPr/>
+          </a:p>
+        </p:txBody>
+      </p:sp>
+      <p:pic>
+        <p:nvPicPr>
+          <p:cNvPr id="252" name="Google Shape;252;p24"/>
+          <p:cNvPicPr preferRelativeResize="0"/>
+          <p:nvPr/>
+        </p:nvPicPr>
+        <p:blipFill>
+          <a:blip r:embed="rId3">
+            <a:alphaModFix/>
+          </a:blip>
+          <a:stretch>
+            <a:fillRect/>
+          </a:stretch>
+        </p:blipFill>
+        <p:spPr>
+          <a:xfrm>
+            <a:off x="1340875" y="1051175"/>
+            <a:ext cx="6545331" cy="3787524"/>
           </a:xfrm>
           <a:prstGeom prst="rect">
             <a:avLst/>
@@ -10776,7 +10765,7 @@
   <p:cSld>
     <p:spTree>
       <p:nvGrpSpPr>
-        <p:cNvPr id="241" name="Shape 241"/>
+        <p:cNvPr id="256" name="Shape 256"/>
         <p:cNvGrpSpPr/>
         <p:nvPr/>
       </p:nvGrpSpPr>
@@ -10790,7 +10779,7 @@
       </p:grpSpPr>
       <p:sp>
         <p:nvSpPr>
-          <p:cNvPr id="242" name="Google Shape;242;p25"/>
+          <p:cNvPr id="257" name="Google Shape;257;p25"/>
           <p:cNvSpPr txBox="1"/>
           <p:nvPr>
             <p:ph type="title"/>
@@ -10822,7 +10811,7 @@
             </a:pPr>
             <a:r>
               <a:rPr lang="es"/>
-              <a:t>Gráfica completa</a:t>
+              <a:t>Escala logarítmica del tiempo</a:t>
             </a:r>
             <a:endParaRPr/>
           </a:p>
@@ -10830,7 +10819,7 @@
       </p:sp>
       <p:pic>
         <p:nvPicPr>
-          <p:cNvPr id="243" name="Google Shape;243;p25"/>
+          <p:cNvPr id="258" name="Google Shape;258;p25"/>
           <p:cNvPicPr preferRelativeResize="0"/>
           <p:nvPr/>
         </p:nvPicPr>
@@ -10844,7 +10833,7 @@
         </p:blipFill>
         <p:spPr>
           <a:xfrm>
-            <a:off x="1340875" y="1051175"/>
+            <a:off x="1290938" y="1143650"/>
             <a:ext cx="6545331" cy="3787524"/>
           </a:xfrm>
           <a:prstGeom prst="rect">
@@ -10869,7 +10858,7 @@
   <p:cSld>
     <p:spTree>
       <p:nvGrpSpPr>
-        <p:cNvPr id="247" name="Shape 247"/>
+        <p:cNvPr id="262" name="Shape 262"/>
         <p:cNvGrpSpPr/>
         <p:nvPr/>
       </p:nvGrpSpPr>
@@ -10883,7 +10872,7 @@
       </p:grpSpPr>
       <p:sp>
         <p:nvSpPr>
-          <p:cNvPr id="248" name="Google Shape;248;p26"/>
+          <p:cNvPr id="263" name="Google Shape;263;p26"/>
           <p:cNvSpPr txBox="1"/>
           <p:nvPr>
             <p:ph type="title"/>
@@ -10891,16 +10880,16 @@
         </p:nvSpPr>
         <p:spPr>
           <a:xfrm>
-            <a:off x="303300" y="411575"/>
-            <a:ext cx="8520600" cy="639600"/>
+            <a:off x="406425" y="1806825"/>
+            <a:ext cx="8296800" cy="1542000"/>
           </a:xfrm>
           <a:prstGeom prst="rect">
             <a:avLst/>
           </a:prstGeom>
         </p:spPr>
         <p:txBody>
-          <a:bodyPr anchorCtr="0" anchor="t" bIns="91425" lIns="91425" spcFirstLastPara="1" rIns="91425" wrap="square" tIns="91425">
-            <a:normAutofit fontScale="90000"/>
+          <a:bodyPr anchorCtr="0" anchor="ctr" bIns="91425" lIns="91425" spcFirstLastPara="1" rIns="91425" wrap="square" tIns="91425">
+            <a:normAutofit/>
           </a:bodyPr>
           <a:lstStyle/>
           <a:p>
@@ -10915,40 +10904,16 @@
             </a:pPr>
             <a:r>
               <a:rPr lang="es"/>
-              <a:t>Escala logarítmica del tiempo</a:t>
+              <a:t>Intros</a:t>
+            </a:r>
+            <a:r>
+              <a:rPr lang="es"/>
+              <a:t>ort</a:t>
             </a:r>
             <a:endParaRPr/>
           </a:p>
         </p:txBody>
       </p:sp>
-      <p:pic>
-        <p:nvPicPr>
-          <p:cNvPr id="249" name="Google Shape;249;p26"/>
-          <p:cNvPicPr preferRelativeResize="0"/>
-          <p:nvPr/>
-        </p:nvPicPr>
-        <p:blipFill>
-          <a:blip r:embed="rId3">
-            <a:alphaModFix/>
-          </a:blip>
-          <a:stretch>
-            <a:fillRect/>
-          </a:stretch>
-        </p:blipFill>
-        <p:spPr>
-          <a:xfrm>
-            <a:off x="1290938" y="1143650"/>
-            <a:ext cx="6545331" cy="3787524"/>
-          </a:xfrm>
-          <a:prstGeom prst="rect">
-            <a:avLst/>
-          </a:prstGeom>
-          <a:noFill/>
-          <a:ln>
-            <a:noFill/>
-          </a:ln>
-        </p:spPr>
-      </p:pic>
     </p:spTree>
   </p:cSld>
   <p:clrMapOvr>
@@ -10962,7 +10927,7 @@
   <p:cSld>
     <p:spTree>
       <p:nvGrpSpPr>
-        <p:cNvPr id="253" name="Shape 253"/>
+        <p:cNvPr id="267" name="Shape 267"/>
         <p:cNvGrpSpPr/>
         <p:nvPr/>
       </p:nvGrpSpPr>
@@ -10976,7 +10941,7 @@
       </p:grpSpPr>
       <p:sp>
         <p:nvSpPr>
-          <p:cNvPr id="254" name="Google Shape;254;p27"/>
+          <p:cNvPr id="268" name="Google Shape;268;p27"/>
           <p:cNvSpPr txBox="1"/>
           <p:nvPr>
             <p:ph type="title"/>
@@ -10984,8 +10949,8 @@
         </p:nvSpPr>
         <p:spPr>
           <a:xfrm>
-            <a:off x="2400250" y="575950"/>
-            <a:ext cx="6321600" cy="635400"/>
+            <a:off x="303300" y="411575"/>
+            <a:ext cx="8520600" cy="639600"/>
           </a:xfrm>
           <a:prstGeom prst="rect">
             <a:avLst/>
@@ -11004,11 +10969,51 @@
               <a:spcAft>
                 <a:spcPts val="0"/>
               </a:spcAft>
+              <a:buClr>
+                <a:schemeClr val="dk2"/>
+              </a:buClr>
+              <a:buSzPct val="36666"/>
+              <a:buFont typeface="Arial"/>
               <a:buNone/>
             </a:pPr>
             <a:r>
               <a:rPr lang="es"/>
-              <a:t>Referencias</a:t>
+              <a:t>Sobre Introsort</a:t>
+            </a:r>
+            <a:endParaRPr/>
+          </a:p>
+          <a:p>
+            <a:pPr indent="0" lvl="0" marL="0" rtl="0" algn="l">
+              <a:spcBef>
+                <a:spcPts val="0"/>
+              </a:spcBef>
+              <a:spcAft>
+                <a:spcPts val="0"/>
+              </a:spcAft>
+              <a:buClr>
+                <a:schemeClr val="dk2"/>
+              </a:buClr>
+              <a:buSzPct val="36666"/>
+              <a:buFont typeface="Arial"/>
+              <a:buNone/>
+            </a:pPr>
+            <a:r>
+              <a:t/>
+            </a:r>
+            <a:endParaRPr/>
+          </a:p>
+          <a:p>
+            <a:pPr indent="0" lvl="0" marL="0" rtl="0" algn="l">
+              <a:spcBef>
+                <a:spcPts val="0"/>
+              </a:spcBef>
+              <a:spcAft>
+                <a:spcPts val="0"/>
+              </a:spcAft>
+              <a:buNone/>
+            </a:pPr>
+            <a:r>
+              <a:t/>
             </a:r>
             <a:endParaRPr/>
           </a:p>
@@ -11016,16 +11021,16 @@
       </p:sp>
       <p:sp>
         <p:nvSpPr>
-          <p:cNvPr id="255" name="Google Shape;255;p27"/>
+          <p:cNvPr id="269" name="Google Shape;269;p27"/>
           <p:cNvSpPr txBox="1"/>
           <p:nvPr>
-            <p:ph idx="1" type="body"/>
+            <p:ph idx="4294967295" type="body"/>
           </p:nvPr>
         </p:nvSpPr>
         <p:spPr>
           <a:xfrm>
-            <a:off x="2410112" y="1595776"/>
-            <a:ext cx="6321600" cy="3002400"/>
+            <a:off x="303300" y="995400"/>
+            <a:ext cx="5958900" cy="3002400"/>
           </a:xfrm>
           <a:prstGeom prst="rect">
             <a:avLst/>
@@ -11048,13 +11053,8 @@
               <a:buChar char="●"/>
             </a:pPr>
             <a:r>
-              <a:rPr lang="es" u="sng">
-                <a:solidFill>
-                  <a:schemeClr val="hlink"/>
-                </a:solidFill>
-                <a:hlinkClick r:id="rId3"/>
-              </a:rPr>
-              <a:t>https://brilliant.org/wiki/sorting-algorithms/</a:t>
+              <a:rPr lang="es"/>
+              <a:t>Es una combinación de Quicksort, Heapsort e InsertionSort.</a:t>
             </a:r>
             <a:endParaRPr/>
           </a:p>
@@ -11070,13 +11070,20 @@
               <a:buChar char="●"/>
             </a:pPr>
             <a:r>
-              <a:rPr lang="es" u="sng">
-                <a:solidFill>
-                  <a:schemeClr val="hlink"/>
-                </a:solidFill>
-                <a:hlinkClick r:id="rId4"/>
-              </a:rPr>
-              <a:t>https://www.geeksforgeeks.org/selection-sort/</a:t>
+              <a:rPr lang="es"/>
+              <a:t>Su complejidad computacional es en promedio </a:t>
+            </a:r>
+            <a:r>
+              <a:rPr lang="es"/>
+              <a:t>O(nlogn), pero puede en muchas </a:t>
+            </a:r>
+            <a:r>
+              <a:rPr lang="es"/>
+              <a:t>ocasiones</a:t>
+            </a:r>
+            <a:r>
+              <a:rPr lang="es"/>
+              <a:t> trabajar como Quicksort</a:t>
             </a:r>
             <a:endParaRPr/>
           </a:p>
@@ -11092,13 +11099,12 @@
               <a:buChar char="●"/>
             </a:pPr>
             <a:r>
-              <a:rPr lang="es" u="sng">
-                <a:solidFill>
-                  <a:schemeClr val="hlink"/>
-                </a:solidFill>
-                <a:hlinkClick r:id="rId5"/>
-              </a:rPr>
-              <a:t>https://www.geeksforgeeks.org/merge-sort/</a:t>
+              <a:rPr lang="es"/>
+              <a:t>Su peor escenario es el de Heapsort, </a:t>
+            </a:r>
+            <a:r>
+              <a:rPr lang="es"/>
+              <a:t>O(nlogn)</a:t>
             </a:r>
             <a:endParaRPr/>
           </a:p>
@@ -11114,33 +11120,1121 @@
               <a:buChar char="●"/>
             </a:pPr>
             <a:r>
-              <a:rPr lang="es" u="sng">
-                <a:solidFill>
-                  <a:schemeClr val="hlink"/>
-                </a:solidFill>
-                <a:hlinkClick r:id="rId6"/>
-              </a:rPr>
-              <a:t>https://stackoverflow.com/</a:t>
-            </a:r>
-            <a:endParaRPr/>
-          </a:p>
-          <a:p>
-            <a:pPr indent="0" lvl="0" marL="0" rtl="0" algn="l">
-              <a:spcBef>
-                <a:spcPts val="1200"/>
-              </a:spcBef>
-              <a:spcAft>
-                <a:spcPts val="1200"/>
-              </a:spcAft>
-              <a:buNone/>
-            </a:pPr>
-            <a:r>
-              <a:t/>
+              <a:rPr lang="es"/>
+              <a:t>Es de tipo no estable</a:t>
             </a:r>
             <a:endParaRPr/>
           </a:p>
         </p:txBody>
       </p:sp>
+      <p:graphicFrame>
+        <p:nvGraphicFramePr>
+          <p:cNvPr id="270" name="Google Shape;270;p27"/>
+          <p:cNvGraphicFramePr/>
+          <p:nvPr/>
+        </p:nvGraphicFramePr>
+        <p:xfrm>
+          <a:off x="783713" y="3518400"/>
+          <a:ext cx="3000000" cy="3000000"/>
+        </p:xfrm>
+        <a:graphic>
+          <a:graphicData uri="http://schemas.openxmlformats.org/drawingml/2006/table">
+            <a:tbl>
+              <a:tblPr>
+                <a:solidFill>
+                  <a:srgbClr val="FFFFFF"/>
+                </a:solidFill>
+                <a:tableStyleId>{388E561D-561F-45AC-A854-42D78D4A40BB}</a:tableStyleId>
+              </a:tblPr>
+              <a:tblGrid>
+                <a:gridCol w="1320425"/>
+                <a:gridCol w="1305925"/>
+                <a:gridCol w="1349450"/>
+                <a:gridCol w="1581600"/>
+                <a:gridCol w="2002375"/>
+              </a:tblGrid>
+              <a:tr h="366075">
+                <a:tc>
+                  <a:txBody>
+                    <a:bodyPr/>
+                    <a:lstStyle/>
+                    <a:p>
+                      <a:pPr indent="0" lvl="0" marL="0" rtl="0" algn="l">
+                        <a:lnSpc>
+                          <a:spcPct val="160000"/>
+                        </a:lnSpc>
+                        <a:spcBef>
+                          <a:spcPts val="0"/>
+                        </a:spcBef>
+                        <a:spcAft>
+                          <a:spcPts val="0"/>
+                        </a:spcAft>
+                        <a:buNone/>
+                      </a:pPr>
+                      <a:r>
+                        <a:rPr lang="es" sz="1150">
+                          <a:solidFill>
+                            <a:srgbClr val="161616"/>
+                          </a:solidFill>
+                          <a:highlight>
+                            <a:srgbClr val="FFFFFF"/>
+                          </a:highlight>
+                        </a:rPr>
+                        <a:t>Algoritmo</a:t>
+                      </a:r>
+                      <a:endParaRPr sz="1150">
+                        <a:solidFill>
+                          <a:srgbClr val="161616"/>
+                        </a:solidFill>
+                        <a:highlight>
+                          <a:srgbClr val="FFFFFF"/>
+                        </a:highlight>
+                      </a:endParaRPr>
+                    </a:p>
+                  </a:txBody>
+                  <a:tcPr marT="76200" marB="76200" marR="76200" marL="76200">
+                    <a:lnL cap="flat" cmpd="sng" w="9525">
+                      <a:solidFill>
+                        <a:srgbClr val="333333"/>
+                      </a:solidFill>
+                      <a:prstDash val="solid"/>
+                      <a:round/>
+                      <a:headEnd len="sm" w="sm" type="none"/>
+                      <a:tailEnd len="sm" w="sm" type="none"/>
+                    </a:lnL>
+                    <a:lnR cap="flat" cmpd="sng" w="9525">
+                      <a:solidFill>
+                        <a:srgbClr val="333333"/>
+                      </a:solidFill>
+                      <a:prstDash val="solid"/>
+                      <a:round/>
+                      <a:headEnd len="sm" w="sm" type="none"/>
+                      <a:tailEnd len="sm" w="sm" type="none"/>
+                    </a:lnR>
+                    <a:lnT cap="flat" cmpd="sng" w="9525">
+                      <a:solidFill>
+                        <a:srgbClr val="333333"/>
+                      </a:solidFill>
+                      <a:prstDash val="solid"/>
+                      <a:round/>
+                      <a:headEnd len="sm" w="sm" type="none"/>
+                      <a:tailEnd len="sm" w="sm" type="none"/>
+                    </a:lnT>
+                    <a:lnB cap="flat" cmpd="sng" w="9525">
+                      <a:solidFill>
+                        <a:srgbClr val="333333"/>
+                      </a:solidFill>
+                      <a:prstDash val="solid"/>
+                      <a:round/>
+                      <a:headEnd len="sm" w="sm" type="none"/>
+                      <a:tailEnd len="sm" w="sm" type="none"/>
+                    </a:lnB>
+                  </a:tcPr>
+                </a:tc>
+                <a:tc>
+                  <a:txBody>
+                    <a:bodyPr/>
+                    <a:lstStyle/>
+                    <a:p>
+                      <a:pPr indent="0" lvl="0" marL="0" rtl="0" algn="l">
+                        <a:lnSpc>
+                          <a:spcPct val="160000"/>
+                        </a:lnSpc>
+                        <a:spcBef>
+                          <a:spcPts val="0"/>
+                        </a:spcBef>
+                        <a:spcAft>
+                          <a:spcPts val="0"/>
+                        </a:spcAft>
+                        <a:buNone/>
+                      </a:pPr>
+                      <a:r>
+                        <a:rPr lang="es" sz="1150">
+                          <a:solidFill>
+                            <a:srgbClr val="161616"/>
+                          </a:solidFill>
+                          <a:highlight>
+                            <a:srgbClr val="FFFFFF"/>
+                          </a:highlight>
+                        </a:rPr>
+                        <a:t>Mejor Escenario</a:t>
+                      </a:r>
+                      <a:endParaRPr sz="1150">
+                        <a:solidFill>
+                          <a:srgbClr val="161616"/>
+                        </a:solidFill>
+                        <a:highlight>
+                          <a:srgbClr val="FFFFFF"/>
+                        </a:highlight>
+                      </a:endParaRPr>
+                    </a:p>
+                  </a:txBody>
+                  <a:tcPr marT="76200" marB="76200" marR="76200" marL="76200">
+                    <a:lnL cap="flat" cmpd="sng" w="9525">
+                      <a:solidFill>
+                        <a:srgbClr val="333333"/>
+                      </a:solidFill>
+                      <a:prstDash val="solid"/>
+                      <a:round/>
+                      <a:headEnd len="sm" w="sm" type="none"/>
+                      <a:tailEnd len="sm" w="sm" type="none"/>
+                    </a:lnL>
+                    <a:lnR cap="flat" cmpd="sng" w="9525">
+                      <a:solidFill>
+                        <a:srgbClr val="333333"/>
+                      </a:solidFill>
+                      <a:prstDash val="solid"/>
+                      <a:round/>
+                      <a:headEnd len="sm" w="sm" type="none"/>
+                      <a:tailEnd len="sm" w="sm" type="none"/>
+                    </a:lnR>
+                    <a:lnT cap="flat" cmpd="sng" w="9525">
+                      <a:solidFill>
+                        <a:srgbClr val="333333"/>
+                      </a:solidFill>
+                      <a:prstDash val="solid"/>
+                      <a:round/>
+                      <a:headEnd len="sm" w="sm" type="none"/>
+                      <a:tailEnd len="sm" w="sm" type="none"/>
+                    </a:lnT>
+                    <a:lnB cap="flat" cmpd="sng" w="9525">
+                      <a:solidFill>
+                        <a:srgbClr val="333333"/>
+                      </a:solidFill>
+                      <a:prstDash val="solid"/>
+                      <a:round/>
+                      <a:headEnd len="sm" w="sm" type="none"/>
+                      <a:tailEnd len="sm" w="sm" type="none"/>
+                    </a:lnB>
+                  </a:tcPr>
+                </a:tc>
+                <a:tc>
+                  <a:txBody>
+                    <a:bodyPr/>
+                    <a:lstStyle/>
+                    <a:p>
+                      <a:pPr indent="0" lvl="0" marL="0" rtl="0" algn="l">
+                        <a:lnSpc>
+                          <a:spcPct val="160000"/>
+                        </a:lnSpc>
+                        <a:spcBef>
+                          <a:spcPts val="0"/>
+                        </a:spcBef>
+                        <a:spcAft>
+                          <a:spcPts val="0"/>
+                        </a:spcAft>
+                        <a:buNone/>
+                      </a:pPr>
+                      <a:r>
+                        <a:rPr lang="es" sz="1150">
+                          <a:solidFill>
+                            <a:srgbClr val="161616"/>
+                          </a:solidFill>
+                          <a:highlight>
+                            <a:srgbClr val="FFFFFF"/>
+                          </a:highlight>
+                        </a:rPr>
+                        <a:t>Peor Escenario</a:t>
+                      </a:r>
+                      <a:endParaRPr sz="1150">
+                        <a:solidFill>
+                          <a:srgbClr val="161616"/>
+                        </a:solidFill>
+                        <a:highlight>
+                          <a:srgbClr val="FFFFFF"/>
+                        </a:highlight>
+                      </a:endParaRPr>
+                    </a:p>
+                  </a:txBody>
+                  <a:tcPr marT="76200" marB="76200" marR="76200" marL="76200">
+                    <a:lnL cap="flat" cmpd="sng" w="9525">
+                      <a:solidFill>
+                        <a:srgbClr val="333333"/>
+                      </a:solidFill>
+                      <a:prstDash val="solid"/>
+                      <a:round/>
+                      <a:headEnd len="sm" w="sm" type="none"/>
+                      <a:tailEnd len="sm" w="sm" type="none"/>
+                    </a:lnL>
+                    <a:lnR cap="flat" cmpd="sng" w="9525">
+                      <a:solidFill>
+                        <a:srgbClr val="333333"/>
+                      </a:solidFill>
+                      <a:prstDash val="solid"/>
+                      <a:round/>
+                      <a:headEnd len="sm" w="sm" type="none"/>
+                      <a:tailEnd len="sm" w="sm" type="none"/>
+                    </a:lnR>
+                    <a:lnT cap="flat" cmpd="sng" w="9525">
+                      <a:solidFill>
+                        <a:srgbClr val="333333"/>
+                      </a:solidFill>
+                      <a:prstDash val="solid"/>
+                      <a:round/>
+                      <a:headEnd len="sm" w="sm" type="none"/>
+                      <a:tailEnd len="sm" w="sm" type="none"/>
+                    </a:lnT>
+                    <a:lnB cap="flat" cmpd="sng" w="9525">
+                      <a:solidFill>
+                        <a:srgbClr val="333333"/>
+                      </a:solidFill>
+                      <a:prstDash val="solid"/>
+                      <a:round/>
+                      <a:headEnd len="sm" w="sm" type="none"/>
+                      <a:tailEnd len="sm" w="sm" type="none"/>
+                    </a:lnB>
+                  </a:tcPr>
+                </a:tc>
+                <a:tc>
+                  <a:txBody>
+                    <a:bodyPr/>
+                    <a:lstStyle/>
+                    <a:p>
+                      <a:pPr indent="0" lvl="0" marL="0" rtl="0" algn="l">
+                        <a:lnSpc>
+                          <a:spcPct val="160000"/>
+                        </a:lnSpc>
+                        <a:spcBef>
+                          <a:spcPts val="0"/>
+                        </a:spcBef>
+                        <a:spcAft>
+                          <a:spcPts val="0"/>
+                        </a:spcAft>
+                        <a:buNone/>
+                      </a:pPr>
+                      <a:r>
+                        <a:rPr lang="es" sz="1150">
+                          <a:solidFill>
+                            <a:srgbClr val="161616"/>
+                          </a:solidFill>
+                          <a:highlight>
+                            <a:srgbClr val="FFFFFF"/>
+                          </a:highlight>
+                        </a:rPr>
+                        <a:t>Escenario Promedio</a:t>
+                      </a:r>
+                      <a:endParaRPr sz="1150">
+                        <a:solidFill>
+                          <a:srgbClr val="161616"/>
+                        </a:solidFill>
+                        <a:highlight>
+                          <a:srgbClr val="FFFFFF"/>
+                        </a:highlight>
+                      </a:endParaRPr>
+                    </a:p>
+                  </a:txBody>
+                  <a:tcPr marT="76200" marB="76200" marR="76200" marL="76200">
+                    <a:lnL cap="flat" cmpd="sng" w="9525">
+                      <a:solidFill>
+                        <a:srgbClr val="333333"/>
+                      </a:solidFill>
+                      <a:prstDash val="solid"/>
+                      <a:round/>
+                      <a:headEnd len="sm" w="sm" type="none"/>
+                      <a:tailEnd len="sm" w="sm" type="none"/>
+                    </a:lnL>
+                    <a:lnR cap="flat" cmpd="sng" w="9525">
+                      <a:solidFill>
+                        <a:srgbClr val="333333"/>
+                      </a:solidFill>
+                      <a:prstDash val="solid"/>
+                      <a:round/>
+                      <a:headEnd len="sm" w="sm" type="none"/>
+                      <a:tailEnd len="sm" w="sm" type="none"/>
+                    </a:lnR>
+                    <a:lnT cap="flat" cmpd="sng" w="9525">
+                      <a:solidFill>
+                        <a:srgbClr val="333333"/>
+                      </a:solidFill>
+                      <a:prstDash val="solid"/>
+                      <a:round/>
+                      <a:headEnd len="sm" w="sm" type="none"/>
+                      <a:tailEnd len="sm" w="sm" type="none"/>
+                    </a:lnT>
+                    <a:lnB cap="flat" cmpd="sng" w="9525">
+                      <a:solidFill>
+                        <a:srgbClr val="333333"/>
+                      </a:solidFill>
+                      <a:prstDash val="solid"/>
+                      <a:round/>
+                      <a:headEnd len="sm" w="sm" type="none"/>
+                      <a:tailEnd len="sm" w="sm" type="none"/>
+                    </a:lnB>
+                  </a:tcPr>
+                </a:tc>
+                <a:tc>
+                  <a:txBody>
+                    <a:bodyPr/>
+                    <a:lstStyle/>
+                    <a:p>
+                      <a:pPr indent="0" lvl="0" marL="0" rtl="0" algn="l">
+                        <a:lnSpc>
+                          <a:spcPct val="160000"/>
+                        </a:lnSpc>
+                        <a:spcBef>
+                          <a:spcPts val="0"/>
+                        </a:spcBef>
+                        <a:spcAft>
+                          <a:spcPts val="0"/>
+                        </a:spcAft>
+                        <a:buNone/>
+                      </a:pPr>
+                      <a:r>
+                        <a:rPr lang="es" sz="1150">
+                          <a:solidFill>
+                            <a:srgbClr val="161616"/>
+                          </a:solidFill>
+                          <a:highlight>
+                            <a:srgbClr val="FFFFFF"/>
+                          </a:highlight>
+                        </a:rPr>
+                        <a:t>Space Complexity</a:t>
+                      </a:r>
+                      <a:endParaRPr sz="1150">
+                        <a:solidFill>
+                          <a:srgbClr val="161616"/>
+                        </a:solidFill>
+                        <a:highlight>
+                          <a:srgbClr val="FFFFFF"/>
+                        </a:highlight>
+                      </a:endParaRPr>
+                    </a:p>
+                  </a:txBody>
+                  <a:tcPr marT="76200" marB="76200" marR="76200" marL="76200">
+                    <a:lnL cap="flat" cmpd="sng" w="9525">
+                      <a:solidFill>
+                        <a:srgbClr val="333333"/>
+                      </a:solidFill>
+                      <a:prstDash val="solid"/>
+                      <a:round/>
+                      <a:headEnd len="sm" w="sm" type="none"/>
+                      <a:tailEnd len="sm" w="sm" type="none"/>
+                    </a:lnL>
+                    <a:lnR cap="flat" cmpd="sng" w="9525">
+                      <a:solidFill>
+                        <a:srgbClr val="333333"/>
+                      </a:solidFill>
+                      <a:prstDash val="solid"/>
+                      <a:round/>
+                      <a:headEnd len="sm" w="sm" type="none"/>
+                      <a:tailEnd len="sm" w="sm" type="none"/>
+                    </a:lnR>
+                    <a:lnT cap="flat" cmpd="sng" w="9525">
+                      <a:solidFill>
+                        <a:srgbClr val="333333"/>
+                      </a:solidFill>
+                      <a:prstDash val="solid"/>
+                      <a:round/>
+                      <a:headEnd len="sm" w="sm" type="none"/>
+                      <a:tailEnd len="sm" w="sm" type="none"/>
+                    </a:lnT>
+                    <a:lnB cap="flat" cmpd="sng" w="9525">
+                      <a:solidFill>
+                        <a:srgbClr val="333333"/>
+                      </a:solidFill>
+                      <a:prstDash val="solid"/>
+                      <a:round/>
+                      <a:headEnd len="sm" w="sm" type="none"/>
+                      <a:tailEnd len="sm" w="sm" type="none"/>
+                    </a:lnB>
+                  </a:tcPr>
+                </a:tc>
+              </a:tr>
+              <a:tr h="423000">
+                <a:tc>
+                  <a:txBody>
+                    <a:bodyPr/>
+                    <a:lstStyle/>
+                    <a:p>
+                      <a:pPr indent="0" lvl="0" marL="0" rtl="0" algn="l">
+                        <a:lnSpc>
+                          <a:spcPct val="160000"/>
+                        </a:lnSpc>
+                        <a:spcBef>
+                          <a:spcPts val="0"/>
+                        </a:spcBef>
+                        <a:spcAft>
+                          <a:spcPts val="0"/>
+                        </a:spcAft>
+                        <a:buNone/>
+                      </a:pPr>
+                      <a:r>
+                        <a:rPr lang="es" sz="1150">
+                          <a:highlight>
+                            <a:srgbClr val="FFFFFF"/>
+                          </a:highlight>
+                        </a:rPr>
+                        <a:t>Intro </a:t>
+                      </a:r>
+                      <a:r>
+                        <a:rPr lang="es" sz="1150">
+                          <a:highlight>
+                            <a:srgbClr val="FFFFFF"/>
+                          </a:highlight>
+                        </a:rPr>
+                        <a:t>Sort</a:t>
+                      </a:r>
+                      <a:endParaRPr sz="1150">
+                        <a:highlight>
+                          <a:srgbClr val="FFFFFF"/>
+                        </a:highlight>
+                      </a:endParaRPr>
+                    </a:p>
+                  </a:txBody>
+                  <a:tcPr marT="76200" marB="76200" marR="76200" marL="76200">
+                    <a:lnL cap="flat" cmpd="sng" w="9525">
+                      <a:solidFill>
+                        <a:srgbClr val="333333"/>
+                      </a:solidFill>
+                      <a:prstDash val="solid"/>
+                      <a:round/>
+                      <a:headEnd len="sm" w="sm" type="none"/>
+                      <a:tailEnd len="sm" w="sm" type="none"/>
+                    </a:lnL>
+                    <a:lnR cap="flat" cmpd="sng" w="9525">
+                      <a:solidFill>
+                        <a:srgbClr val="333333"/>
+                      </a:solidFill>
+                      <a:prstDash val="solid"/>
+                      <a:round/>
+                      <a:headEnd len="sm" w="sm" type="none"/>
+                      <a:tailEnd len="sm" w="sm" type="none"/>
+                    </a:lnR>
+                    <a:lnT cap="flat" cmpd="sng" w="9525">
+                      <a:solidFill>
+                        <a:srgbClr val="333333"/>
+                      </a:solidFill>
+                      <a:prstDash val="solid"/>
+                      <a:round/>
+                      <a:headEnd len="sm" w="sm" type="none"/>
+                      <a:tailEnd len="sm" w="sm" type="none"/>
+                    </a:lnT>
+                    <a:lnB cap="flat" cmpd="sng" w="9525">
+                      <a:solidFill>
+                        <a:srgbClr val="333333"/>
+                      </a:solidFill>
+                      <a:prstDash val="solid"/>
+                      <a:round/>
+                      <a:headEnd len="sm" w="sm" type="none"/>
+                      <a:tailEnd len="sm" w="sm" type="none"/>
+                    </a:lnB>
+                  </a:tcPr>
+                </a:tc>
+                <a:tc>
+                  <a:txBody>
+                    <a:bodyPr/>
+                    <a:lstStyle/>
+                    <a:p>
+                      <a:pPr indent="0" lvl="0" marL="0" rtl="0" algn="l">
+                        <a:lnSpc>
+                          <a:spcPct val="160000"/>
+                        </a:lnSpc>
+                        <a:spcBef>
+                          <a:spcPts val="0"/>
+                        </a:spcBef>
+                        <a:spcAft>
+                          <a:spcPts val="0"/>
+                        </a:spcAft>
+                        <a:buNone/>
+                      </a:pPr>
+                      <a:r>
+                        <a:rPr i="1" lang="es">
+                          <a:solidFill>
+                            <a:srgbClr val="161616"/>
+                          </a:solidFill>
+                          <a:highlight>
+                            <a:srgbClr val="FFFFFF"/>
+                          </a:highlight>
+                          <a:latin typeface="Times New Roman"/>
+                          <a:ea typeface="Times New Roman"/>
+                          <a:cs typeface="Times New Roman"/>
+                          <a:sym typeface="Times New Roman"/>
+                        </a:rPr>
+                        <a:t>O</a:t>
+                      </a:r>
+                      <a:r>
+                        <a:rPr lang="es">
+                          <a:solidFill>
+                            <a:srgbClr val="161616"/>
+                          </a:solidFill>
+                          <a:highlight>
+                            <a:srgbClr val="FFFFFF"/>
+                          </a:highlight>
+                          <a:latin typeface="Times New Roman"/>
+                          <a:ea typeface="Times New Roman"/>
+                          <a:cs typeface="Times New Roman"/>
+                          <a:sym typeface="Times New Roman"/>
+                        </a:rPr>
+                        <a:t>(</a:t>
+                      </a:r>
+                      <a:r>
+                        <a:rPr i="1" lang="es">
+                          <a:solidFill>
+                            <a:srgbClr val="161616"/>
+                          </a:solidFill>
+                          <a:highlight>
+                            <a:srgbClr val="FFFFFF"/>
+                          </a:highlight>
+                          <a:latin typeface="Times New Roman"/>
+                          <a:ea typeface="Times New Roman"/>
+                          <a:cs typeface="Times New Roman"/>
+                          <a:sym typeface="Times New Roman"/>
+                        </a:rPr>
+                        <a:t>n</a:t>
+                      </a:r>
+                      <a:r>
+                        <a:rPr lang="es">
+                          <a:solidFill>
+                            <a:srgbClr val="161616"/>
+                          </a:solidFill>
+                          <a:highlight>
+                            <a:srgbClr val="FFFFFF"/>
+                          </a:highlight>
+                          <a:latin typeface="Times New Roman"/>
+                          <a:ea typeface="Times New Roman"/>
+                          <a:cs typeface="Times New Roman"/>
+                          <a:sym typeface="Times New Roman"/>
+                        </a:rPr>
+                        <a:t>log</a:t>
+                      </a:r>
+                      <a:r>
+                        <a:rPr i="1" lang="es">
+                          <a:solidFill>
+                            <a:srgbClr val="161616"/>
+                          </a:solidFill>
+                          <a:highlight>
+                            <a:srgbClr val="FFFFFF"/>
+                          </a:highlight>
+                          <a:latin typeface="Times New Roman"/>
+                          <a:ea typeface="Times New Roman"/>
+                          <a:cs typeface="Times New Roman"/>
+                          <a:sym typeface="Times New Roman"/>
+                        </a:rPr>
+                        <a:t>n</a:t>
+                      </a:r>
+                      <a:r>
+                        <a:rPr lang="es">
+                          <a:solidFill>
+                            <a:srgbClr val="161616"/>
+                          </a:solidFill>
+                          <a:highlight>
+                            <a:srgbClr val="FFFFFF"/>
+                          </a:highlight>
+                          <a:latin typeface="Times New Roman"/>
+                          <a:ea typeface="Times New Roman"/>
+                          <a:cs typeface="Times New Roman"/>
+                          <a:sym typeface="Times New Roman"/>
+                        </a:rPr>
+                        <a:t>)</a:t>
+                      </a:r>
+                      <a:endParaRPr>
+                        <a:solidFill>
+                          <a:srgbClr val="161616"/>
+                        </a:solidFill>
+                        <a:highlight>
+                          <a:srgbClr val="FFFFFF"/>
+                        </a:highlight>
+                        <a:latin typeface="Times New Roman"/>
+                        <a:ea typeface="Times New Roman"/>
+                        <a:cs typeface="Times New Roman"/>
+                        <a:sym typeface="Times New Roman"/>
+                      </a:endParaRPr>
+                    </a:p>
+                  </a:txBody>
+                  <a:tcPr marT="76200" marB="76200" marR="76200" marL="76200">
+                    <a:lnL cap="flat" cmpd="sng" w="9525">
+                      <a:solidFill>
+                        <a:srgbClr val="333333"/>
+                      </a:solidFill>
+                      <a:prstDash val="solid"/>
+                      <a:round/>
+                      <a:headEnd len="sm" w="sm" type="none"/>
+                      <a:tailEnd len="sm" w="sm" type="none"/>
+                    </a:lnL>
+                    <a:lnR cap="flat" cmpd="sng" w="9525">
+                      <a:solidFill>
+                        <a:srgbClr val="333333"/>
+                      </a:solidFill>
+                      <a:prstDash val="solid"/>
+                      <a:round/>
+                      <a:headEnd len="sm" w="sm" type="none"/>
+                      <a:tailEnd len="sm" w="sm" type="none"/>
+                    </a:lnR>
+                    <a:lnT cap="flat" cmpd="sng" w="9525">
+                      <a:solidFill>
+                        <a:srgbClr val="333333"/>
+                      </a:solidFill>
+                      <a:prstDash val="solid"/>
+                      <a:round/>
+                      <a:headEnd len="sm" w="sm" type="none"/>
+                      <a:tailEnd len="sm" w="sm" type="none"/>
+                    </a:lnT>
+                    <a:lnB cap="flat" cmpd="sng" w="9525">
+                      <a:solidFill>
+                        <a:srgbClr val="333333"/>
+                      </a:solidFill>
+                      <a:prstDash val="solid"/>
+                      <a:round/>
+                      <a:headEnd len="sm" w="sm" type="none"/>
+                      <a:tailEnd len="sm" w="sm" type="none"/>
+                    </a:lnB>
+                  </a:tcPr>
+                </a:tc>
+                <a:tc>
+                  <a:txBody>
+                    <a:bodyPr/>
+                    <a:lstStyle/>
+                    <a:p>
+                      <a:pPr indent="0" lvl="0" marL="0" rtl="0" algn="l">
+                        <a:lnSpc>
+                          <a:spcPct val="160000"/>
+                        </a:lnSpc>
+                        <a:spcBef>
+                          <a:spcPts val="0"/>
+                        </a:spcBef>
+                        <a:spcAft>
+                          <a:spcPts val="0"/>
+                        </a:spcAft>
+                        <a:buNone/>
+                      </a:pPr>
+                      <a:r>
+                        <a:rPr i="1" lang="es">
+                          <a:solidFill>
+                            <a:srgbClr val="161616"/>
+                          </a:solidFill>
+                          <a:highlight>
+                            <a:srgbClr val="FFFFFF"/>
+                          </a:highlight>
+                          <a:latin typeface="Times New Roman"/>
+                          <a:ea typeface="Times New Roman"/>
+                          <a:cs typeface="Times New Roman"/>
+                          <a:sym typeface="Times New Roman"/>
+                        </a:rPr>
+                        <a:t>O</a:t>
+                      </a:r>
+                      <a:r>
+                        <a:rPr lang="es">
+                          <a:solidFill>
+                            <a:srgbClr val="161616"/>
+                          </a:solidFill>
+                          <a:highlight>
+                            <a:srgbClr val="FFFFFF"/>
+                          </a:highlight>
+                          <a:latin typeface="Times New Roman"/>
+                          <a:ea typeface="Times New Roman"/>
+                          <a:cs typeface="Times New Roman"/>
+                          <a:sym typeface="Times New Roman"/>
+                        </a:rPr>
+                        <a:t>(</a:t>
+                      </a:r>
+                      <a:r>
+                        <a:rPr i="1" lang="es">
+                          <a:solidFill>
+                            <a:srgbClr val="161616"/>
+                          </a:solidFill>
+                          <a:highlight>
+                            <a:srgbClr val="FFFFFF"/>
+                          </a:highlight>
+                          <a:latin typeface="Times New Roman"/>
+                          <a:ea typeface="Times New Roman"/>
+                          <a:cs typeface="Times New Roman"/>
+                          <a:sym typeface="Times New Roman"/>
+                        </a:rPr>
+                        <a:t>n</a:t>
+                      </a:r>
+                      <a:r>
+                        <a:rPr lang="es">
+                          <a:solidFill>
+                            <a:srgbClr val="161616"/>
+                          </a:solidFill>
+                          <a:highlight>
+                            <a:srgbClr val="FFFFFF"/>
+                          </a:highlight>
+                          <a:latin typeface="Times New Roman"/>
+                          <a:ea typeface="Times New Roman"/>
+                          <a:cs typeface="Times New Roman"/>
+                          <a:sym typeface="Times New Roman"/>
+                        </a:rPr>
+                        <a:t>log</a:t>
+                      </a:r>
+                      <a:r>
+                        <a:rPr i="1" lang="es">
+                          <a:solidFill>
+                            <a:srgbClr val="161616"/>
+                          </a:solidFill>
+                          <a:highlight>
+                            <a:srgbClr val="FFFFFF"/>
+                          </a:highlight>
+                          <a:latin typeface="Times New Roman"/>
+                          <a:ea typeface="Times New Roman"/>
+                          <a:cs typeface="Times New Roman"/>
+                          <a:sym typeface="Times New Roman"/>
+                        </a:rPr>
+                        <a:t>n</a:t>
+                      </a:r>
+                      <a:r>
+                        <a:rPr lang="es">
+                          <a:solidFill>
+                            <a:srgbClr val="161616"/>
+                          </a:solidFill>
+                          <a:highlight>
+                            <a:srgbClr val="FFFFFF"/>
+                          </a:highlight>
+                          <a:latin typeface="Times New Roman"/>
+                          <a:ea typeface="Times New Roman"/>
+                          <a:cs typeface="Times New Roman"/>
+                          <a:sym typeface="Times New Roman"/>
+                        </a:rPr>
+                        <a:t>)</a:t>
+                      </a:r>
+                      <a:endParaRPr>
+                        <a:solidFill>
+                          <a:srgbClr val="161616"/>
+                        </a:solidFill>
+                        <a:highlight>
+                          <a:srgbClr val="FFFFFF"/>
+                        </a:highlight>
+                        <a:latin typeface="Times New Roman"/>
+                        <a:ea typeface="Times New Roman"/>
+                        <a:cs typeface="Times New Roman"/>
+                        <a:sym typeface="Times New Roman"/>
+                      </a:endParaRPr>
+                    </a:p>
+                  </a:txBody>
+                  <a:tcPr marT="76200" marB="76200" marR="76200" marL="76200">
+                    <a:lnL cap="flat" cmpd="sng" w="9525">
+                      <a:solidFill>
+                        <a:srgbClr val="333333"/>
+                      </a:solidFill>
+                      <a:prstDash val="solid"/>
+                      <a:round/>
+                      <a:headEnd len="sm" w="sm" type="none"/>
+                      <a:tailEnd len="sm" w="sm" type="none"/>
+                    </a:lnL>
+                    <a:lnR cap="flat" cmpd="sng" w="9525">
+                      <a:solidFill>
+                        <a:srgbClr val="333333"/>
+                      </a:solidFill>
+                      <a:prstDash val="solid"/>
+                      <a:round/>
+                      <a:headEnd len="sm" w="sm" type="none"/>
+                      <a:tailEnd len="sm" w="sm" type="none"/>
+                    </a:lnR>
+                    <a:lnT cap="flat" cmpd="sng" w="9525">
+                      <a:solidFill>
+                        <a:srgbClr val="333333"/>
+                      </a:solidFill>
+                      <a:prstDash val="solid"/>
+                      <a:round/>
+                      <a:headEnd len="sm" w="sm" type="none"/>
+                      <a:tailEnd len="sm" w="sm" type="none"/>
+                    </a:lnT>
+                    <a:lnB cap="flat" cmpd="sng" w="9525">
+                      <a:solidFill>
+                        <a:srgbClr val="333333"/>
+                      </a:solidFill>
+                      <a:prstDash val="solid"/>
+                      <a:round/>
+                      <a:headEnd len="sm" w="sm" type="none"/>
+                      <a:tailEnd len="sm" w="sm" type="none"/>
+                    </a:lnB>
+                  </a:tcPr>
+                </a:tc>
+                <a:tc>
+                  <a:txBody>
+                    <a:bodyPr/>
+                    <a:lstStyle/>
+                    <a:p>
+                      <a:pPr indent="0" lvl="0" marL="0" rtl="0" algn="l">
+                        <a:lnSpc>
+                          <a:spcPct val="160000"/>
+                        </a:lnSpc>
+                        <a:spcBef>
+                          <a:spcPts val="0"/>
+                        </a:spcBef>
+                        <a:spcAft>
+                          <a:spcPts val="0"/>
+                        </a:spcAft>
+                        <a:buNone/>
+                      </a:pPr>
+                      <a:r>
+                        <a:rPr i="1" lang="es">
+                          <a:solidFill>
+                            <a:srgbClr val="161616"/>
+                          </a:solidFill>
+                          <a:highlight>
+                            <a:srgbClr val="FFFFFF"/>
+                          </a:highlight>
+                          <a:latin typeface="Times New Roman"/>
+                          <a:ea typeface="Times New Roman"/>
+                          <a:cs typeface="Times New Roman"/>
+                          <a:sym typeface="Times New Roman"/>
+                        </a:rPr>
+                        <a:t>O</a:t>
+                      </a:r>
+                      <a:r>
+                        <a:rPr lang="es">
+                          <a:solidFill>
+                            <a:srgbClr val="161616"/>
+                          </a:solidFill>
+                          <a:highlight>
+                            <a:srgbClr val="FFFFFF"/>
+                          </a:highlight>
+                          <a:latin typeface="Times New Roman"/>
+                          <a:ea typeface="Times New Roman"/>
+                          <a:cs typeface="Times New Roman"/>
+                          <a:sym typeface="Times New Roman"/>
+                        </a:rPr>
+                        <a:t>(</a:t>
+                      </a:r>
+                      <a:r>
+                        <a:rPr i="1" lang="es">
+                          <a:solidFill>
+                            <a:srgbClr val="161616"/>
+                          </a:solidFill>
+                          <a:highlight>
+                            <a:srgbClr val="FFFFFF"/>
+                          </a:highlight>
+                          <a:latin typeface="Times New Roman"/>
+                          <a:ea typeface="Times New Roman"/>
+                          <a:cs typeface="Times New Roman"/>
+                          <a:sym typeface="Times New Roman"/>
+                        </a:rPr>
+                        <a:t>n</a:t>
+                      </a:r>
+                      <a:r>
+                        <a:rPr lang="es">
+                          <a:solidFill>
+                            <a:srgbClr val="161616"/>
+                          </a:solidFill>
+                          <a:highlight>
+                            <a:srgbClr val="FFFFFF"/>
+                          </a:highlight>
+                          <a:latin typeface="Times New Roman"/>
+                          <a:ea typeface="Times New Roman"/>
+                          <a:cs typeface="Times New Roman"/>
+                          <a:sym typeface="Times New Roman"/>
+                        </a:rPr>
+                        <a:t>log</a:t>
+                      </a:r>
+                      <a:r>
+                        <a:rPr i="1" lang="es">
+                          <a:solidFill>
+                            <a:srgbClr val="161616"/>
+                          </a:solidFill>
+                          <a:highlight>
+                            <a:srgbClr val="FFFFFF"/>
+                          </a:highlight>
+                          <a:latin typeface="Times New Roman"/>
+                          <a:ea typeface="Times New Roman"/>
+                          <a:cs typeface="Times New Roman"/>
+                          <a:sym typeface="Times New Roman"/>
+                        </a:rPr>
+                        <a:t>n</a:t>
+                      </a:r>
+                      <a:r>
+                        <a:rPr lang="es">
+                          <a:solidFill>
+                            <a:srgbClr val="161616"/>
+                          </a:solidFill>
+                          <a:highlight>
+                            <a:srgbClr val="FFFFFF"/>
+                          </a:highlight>
+                          <a:latin typeface="Times New Roman"/>
+                          <a:ea typeface="Times New Roman"/>
+                          <a:cs typeface="Times New Roman"/>
+                          <a:sym typeface="Times New Roman"/>
+                        </a:rPr>
+                        <a:t>)</a:t>
+                      </a:r>
+                      <a:endParaRPr>
+                        <a:solidFill>
+                          <a:srgbClr val="161616"/>
+                        </a:solidFill>
+                        <a:highlight>
+                          <a:srgbClr val="FFFFFF"/>
+                        </a:highlight>
+                        <a:latin typeface="Times New Roman"/>
+                        <a:ea typeface="Times New Roman"/>
+                        <a:cs typeface="Times New Roman"/>
+                        <a:sym typeface="Times New Roman"/>
+                      </a:endParaRPr>
+                    </a:p>
+                  </a:txBody>
+                  <a:tcPr marT="76200" marB="76200" marR="76200" marL="76200">
+                    <a:lnL cap="flat" cmpd="sng" w="9525">
+                      <a:solidFill>
+                        <a:srgbClr val="333333"/>
+                      </a:solidFill>
+                      <a:prstDash val="solid"/>
+                      <a:round/>
+                      <a:headEnd len="sm" w="sm" type="none"/>
+                      <a:tailEnd len="sm" w="sm" type="none"/>
+                    </a:lnL>
+                    <a:lnR cap="flat" cmpd="sng" w="9525">
+                      <a:solidFill>
+                        <a:srgbClr val="333333"/>
+                      </a:solidFill>
+                      <a:prstDash val="solid"/>
+                      <a:round/>
+                      <a:headEnd len="sm" w="sm" type="none"/>
+                      <a:tailEnd len="sm" w="sm" type="none"/>
+                    </a:lnR>
+                    <a:lnT cap="flat" cmpd="sng" w="9525">
+                      <a:solidFill>
+                        <a:srgbClr val="333333"/>
+                      </a:solidFill>
+                      <a:prstDash val="solid"/>
+                      <a:round/>
+                      <a:headEnd len="sm" w="sm" type="none"/>
+                      <a:tailEnd len="sm" w="sm" type="none"/>
+                    </a:lnT>
+                    <a:lnB cap="flat" cmpd="sng" w="9525">
+                      <a:solidFill>
+                        <a:srgbClr val="333333"/>
+                      </a:solidFill>
+                      <a:prstDash val="solid"/>
+                      <a:round/>
+                      <a:headEnd len="sm" w="sm" type="none"/>
+                      <a:tailEnd len="sm" w="sm" type="none"/>
+                    </a:lnB>
+                  </a:tcPr>
+                </a:tc>
+                <a:tc>
+                  <a:txBody>
+                    <a:bodyPr/>
+                    <a:lstStyle/>
+                    <a:p>
+                      <a:pPr indent="0" lvl="0" marL="0" rtl="0" algn="l">
+                        <a:lnSpc>
+                          <a:spcPct val="160000"/>
+                        </a:lnSpc>
+                        <a:spcBef>
+                          <a:spcPts val="0"/>
+                        </a:spcBef>
+                        <a:spcAft>
+                          <a:spcPts val="0"/>
+                        </a:spcAft>
+                        <a:buNone/>
+                      </a:pPr>
+                      <a:r>
+                        <a:rPr i="1" lang="es">
+                          <a:solidFill>
+                            <a:srgbClr val="161616"/>
+                          </a:solidFill>
+                          <a:highlight>
+                            <a:srgbClr val="FFFFFF"/>
+                          </a:highlight>
+                          <a:latin typeface="Times New Roman"/>
+                          <a:ea typeface="Times New Roman"/>
+                          <a:cs typeface="Times New Roman"/>
+                          <a:sym typeface="Times New Roman"/>
+                        </a:rPr>
+                        <a:t>O</a:t>
+                      </a:r>
+                      <a:r>
+                        <a:rPr lang="es">
+                          <a:solidFill>
+                            <a:srgbClr val="161616"/>
+                          </a:solidFill>
+                          <a:highlight>
+                            <a:srgbClr val="FFFFFF"/>
+                          </a:highlight>
+                          <a:latin typeface="Times New Roman"/>
+                          <a:ea typeface="Times New Roman"/>
+                          <a:cs typeface="Times New Roman"/>
+                          <a:sym typeface="Times New Roman"/>
+                        </a:rPr>
+                        <a:t>(</a:t>
+                      </a:r>
+                      <a:r>
+                        <a:rPr i="1" lang="es">
+                          <a:solidFill>
+                            <a:srgbClr val="161616"/>
+                          </a:solidFill>
+                          <a:highlight>
+                            <a:srgbClr val="FFFFFF"/>
+                          </a:highlight>
+                          <a:latin typeface="Times New Roman"/>
+                          <a:ea typeface="Times New Roman"/>
+                          <a:cs typeface="Times New Roman"/>
+                          <a:sym typeface="Times New Roman"/>
+                        </a:rPr>
+                        <a:t>n</a:t>
+                      </a:r>
+                      <a:r>
+                        <a:rPr lang="es">
+                          <a:solidFill>
+                            <a:srgbClr val="161616"/>
+                          </a:solidFill>
+                          <a:highlight>
+                            <a:srgbClr val="FFFFFF"/>
+                          </a:highlight>
+                          <a:latin typeface="Times New Roman"/>
+                          <a:ea typeface="Times New Roman"/>
+                          <a:cs typeface="Times New Roman"/>
+                          <a:sym typeface="Times New Roman"/>
+                        </a:rPr>
+                        <a:t>)</a:t>
+                      </a:r>
+                      <a:endParaRPr>
+                        <a:solidFill>
+                          <a:srgbClr val="161616"/>
+                        </a:solidFill>
+                        <a:highlight>
+                          <a:srgbClr val="FFFFFF"/>
+                        </a:highlight>
+                        <a:latin typeface="Times New Roman"/>
+                        <a:ea typeface="Times New Roman"/>
+                        <a:cs typeface="Times New Roman"/>
+                        <a:sym typeface="Times New Roman"/>
+                      </a:endParaRPr>
+                    </a:p>
+                  </a:txBody>
+                  <a:tcPr marT="76200" marB="76200" marR="76200" marL="76200">
+                    <a:lnL cap="flat" cmpd="sng" w="9525">
+                      <a:solidFill>
+                        <a:srgbClr val="333333"/>
+                      </a:solidFill>
+                      <a:prstDash val="solid"/>
+                      <a:round/>
+                      <a:headEnd len="sm" w="sm" type="none"/>
+                      <a:tailEnd len="sm" w="sm" type="none"/>
+                    </a:lnL>
+                    <a:lnR cap="flat" cmpd="sng" w="9525">
+                      <a:solidFill>
+                        <a:srgbClr val="333333"/>
+                      </a:solidFill>
+                      <a:prstDash val="solid"/>
+                      <a:round/>
+                      <a:headEnd len="sm" w="sm" type="none"/>
+                      <a:tailEnd len="sm" w="sm" type="none"/>
+                    </a:lnR>
+                    <a:lnT cap="flat" cmpd="sng" w="9525">
+                      <a:solidFill>
+                        <a:srgbClr val="333333"/>
+                      </a:solidFill>
+                      <a:prstDash val="solid"/>
+                      <a:round/>
+                      <a:headEnd len="sm" w="sm" type="none"/>
+                      <a:tailEnd len="sm" w="sm" type="none"/>
+                    </a:lnT>
+                    <a:lnB cap="flat" cmpd="sng" w="9525">
+                      <a:solidFill>
+                        <a:srgbClr val="333333"/>
+                      </a:solidFill>
+                      <a:prstDash val="solid"/>
+                      <a:round/>
+                      <a:headEnd len="sm" w="sm" type="none"/>
+                      <a:tailEnd len="sm" w="sm" type="none"/>
+                    </a:lnB>
+                  </a:tcPr>
+                </a:tc>
+              </a:tr>
+            </a:tbl>
+          </a:graphicData>
+        </a:graphic>
+      </p:graphicFrame>
     </p:spTree>
   </p:cSld>
   <p:clrMapOvr>
@@ -11154,7 +12248,7 @@
   <p:cSld>
     <p:spTree>
       <p:nvGrpSpPr>
-        <p:cNvPr id="259" name="Shape 259"/>
+        <p:cNvPr id="274" name="Shape 274"/>
         <p:cNvGrpSpPr/>
         <p:nvPr/>
       </p:nvGrpSpPr>
@@ -11168,7 +12262,7 @@
       </p:grpSpPr>
       <p:sp>
         <p:nvSpPr>
-          <p:cNvPr id="260" name="Google Shape;260;p28"/>
+          <p:cNvPr id="275" name="Google Shape;275;p28"/>
           <p:cNvSpPr txBox="1"/>
           <p:nvPr>
             <p:ph type="title"/>
@@ -11200,7 +12294,7 @@
             </a:pPr>
             <a:r>
               <a:rPr lang="es"/>
-              <a:t>Preguntas para la clase</a:t>
+              <a:t>Referencias</a:t>
             </a:r>
             <a:endParaRPr/>
           </a:p>
@@ -11208,7 +12302,7 @@
       </p:sp>
       <p:sp>
         <p:nvSpPr>
-          <p:cNvPr id="261" name="Google Shape;261;p28"/>
+          <p:cNvPr id="276" name="Google Shape;276;p28"/>
           <p:cNvSpPr txBox="1"/>
           <p:nvPr>
             <p:ph idx="1" type="body"/>
@@ -11240,16 +12334,79 @@
               <a:buChar char="●"/>
             </a:pPr>
             <a:r>
-              <a:rPr lang="es"/>
-              <a:t>¿Cuánto se estima que será el tiempo de </a:t>
-            </a:r>
-            <a:r>
-              <a:rPr lang="es"/>
-              <a:t>cálculo</a:t>
-            </a:r>
-            <a:r>
-              <a:rPr lang="es"/>
-              <a:t> para un n = 10 000 000 con Selection Sort?</a:t>
+              <a:rPr lang="es" u="sng">
+                <a:solidFill>
+                  <a:schemeClr val="hlink"/>
+                </a:solidFill>
+                <a:hlinkClick r:id="rId3"/>
+              </a:rPr>
+              <a:t>https://brilliant.org/wiki/sorting-algorithms/</a:t>
+            </a:r>
+            <a:endParaRPr/>
+          </a:p>
+          <a:p>
+            <a:pPr indent="-342900" lvl="0" marL="457200" rtl="0" algn="l">
+              <a:spcBef>
+                <a:spcPts val="0"/>
+              </a:spcBef>
+              <a:spcAft>
+                <a:spcPts val="0"/>
+              </a:spcAft>
+              <a:buSzPts val="1800"/>
+              <a:buChar char="●"/>
+            </a:pPr>
+            <a:r>
+              <a:rPr lang="es" u="sng">
+                <a:solidFill>
+                  <a:schemeClr val="hlink"/>
+                </a:solidFill>
+                <a:hlinkClick r:id="rId4"/>
+              </a:rPr>
+              <a:t>https://www.geeksforgeeks.org/selection-sort/</a:t>
+            </a:r>
+            <a:endParaRPr/>
+          </a:p>
+          <a:p>
+            <a:pPr indent="-342900" lvl="0" marL="457200" rtl="0" algn="l">
+              <a:spcBef>
+                <a:spcPts val="0"/>
+              </a:spcBef>
+              <a:spcAft>
+                <a:spcPts val="0"/>
+              </a:spcAft>
+              <a:buSzPts val="1800"/>
+              <a:buChar char="●"/>
+            </a:pPr>
+            <a:r>
+              <a:rPr lang="es" u="sng">
+                <a:solidFill>
+                  <a:schemeClr val="hlink"/>
+                </a:solidFill>
+                <a:hlinkClick r:id="rId5"/>
+              </a:rPr>
+              <a:t>https://www.geeksforgeeks.org/merge-sort/</a:t>
+            </a:r>
+            <a:endParaRPr/>
+          </a:p>
+          <a:p>
+            <a:pPr indent="-342900" lvl="0" marL="457200" rtl="0" algn="l">
+              <a:spcBef>
+                <a:spcPts val="0"/>
+              </a:spcBef>
+              <a:spcAft>
+                <a:spcPts val="0"/>
+              </a:spcAft>
+              <a:buSzPts val="1800"/>
+              <a:buChar char="●"/>
+            </a:pPr>
+            <a:r>
+              <a:rPr lang="es" u="sng">
+                <a:solidFill>
+                  <a:schemeClr val="hlink"/>
+                </a:solidFill>
+                <a:hlinkClick r:id="rId6"/>
+              </a:rPr>
+              <a:t>https://stackoverflow.com/</a:t>
             </a:r>
             <a:endParaRPr/>
           </a:p>
@@ -11259,29 +12416,12 @@
                 <a:spcPts val="1200"/>
               </a:spcBef>
               <a:spcAft>
-                <a:spcPts val="0"/>
+                <a:spcPts val="1200"/>
               </a:spcAft>
               <a:buNone/>
             </a:pPr>
             <a:r>
               <a:t/>
-            </a:r>
-            <a:endParaRPr/>
-          </a:p>
-          <a:p>
-            <a:pPr indent="-342900" lvl="0" marL="457200" rtl="0" algn="l">
-              <a:spcBef>
-                <a:spcPts val="1200"/>
-              </a:spcBef>
-              <a:spcAft>
-                <a:spcPts val="0"/>
-              </a:spcAft>
-              <a:buSzPts val="1800"/>
-              <a:buChar char="●"/>
-            </a:pPr>
-            <a:r>
-              <a:rPr lang="es"/>
-              <a:t>¿Por qué la memoria no se libera mientras el programa se ejecuta?</a:t>
             </a:r>
             <a:endParaRPr/>
           </a:p>
@@ -11300,7 +12440,7 @@
   <p:cSld>
     <p:spTree>
       <p:nvGrpSpPr>
-        <p:cNvPr id="265" name="Shape 265"/>
+        <p:cNvPr id="280" name="Shape 280"/>
         <p:cNvGrpSpPr/>
         <p:nvPr/>
       </p:nvGrpSpPr>
@@ -11314,7 +12454,7 @@
       </p:grpSpPr>
       <p:sp>
         <p:nvSpPr>
-          <p:cNvPr id="266" name="Google Shape;266;p29"/>
+          <p:cNvPr id="281" name="Google Shape;281;p29"/>
           <p:cNvSpPr txBox="1"/>
           <p:nvPr>
             <p:ph type="title"/>
@@ -11347,6 +12487,152 @@
             <a:r>
               <a:rPr lang="es"/>
               <a:t>Sección de preguntas</a:t>
+            </a:r>
+            <a:endParaRPr/>
+          </a:p>
+        </p:txBody>
+      </p:sp>
+    </p:spTree>
+  </p:cSld>
+  <p:clrMapOvr>
+    <a:masterClrMapping/>
+  </p:clrMapOvr>
+</p:sld>
+</file>
+
+<file path=ppt/slides/slide18.xml><?xml version="1.0" encoding="utf-8"?>
+<p:sld xmlns:a="http://schemas.openxmlformats.org/drawingml/2006/main" xmlns:r="http://schemas.openxmlformats.org/officeDocument/2006/relationships" xmlns:mc="http://schemas.openxmlformats.org/markup-compatibility/2006" xmlns:mv="urn:schemas-microsoft-com:mac:vml" xmlns:p="http://schemas.openxmlformats.org/presentationml/2006/main" xmlns:c="http://schemas.openxmlformats.org/drawingml/2006/chart" xmlns:dgm="http://schemas.openxmlformats.org/drawingml/2006/diagram" xmlns:o="urn:schemas-microsoft-com:office:office" xmlns:v="urn:schemas-microsoft-com:vml" xmlns:pvml="urn:schemas-microsoft-com:office:powerpoint" xmlns:com="http://schemas.openxmlformats.org/drawingml/2006/compatibility" xmlns:p14="http://schemas.microsoft.com/office/powerpoint/2010/main" xmlns:p15="http://schemas.microsoft.com/office/powerpoint/2012/main" xmlns:ahyp="http://schemas.microsoft.com/office/drawing/2018/hyperlinkcolor">
+  <p:cSld>
+    <p:spTree>
+      <p:nvGrpSpPr>
+        <p:cNvPr id="285" name="Shape 285"/>
+        <p:cNvGrpSpPr/>
+        <p:nvPr/>
+      </p:nvGrpSpPr>
+      <p:grpSpPr>
+        <a:xfrm>
+          <a:off x="0" y="0"/>
+          <a:ext cx="0" cy="0"/>
+          <a:chOff x="0" y="0"/>
+          <a:chExt cx="0" cy="0"/>
+        </a:xfrm>
+      </p:grpSpPr>
+      <p:sp>
+        <p:nvSpPr>
+          <p:cNvPr id="286" name="Google Shape;286;p30"/>
+          <p:cNvSpPr txBox="1"/>
+          <p:nvPr>
+            <p:ph type="title"/>
+          </p:nvPr>
+        </p:nvSpPr>
+        <p:spPr>
+          <a:xfrm>
+            <a:off x="2400250" y="575950"/>
+            <a:ext cx="6321600" cy="635400"/>
+          </a:xfrm>
+          <a:prstGeom prst="rect">
+            <a:avLst/>
+          </a:prstGeom>
+        </p:spPr>
+        <p:txBody>
+          <a:bodyPr anchorCtr="0" anchor="t" bIns="91425" lIns="91425" spcFirstLastPara="1" rIns="91425" wrap="square" tIns="91425">
+            <a:normAutofit fontScale="90000"/>
+          </a:bodyPr>
+          <a:lstStyle/>
+          <a:p>
+            <a:pPr indent="0" lvl="0" marL="0" rtl="0" algn="l">
+              <a:spcBef>
+                <a:spcPts val="0"/>
+              </a:spcBef>
+              <a:spcAft>
+                <a:spcPts val="0"/>
+              </a:spcAft>
+              <a:buNone/>
+            </a:pPr>
+            <a:r>
+              <a:rPr lang="es"/>
+              <a:t>Preguntas para la clase</a:t>
+            </a:r>
+            <a:endParaRPr/>
+          </a:p>
+        </p:txBody>
+      </p:sp>
+      <p:sp>
+        <p:nvSpPr>
+          <p:cNvPr id="287" name="Google Shape;287;p30"/>
+          <p:cNvSpPr txBox="1"/>
+          <p:nvPr>
+            <p:ph idx="1" type="body"/>
+          </p:nvPr>
+        </p:nvSpPr>
+        <p:spPr>
+          <a:xfrm>
+            <a:off x="2410112" y="1595776"/>
+            <a:ext cx="6321600" cy="3002400"/>
+          </a:xfrm>
+          <a:prstGeom prst="rect">
+            <a:avLst/>
+          </a:prstGeom>
+        </p:spPr>
+        <p:txBody>
+          <a:bodyPr anchorCtr="0" anchor="t" bIns="91425" lIns="91425" spcFirstLastPara="1" rIns="91425" wrap="square" tIns="91425">
+            <a:normAutofit/>
+          </a:bodyPr>
+          <a:lstStyle/>
+          <a:p>
+            <a:pPr indent="-342900" lvl="0" marL="457200" rtl="0" algn="l">
+              <a:spcBef>
+                <a:spcPts val="0"/>
+              </a:spcBef>
+              <a:spcAft>
+                <a:spcPts val="0"/>
+              </a:spcAft>
+              <a:buSzPts val="1800"/>
+              <a:buChar char="●"/>
+            </a:pPr>
+            <a:r>
+              <a:rPr lang="es"/>
+              <a:t>¿Cuánto se estima que será el tiempo de </a:t>
+            </a:r>
+            <a:r>
+              <a:rPr lang="es"/>
+              <a:t>cálculo</a:t>
+            </a:r>
+            <a:r>
+              <a:rPr lang="es"/>
+              <a:t> para un n = 10 000 000 con Selection Sort?</a:t>
+            </a:r>
+            <a:endParaRPr/>
+          </a:p>
+          <a:p>
+            <a:pPr indent="0" lvl="0" marL="0" rtl="0" algn="l">
+              <a:spcBef>
+                <a:spcPts val="1200"/>
+              </a:spcBef>
+              <a:spcAft>
+                <a:spcPts val="0"/>
+              </a:spcAft>
+              <a:buNone/>
+            </a:pPr>
+            <a:r>
+              <a:t/>
+            </a:r>
+            <a:endParaRPr/>
+          </a:p>
+          <a:p>
+            <a:pPr indent="-342900" lvl="0" marL="457200" rtl="0" algn="l">
+              <a:spcBef>
+                <a:spcPts val="1200"/>
+              </a:spcBef>
+              <a:spcAft>
+                <a:spcPts val="0"/>
+              </a:spcAft>
+              <a:buSzPts val="1800"/>
+              <a:buChar char="●"/>
+            </a:pPr>
+            <a:r>
+              <a:rPr lang="es"/>
+              <a:t>¿Cuándo sería útil Selection Sort?</a:t>
             </a:r>
             <a:endParaRPr/>
           </a:p>
@@ -11416,7 +12702,7 @@
             </a:pPr>
             <a:r>
               <a:rPr lang="es"/>
-              <a:t>Sobre el Algoritmo</a:t>
+              <a:t>Sobre Merge Sort</a:t>
             </a:r>
             <a:endParaRPr/>
           </a:p>
@@ -11564,7 +12850,15 @@
             </a:pPr>
             <a:r>
               <a:rPr lang="es"/>
-              <a:t>Es de tipo Interno y Estable</a:t>
+              <a:t>Es de tipo</a:t>
+            </a:r>
+            <a:r>
+              <a:rPr lang="es"/>
+              <a:t> Externo y</a:t>
+            </a:r>
+            <a:r>
+              <a:rPr lang="es"/>
+              <a:t> Estable</a:t>
             </a:r>
             <a:endParaRPr/>
           </a:p>
@@ -11587,7 +12881,7 @@
                 <a:solidFill>
                   <a:srgbClr val="FFFFFF"/>
                 </a:solidFill>
-                <a:tableStyleId>{9943CE5C-D84A-4433-9C5C-0A968445AF93}</a:tableStyleId>
+                <a:tableStyleId>{388E561D-561F-45AC-A854-42D78D4A40BB}</a:tableStyleId>
               </a:tblPr>
               <a:tblGrid>
                 <a:gridCol w="1320425"/>
@@ -13388,7 +14682,7 @@
         </p:nvSpPr>
         <p:spPr>
           <a:xfrm>
-            <a:off x="3121097" y="663865"/>
+            <a:off x="3121097" y="438052"/>
             <a:ext cx="345000" cy="345000"/>
           </a:xfrm>
           <a:prstGeom prst="rect">
@@ -13435,7 +14729,7 @@
         </p:nvSpPr>
         <p:spPr>
           <a:xfrm>
-            <a:off x="3121097" y="636265"/>
+            <a:off x="3121097" y="410452"/>
             <a:ext cx="345000" cy="400200"/>
           </a:xfrm>
           <a:prstGeom prst="rect">
@@ -13487,7 +14781,7 @@
         </p:nvSpPr>
         <p:spPr>
           <a:xfrm>
-            <a:off x="3466097" y="663865"/>
+            <a:off x="3466097" y="438052"/>
             <a:ext cx="345000" cy="345000"/>
           </a:xfrm>
           <a:prstGeom prst="rect">
@@ -13534,7 +14828,7 @@
         </p:nvSpPr>
         <p:spPr>
           <a:xfrm>
-            <a:off x="3466097" y="636265"/>
+            <a:off x="3466097" y="410452"/>
             <a:ext cx="345000" cy="400200"/>
           </a:xfrm>
           <a:prstGeom prst="rect">
@@ -13586,7 +14880,7 @@
         </p:nvSpPr>
         <p:spPr>
           <a:xfrm>
-            <a:off x="3811097" y="663865"/>
+            <a:off x="3811097" y="438052"/>
             <a:ext cx="345000" cy="345000"/>
           </a:xfrm>
           <a:prstGeom prst="rect">
@@ -13633,7 +14927,7 @@
         </p:nvSpPr>
         <p:spPr>
           <a:xfrm>
-            <a:off x="3811097" y="636265"/>
+            <a:off x="3811097" y="410452"/>
             <a:ext cx="345000" cy="400200"/>
           </a:xfrm>
           <a:prstGeom prst="rect">
@@ -13685,7 +14979,7 @@
         </p:nvSpPr>
         <p:spPr>
           <a:xfrm>
-            <a:off x="4156100" y="663865"/>
+            <a:off x="4156100" y="438052"/>
             <a:ext cx="345000" cy="345000"/>
           </a:xfrm>
           <a:prstGeom prst="rect">
@@ -13732,7 +15026,7 @@
         </p:nvSpPr>
         <p:spPr>
           <a:xfrm>
-            <a:off x="4156100" y="636265"/>
+            <a:off x="4156100" y="410452"/>
             <a:ext cx="345000" cy="400200"/>
           </a:xfrm>
           <a:prstGeom prst="rect">
@@ -13784,7 +15078,7 @@
         </p:nvSpPr>
         <p:spPr>
           <a:xfrm>
-            <a:off x="4501100" y="663865"/>
+            <a:off x="4501100" y="438052"/>
             <a:ext cx="345000" cy="345000"/>
           </a:xfrm>
           <a:prstGeom prst="rect">
@@ -13831,7 +15125,7 @@
         </p:nvSpPr>
         <p:spPr>
           <a:xfrm>
-            <a:off x="4501100" y="636265"/>
+            <a:off x="4501100" y="410452"/>
             <a:ext cx="345000" cy="400200"/>
           </a:xfrm>
           <a:prstGeom prst="rect">
@@ -13883,7 +15177,7 @@
         </p:nvSpPr>
         <p:spPr>
           <a:xfrm>
-            <a:off x="4846100" y="663865"/>
+            <a:off x="4846100" y="438052"/>
             <a:ext cx="345000" cy="345000"/>
           </a:xfrm>
           <a:prstGeom prst="rect">
@@ -13930,7 +15224,7 @@
         </p:nvSpPr>
         <p:spPr>
           <a:xfrm>
-            <a:off x="4846100" y="636265"/>
+            <a:off x="4846100" y="410452"/>
             <a:ext cx="345000" cy="400200"/>
           </a:xfrm>
           <a:prstGeom prst="rect">
@@ -13982,7 +15276,7 @@
         </p:nvSpPr>
         <p:spPr>
           <a:xfrm>
-            <a:off x="5191100" y="663865"/>
+            <a:off x="5191100" y="438052"/>
             <a:ext cx="345000" cy="345000"/>
           </a:xfrm>
           <a:prstGeom prst="rect">
@@ -14029,7 +15323,7 @@
         </p:nvSpPr>
         <p:spPr>
           <a:xfrm>
-            <a:off x="5191100" y="636265"/>
+            <a:off x="5191100" y="410452"/>
             <a:ext cx="345000" cy="400200"/>
           </a:xfrm>
           <a:prstGeom prst="rect">
@@ -14081,7 +15375,7 @@
         </p:nvCxnSpPr>
         <p:spPr>
           <a:xfrm rot="10800000">
-            <a:off x="6156325" y="836365"/>
+            <a:off x="6156325" y="610552"/>
             <a:ext cx="320700" cy="0"/>
           </a:xfrm>
           <a:prstGeom prst="straightConnector1">
@@ -14107,7 +15401,7 @@
         </p:nvSpPr>
         <p:spPr>
           <a:xfrm>
-            <a:off x="3121100" y="1204465"/>
+            <a:off x="3121100" y="978652"/>
             <a:ext cx="345000" cy="345000"/>
           </a:xfrm>
           <a:prstGeom prst="rect">
@@ -14154,7 +15448,7 @@
         </p:nvSpPr>
         <p:spPr>
           <a:xfrm>
-            <a:off x="3121100" y="1176865"/>
+            <a:off x="3121100" y="951052"/>
             <a:ext cx="345000" cy="400200"/>
           </a:xfrm>
           <a:prstGeom prst="rect">
@@ -14206,7 +15500,7 @@
         </p:nvSpPr>
         <p:spPr>
           <a:xfrm>
-            <a:off x="3466100" y="1204465"/>
+            <a:off x="3466100" y="978652"/>
             <a:ext cx="345000" cy="345000"/>
           </a:xfrm>
           <a:prstGeom prst="rect">
@@ -14253,7 +15547,7 @@
         </p:nvSpPr>
         <p:spPr>
           <a:xfrm>
-            <a:off x="3466100" y="1176865"/>
+            <a:off x="3466100" y="951052"/>
             <a:ext cx="345000" cy="400200"/>
           </a:xfrm>
           <a:prstGeom prst="rect">
@@ -14305,7 +15599,7 @@
         </p:nvSpPr>
         <p:spPr>
           <a:xfrm>
-            <a:off x="3811100" y="1204465"/>
+            <a:off x="3811100" y="978652"/>
             <a:ext cx="345000" cy="345000"/>
           </a:xfrm>
           <a:prstGeom prst="rect">
@@ -14352,7 +15646,7 @@
         </p:nvSpPr>
         <p:spPr>
           <a:xfrm>
-            <a:off x="3811100" y="1176865"/>
+            <a:off x="3811100" y="951052"/>
             <a:ext cx="345000" cy="400200"/>
           </a:xfrm>
           <a:prstGeom prst="rect">
@@ -14404,7 +15698,7 @@
         </p:nvSpPr>
         <p:spPr>
           <a:xfrm>
-            <a:off x="4156100" y="1204465"/>
+            <a:off x="4156100" y="978652"/>
             <a:ext cx="345000" cy="345000"/>
           </a:xfrm>
           <a:prstGeom prst="rect">
@@ -14453,7 +15747,7 @@
         </p:nvSpPr>
         <p:spPr>
           <a:xfrm>
-            <a:off x="4156100" y="1176865"/>
+            <a:off x="4156100" y="951052"/>
             <a:ext cx="345000" cy="400200"/>
           </a:xfrm>
           <a:prstGeom prst="rect">
@@ -14505,7 +15799,7 @@
         </p:nvSpPr>
         <p:spPr>
           <a:xfrm>
-            <a:off x="4501100" y="1204465"/>
+            <a:off x="4501100" y="978652"/>
             <a:ext cx="345000" cy="345000"/>
           </a:xfrm>
           <a:prstGeom prst="rect">
@@ -14552,7 +15846,7 @@
         </p:nvSpPr>
         <p:spPr>
           <a:xfrm>
-            <a:off x="4501100" y="1176865"/>
+            <a:off x="4501100" y="951052"/>
             <a:ext cx="345000" cy="400200"/>
           </a:xfrm>
           <a:prstGeom prst="rect">
@@ -14604,7 +15898,7 @@
         </p:nvSpPr>
         <p:spPr>
           <a:xfrm>
-            <a:off x="4846100" y="1204465"/>
+            <a:off x="4846100" y="978652"/>
             <a:ext cx="345000" cy="345000"/>
           </a:xfrm>
           <a:prstGeom prst="rect">
@@ -14651,7 +15945,7 @@
         </p:nvSpPr>
         <p:spPr>
           <a:xfrm>
-            <a:off x="4846100" y="1176865"/>
+            <a:off x="4846100" y="951052"/>
             <a:ext cx="345000" cy="400200"/>
           </a:xfrm>
           <a:prstGeom prst="rect">
@@ -14703,7 +15997,7 @@
         </p:nvSpPr>
         <p:spPr>
           <a:xfrm>
-            <a:off x="5191100" y="1204465"/>
+            <a:off x="5191100" y="978652"/>
             <a:ext cx="345000" cy="345000"/>
           </a:xfrm>
           <a:prstGeom prst="rect">
@@ -14750,7 +16044,7 @@
         </p:nvSpPr>
         <p:spPr>
           <a:xfrm>
-            <a:off x="5191100" y="1176865"/>
+            <a:off x="5191100" y="951052"/>
             <a:ext cx="345000" cy="400200"/>
           </a:xfrm>
           <a:prstGeom prst="rect">
@@ -14802,7 +16096,7 @@
         </p:nvSpPr>
         <p:spPr>
           <a:xfrm>
-            <a:off x="2657896" y="1888840"/>
+            <a:off x="2657896" y="1560157"/>
             <a:ext cx="345000" cy="345000"/>
           </a:xfrm>
           <a:prstGeom prst="rect">
@@ -14849,7 +16143,7 @@
         </p:nvSpPr>
         <p:spPr>
           <a:xfrm>
-            <a:off x="2657896" y="1861240"/>
+            <a:off x="2657896" y="1532557"/>
             <a:ext cx="345000" cy="400200"/>
           </a:xfrm>
           <a:prstGeom prst="rect">
@@ -14901,7 +16195,7 @@
         </p:nvSpPr>
         <p:spPr>
           <a:xfrm>
-            <a:off x="3002896" y="1888840"/>
+            <a:off x="3002896" y="1560157"/>
             <a:ext cx="345000" cy="345000"/>
           </a:xfrm>
           <a:prstGeom prst="rect">
@@ -14954,7 +16248,7 @@
         </p:nvSpPr>
         <p:spPr>
           <a:xfrm>
-            <a:off x="3002896" y="1861240"/>
+            <a:off x="3002896" y="1532557"/>
             <a:ext cx="345000" cy="400200"/>
           </a:xfrm>
           <a:prstGeom prst="rect">
@@ -15006,7 +16300,7 @@
         </p:nvSpPr>
         <p:spPr>
           <a:xfrm>
-            <a:off x="3347896" y="1888840"/>
+            <a:off x="3347896" y="1560157"/>
             <a:ext cx="345000" cy="345000"/>
           </a:xfrm>
           <a:prstGeom prst="rect">
@@ -15053,7 +16347,7 @@
         </p:nvSpPr>
         <p:spPr>
           <a:xfrm>
-            <a:off x="3347896" y="1861240"/>
+            <a:off x="3347896" y="1532557"/>
             <a:ext cx="345000" cy="400200"/>
           </a:xfrm>
           <a:prstGeom prst="rect">
@@ -15105,7 +16399,7 @@
         </p:nvSpPr>
         <p:spPr>
           <a:xfrm>
-            <a:off x="3692896" y="1888840"/>
+            <a:off x="3692896" y="1560157"/>
             <a:ext cx="345000" cy="345000"/>
           </a:xfrm>
           <a:prstGeom prst="rect">
@@ -15154,7 +16448,7 @@
         </p:nvSpPr>
         <p:spPr>
           <a:xfrm>
-            <a:off x="3692896" y="1861240"/>
+            <a:off x="3692896" y="1532557"/>
             <a:ext cx="345000" cy="400200"/>
           </a:xfrm>
           <a:prstGeom prst="rect">
@@ -15206,7 +16500,7 @@
         </p:nvSpPr>
         <p:spPr>
           <a:xfrm>
-            <a:off x="5479847" y="1888840"/>
+            <a:off x="5479847" y="1560157"/>
             <a:ext cx="345000" cy="345000"/>
           </a:xfrm>
           <a:prstGeom prst="rect">
@@ -15253,7 +16547,7 @@
         </p:nvSpPr>
         <p:spPr>
           <a:xfrm>
-            <a:off x="5479847" y="1861240"/>
+            <a:off x="5479847" y="1532557"/>
             <a:ext cx="345000" cy="400200"/>
           </a:xfrm>
           <a:prstGeom prst="rect">
@@ -15305,7 +16599,7 @@
         </p:nvSpPr>
         <p:spPr>
           <a:xfrm>
-            <a:off x="5824847" y="1888840"/>
+            <a:off x="5824847" y="1560157"/>
             <a:ext cx="345000" cy="345000"/>
           </a:xfrm>
           <a:prstGeom prst="rect">
@@ -15352,7 +16646,7 @@
         </p:nvSpPr>
         <p:spPr>
           <a:xfrm>
-            <a:off x="5824847" y="1861240"/>
+            <a:off x="5824847" y="1532557"/>
             <a:ext cx="345000" cy="400200"/>
           </a:xfrm>
           <a:prstGeom prst="rect">
@@ -15404,7 +16698,7 @@
         </p:nvSpPr>
         <p:spPr>
           <a:xfrm>
-            <a:off x="6169847" y="1888840"/>
+            <a:off x="6169847" y="1560157"/>
             <a:ext cx="345000" cy="345000"/>
           </a:xfrm>
           <a:prstGeom prst="rect">
@@ -15453,7 +16747,7 @@
         </p:nvSpPr>
         <p:spPr>
           <a:xfrm>
-            <a:off x="6169847" y="1861240"/>
+            <a:off x="6169847" y="1532557"/>
             <a:ext cx="345000" cy="400200"/>
           </a:xfrm>
           <a:prstGeom prst="rect">
@@ -15505,7 +16799,7 @@
         </p:nvSpPr>
         <p:spPr>
           <a:xfrm>
-            <a:off x="2445421" y="2573215"/>
+            <a:off x="2445421" y="2244532"/>
             <a:ext cx="345000" cy="345000"/>
           </a:xfrm>
           <a:prstGeom prst="rect">
@@ -15552,7 +16846,7 @@
         </p:nvSpPr>
         <p:spPr>
           <a:xfrm>
-            <a:off x="2445421" y="2545615"/>
+            <a:off x="2445421" y="2216932"/>
             <a:ext cx="345000" cy="400200"/>
           </a:xfrm>
           <a:prstGeom prst="rect">
@@ -15604,7 +16898,7 @@
         </p:nvSpPr>
         <p:spPr>
           <a:xfrm>
-            <a:off x="2790421" y="2573215"/>
+            <a:off x="2790421" y="2244532"/>
             <a:ext cx="345000" cy="345000"/>
           </a:xfrm>
           <a:prstGeom prst="rect">
@@ -15657,7 +16951,7 @@
         </p:nvSpPr>
         <p:spPr>
           <a:xfrm>
-            <a:off x="2790421" y="2545615"/>
+            <a:off x="2790421" y="2216932"/>
             <a:ext cx="345000" cy="400200"/>
           </a:xfrm>
           <a:prstGeom prst="rect">
@@ -15709,7 +17003,7 @@
         </p:nvSpPr>
         <p:spPr>
           <a:xfrm>
-            <a:off x="3466100" y="2573215"/>
+            <a:off x="3466100" y="2244532"/>
             <a:ext cx="345000" cy="345000"/>
           </a:xfrm>
           <a:prstGeom prst="rect">
@@ -15756,7 +17050,7 @@
         </p:nvSpPr>
         <p:spPr>
           <a:xfrm>
-            <a:off x="3466100" y="2545615"/>
+            <a:off x="3466100" y="2216932"/>
             <a:ext cx="345000" cy="400200"/>
           </a:xfrm>
           <a:prstGeom prst="rect">
@@ -15808,7 +17102,7 @@
         </p:nvSpPr>
         <p:spPr>
           <a:xfrm>
-            <a:off x="3811100" y="2573215"/>
+            <a:off x="3811100" y="2244532"/>
             <a:ext cx="345000" cy="345000"/>
           </a:xfrm>
           <a:prstGeom prst="rect">
@@ -15857,7 +17151,7 @@
         </p:nvSpPr>
         <p:spPr>
           <a:xfrm>
-            <a:off x="3811100" y="2545615"/>
+            <a:off x="3811100" y="2216932"/>
             <a:ext cx="345000" cy="400200"/>
           </a:xfrm>
           <a:prstGeom prst="rect">
@@ -15909,7 +17203,7 @@
         </p:nvSpPr>
         <p:spPr>
           <a:xfrm>
-            <a:off x="6235997" y="2573215"/>
+            <a:off x="6235997" y="2244532"/>
             <a:ext cx="345000" cy="345000"/>
           </a:xfrm>
           <a:prstGeom prst="rect">
@@ -15958,7 +17252,7 @@
         </p:nvSpPr>
         <p:spPr>
           <a:xfrm>
-            <a:off x="6235997" y="2545615"/>
+            <a:off x="6235997" y="2216932"/>
             <a:ext cx="345000" cy="400200"/>
           </a:xfrm>
           <a:prstGeom prst="rect">
@@ -16010,7 +17304,7 @@
         </p:nvSpPr>
         <p:spPr>
           <a:xfrm>
-            <a:off x="5176772" y="2573215"/>
+            <a:off x="5176772" y="2244532"/>
             <a:ext cx="345000" cy="345000"/>
           </a:xfrm>
           <a:prstGeom prst="rect">
@@ -16057,7 +17351,7 @@
         </p:nvSpPr>
         <p:spPr>
           <a:xfrm>
-            <a:off x="5176772" y="2545615"/>
+            <a:off x="5176772" y="2216932"/>
             <a:ext cx="345000" cy="400200"/>
           </a:xfrm>
           <a:prstGeom prst="rect">
@@ -16109,7 +17403,7 @@
         </p:nvSpPr>
         <p:spPr>
           <a:xfrm>
-            <a:off x="5521772" y="2573215"/>
+            <a:off x="5521772" y="2244532"/>
             <a:ext cx="345000" cy="345000"/>
           </a:xfrm>
           <a:prstGeom prst="rect">
@@ -16156,7 +17450,7 @@
         </p:nvSpPr>
         <p:spPr>
           <a:xfrm>
-            <a:off x="5521772" y="2545615"/>
+            <a:off x="5521772" y="2216932"/>
             <a:ext cx="345000" cy="400200"/>
           </a:xfrm>
           <a:prstGeom prst="rect">
@@ -16208,7 +17502,7 @@
         </p:nvSpPr>
         <p:spPr>
           <a:xfrm>
-            <a:off x="2445421" y="3257590"/>
+            <a:off x="2445421" y="2928907"/>
             <a:ext cx="345000" cy="345000"/>
           </a:xfrm>
           <a:prstGeom prst="rect">
@@ -16255,7 +17549,7 @@
         </p:nvSpPr>
         <p:spPr>
           <a:xfrm>
-            <a:off x="2445421" y="3229990"/>
+            <a:off x="2445421" y="2901307"/>
             <a:ext cx="345000" cy="400200"/>
           </a:xfrm>
           <a:prstGeom prst="rect">
@@ -16307,7 +17601,7 @@
         </p:nvSpPr>
         <p:spPr>
           <a:xfrm>
-            <a:off x="2790421" y="3257590"/>
+            <a:off x="2790421" y="2928907"/>
             <a:ext cx="345000" cy="345000"/>
           </a:xfrm>
           <a:prstGeom prst="rect">
@@ -16360,7 +17654,7 @@
         </p:nvSpPr>
         <p:spPr>
           <a:xfrm>
-            <a:off x="2790421" y="3229990"/>
+            <a:off x="2790421" y="2901307"/>
             <a:ext cx="345000" cy="400200"/>
           </a:xfrm>
           <a:prstGeom prst="rect">
@@ -16412,7 +17706,7 @@
         </p:nvSpPr>
         <p:spPr>
           <a:xfrm>
-            <a:off x="3466100" y="3257590"/>
+            <a:off x="3466100" y="2928907"/>
             <a:ext cx="345000" cy="345000"/>
           </a:xfrm>
           <a:prstGeom prst="rect">
@@ -16459,7 +17753,7 @@
         </p:nvSpPr>
         <p:spPr>
           <a:xfrm>
-            <a:off x="3466100" y="3229990"/>
+            <a:off x="3466100" y="2901307"/>
             <a:ext cx="345000" cy="400200"/>
           </a:xfrm>
           <a:prstGeom prst="rect">
@@ -16511,7 +17805,7 @@
         </p:nvSpPr>
         <p:spPr>
           <a:xfrm>
-            <a:off x="3811100" y="3257590"/>
+            <a:off x="3811100" y="2928907"/>
             <a:ext cx="345000" cy="345000"/>
           </a:xfrm>
           <a:prstGeom prst="rect">
@@ -16560,7 +17854,7 @@
         </p:nvSpPr>
         <p:spPr>
           <a:xfrm>
-            <a:off x="3811100" y="3229990"/>
+            <a:off x="3811100" y="2901307"/>
             <a:ext cx="345000" cy="400200"/>
           </a:xfrm>
           <a:prstGeom prst="rect">
@@ -16612,7 +17906,7 @@
         </p:nvSpPr>
         <p:spPr>
           <a:xfrm>
-            <a:off x="5176772" y="3257590"/>
+            <a:off x="5176772" y="2928907"/>
             <a:ext cx="345000" cy="345000"/>
           </a:xfrm>
           <a:prstGeom prst="rect">
@@ -16659,7 +17953,7 @@
         </p:nvSpPr>
         <p:spPr>
           <a:xfrm>
-            <a:off x="5176772" y="3229990"/>
+            <a:off x="5176772" y="2901307"/>
             <a:ext cx="345000" cy="400200"/>
           </a:xfrm>
           <a:prstGeom prst="rect">
@@ -16711,7 +18005,7 @@
         </p:nvSpPr>
         <p:spPr>
           <a:xfrm>
-            <a:off x="5521772" y="3257590"/>
+            <a:off x="5521772" y="2928907"/>
             <a:ext cx="345000" cy="345000"/>
           </a:xfrm>
           <a:prstGeom prst="rect">
@@ -16758,7 +18052,7 @@
         </p:nvSpPr>
         <p:spPr>
           <a:xfrm>
-            <a:off x="5521772" y="3229990"/>
+            <a:off x="5521772" y="2901307"/>
             <a:ext cx="345000" cy="400200"/>
           </a:xfrm>
           <a:prstGeom prst="rect">
@@ -16810,7 +18104,7 @@
         </p:nvSpPr>
         <p:spPr>
           <a:xfrm>
-            <a:off x="2442318" y="3831259"/>
+            <a:off x="2442318" y="3502577"/>
             <a:ext cx="345000" cy="345000"/>
           </a:xfrm>
           <a:prstGeom prst="rect">
@@ -16857,7 +18151,7 @@
         </p:nvSpPr>
         <p:spPr>
           <a:xfrm>
-            <a:off x="2442318" y="3803659"/>
+            <a:off x="2442318" y="3474977"/>
             <a:ext cx="345000" cy="400200"/>
           </a:xfrm>
           <a:prstGeom prst="rect">
@@ -16909,7 +18203,7 @@
         </p:nvSpPr>
         <p:spPr>
           <a:xfrm>
-            <a:off x="2787318" y="3831259"/>
+            <a:off x="2787318" y="3502577"/>
             <a:ext cx="345000" cy="345000"/>
           </a:xfrm>
           <a:prstGeom prst="rect">
@@ -16960,7 +18254,7 @@
         </p:nvSpPr>
         <p:spPr>
           <a:xfrm>
-            <a:off x="2790418" y="3803659"/>
+            <a:off x="2790418" y="3474977"/>
             <a:ext cx="345000" cy="400200"/>
           </a:xfrm>
           <a:prstGeom prst="rect">
@@ -17012,7 +18306,7 @@
         </p:nvSpPr>
         <p:spPr>
           <a:xfrm>
-            <a:off x="3462998" y="3831259"/>
+            <a:off x="3462998" y="3502577"/>
             <a:ext cx="345000" cy="345000"/>
           </a:xfrm>
           <a:prstGeom prst="rect">
@@ -17059,7 +18353,7 @@
         </p:nvSpPr>
         <p:spPr>
           <a:xfrm>
-            <a:off x="3462998" y="3803659"/>
+            <a:off x="3462998" y="3474977"/>
             <a:ext cx="345000" cy="400200"/>
           </a:xfrm>
           <a:prstGeom prst="rect">
@@ -17111,7 +18405,7 @@
         </p:nvSpPr>
         <p:spPr>
           <a:xfrm>
-            <a:off x="3807998" y="3831259"/>
+            <a:off x="3807998" y="3502577"/>
             <a:ext cx="345000" cy="345000"/>
           </a:xfrm>
           <a:prstGeom prst="rect">
@@ -17158,7 +18452,7 @@
         </p:nvSpPr>
         <p:spPr>
           <a:xfrm>
-            <a:off x="3807998" y="3803659"/>
+            <a:off x="3807998" y="3474977"/>
             <a:ext cx="345000" cy="400200"/>
           </a:xfrm>
           <a:prstGeom prst="rect">
@@ -17210,7 +18504,7 @@
         </p:nvSpPr>
         <p:spPr>
           <a:xfrm>
-            <a:off x="5173670" y="3831259"/>
+            <a:off x="5173670" y="3502577"/>
             <a:ext cx="345000" cy="345000"/>
           </a:xfrm>
           <a:prstGeom prst="rect">
@@ -17257,7 +18551,7 @@
         </p:nvSpPr>
         <p:spPr>
           <a:xfrm>
-            <a:off x="5173670" y="3803659"/>
+            <a:off x="5173670" y="3474977"/>
             <a:ext cx="345000" cy="400200"/>
           </a:xfrm>
           <a:prstGeom prst="rect">
@@ -17309,7 +18603,7 @@
         </p:nvSpPr>
         <p:spPr>
           <a:xfrm>
-            <a:off x="5518670" y="3831259"/>
+            <a:off x="5518670" y="3502577"/>
             <a:ext cx="345000" cy="345000"/>
           </a:xfrm>
           <a:prstGeom prst="rect">
@@ -17356,7 +18650,7 @@
         </p:nvSpPr>
         <p:spPr>
           <a:xfrm>
-            <a:off x="5518670" y="3803659"/>
+            <a:off x="5518670" y="3474977"/>
             <a:ext cx="345000" cy="400200"/>
           </a:xfrm>
           <a:prstGeom prst="rect">
@@ -17408,7 +18702,7 @@
         </p:nvSpPr>
         <p:spPr>
           <a:xfrm>
-            <a:off x="2600493" y="4404909"/>
+            <a:off x="2600493" y="4076227"/>
             <a:ext cx="345000" cy="345000"/>
           </a:xfrm>
           <a:prstGeom prst="rect">
@@ -17455,7 +18749,7 @@
         </p:nvSpPr>
         <p:spPr>
           <a:xfrm>
-            <a:off x="2600493" y="4377309"/>
+            <a:off x="2600493" y="4048627"/>
             <a:ext cx="345000" cy="400200"/>
           </a:xfrm>
           <a:prstGeom prst="rect">
@@ -17507,7 +18801,7 @@
         </p:nvSpPr>
         <p:spPr>
           <a:xfrm>
-            <a:off x="2945493" y="4404909"/>
+            <a:off x="2945493" y="4076227"/>
             <a:ext cx="345000" cy="345000"/>
           </a:xfrm>
           <a:prstGeom prst="rect">
@@ -17558,7 +18852,7 @@
         </p:nvSpPr>
         <p:spPr>
           <a:xfrm>
-            <a:off x="2948593" y="4377309"/>
+            <a:off x="2948593" y="4048627"/>
             <a:ext cx="345000" cy="400200"/>
           </a:xfrm>
           <a:prstGeom prst="rect">
@@ -17610,7 +18904,7 @@
         </p:nvSpPr>
         <p:spPr>
           <a:xfrm>
-            <a:off x="3296700" y="4404909"/>
+            <a:off x="3296700" y="4076227"/>
             <a:ext cx="345000" cy="345000"/>
           </a:xfrm>
           <a:prstGeom prst="rect">
@@ -17657,7 +18951,7 @@
         </p:nvSpPr>
         <p:spPr>
           <a:xfrm>
-            <a:off x="3296700" y="4377309"/>
+            <a:off x="3296700" y="4048627"/>
             <a:ext cx="345000" cy="400200"/>
           </a:xfrm>
           <a:prstGeom prst="rect">
@@ -17709,7 +19003,7 @@
         </p:nvSpPr>
         <p:spPr>
           <a:xfrm>
-            <a:off x="3641700" y="4404909"/>
+            <a:off x="3641700" y="4076227"/>
             <a:ext cx="345000" cy="345000"/>
           </a:xfrm>
           <a:prstGeom prst="rect">
@@ -17756,7 +19050,7 @@
         </p:nvSpPr>
         <p:spPr>
           <a:xfrm>
-            <a:off x="3641700" y="4377309"/>
+            <a:off x="3641700" y="4048627"/>
             <a:ext cx="345000" cy="400200"/>
           </a:xfrm>
           <a:prstGeom prst="rect">
@@ -17808,7 +19102,7 @@
         </p:nvSpPr>
         <p:spPr>
           <a:xfrm>
-            <a:off x="6236000" y="4404890"/>
+            <a:off x="6236000" y="4076207"/>
             <a:ext cx="345000" cy="345000"/>
           </a:xfrm>
           <a:prstGeom prst="rect">
@@ -17855,7 +19149,7 @@
         </p:nvSpPr>
         <p:spPr>
           <a:xfrm>
-            <a:off x="6236000" y="4377290"/>
+            <a:off x="6236000" y="4048607"/>
             <a:ext cx="345000" cy="400200"/>
           </a:xfrm>
           <a:prstGeom prst="rect">
@@ -17907,7 +19201,7 @@
         </p:nvSpPr>
         <p:spPr>
           <a:xfrm>
-            <a:off x="5545995" y="4404909"/>
+            <a:off x="5545995" y="4076227"/>
             <a:ext cx="345000" cy="345000"/>
           </a:xfrm>
           <a:prstGeom prst="rect">
@@ -17954,7 +19248,7 @@
         </p:nvSpPr>
         <p:spPr>
           <a:xfrm>
-            <a:off x="5545995" y="4377309"/>
+            <a:off x="5545995" y="4048627"/>
             <a:ext cx="345000" cy="400200"/>
           </a:xfrm>
           <a:prstGeom prst="rect">
@@ -18006,7 +19300,7 @@
         </p:nvSpPr>
         <p:spPr>
           <a:xfrm>
-            <a:off x="5890995" y="4404909"/>
+            <a:off x="5890995" y="4076227"/>
             <a:ext cx="345000" cy="345000"/>
           </a:xfrm>
           <a:prstGeom prst="rect">
@@ -18053,7 +19347,704 @@
         </p:nvSpPr>
         <p:spPr>
           <a:xfrm>
-            <a:off x="5890995" y="4377309"/>
+            <a:off x="5890995" y="4048627"/>
+            <a:ext cx="345000" cy="400200"/>
+          </a:xfrm>
+          <a:prstGeom prst="rect">
+            <a:avLst/>
+          </a:prstGeom>
+          <a:noFill/>
+          <a:ln>
+            <a:noFill/>
+          </a:ln>
+        </p:spPr>
+        <p:txBody>
+          <a:bodyPr anchorCtr="0" anchor="t" bIns="91425" lIns="91425" spcFirstLastPara="1" rIns="91425" wrap="square" tIns="91425">
+            <a:spAutoFit/>
+          </a:bodyPr>
+          <a:lstStyle/>
+          <a:p>
+            <a:pPr indent="0" lvl="0" marL="0" rtl="0" algn="l">
+              <a:spcBef>
+                <a:spcPts val="0"/>
+              </a:spcBef>
+              <a:spcAft>
+                <a:spcPts val="0"/>
+              </a:spcAft>
+              <a:buNone/>
+            </a:pPr>
+            <a:r>
+              <a:rPr lang="es">
+                <a:latin typeface="Lato"/>
+                <a:ea typeface="Lato"/>
+                <a:cs typeface="Lato"/>
+                <a:sym typeface="Lato"/>
+              </a:rPr>
+              <a:t>7</a:t>
+            </a:r>
+            <a:endParaRPr>
+              <a:latin typeface="Lato"/>
+              <a:ea typeface="Lato"/>
+              <a:cs typeface="Lato"/>
+              <a:sym typeface="Lato"/>
+            </a:endParaRPr>
+          </a:p>
+        </p:txBody>
+      </p:sp>
+      <p:sp>
+        <p:nvSpPr>
+          <p:cNvPr id="195" name="Google Shape;195;p17"/>
+          <p:cNvSpPr/>
+          <p:nvPr/>
+        </p:nvSpPr>
+        <p:spPr>
+          <a:xfrm>
+            <a:off x="3355918" y="4545077"/>
+            <a:ext cx="345000" cy="345000"/>
+          </a:xfrm>
+          <a:prstGeom prst="rect">
+            <a:avLst/>
+          </a:prstGeom>
+          <a:noFill/>
+          <a:ln cap="flat" cmpd="sng" w="28575">
+            <a:solidFill>
+              <a:schemeClr val="dk2"/>
+            </a:solidFill>
+            <a:prstDash val="solid"/>
+            <a:round/>
+            <a:headEnd len="sm" w="sm" type="none"/>
+            <a:tailEnd len="sm" w="sm" type="none"/>
+          </a:ln>
+        </p:spPr>
+        <p:txBody>
+          <a:bodyPr anchorCtr="0" anchor="ctr" bIns="91425" lIns="91425" spcFirstLastPara="1" rIns="91425" wrap="square" tIns="91425">
+            <a:noAutofit/>
+          </a:bodyPr>
+          <a:lstStyle/>
+          <a:p>
+            <a:pPr indent="0" lvl="0" marL="0" rtl="0" algn="l">
+              <a:spcBef>
+                <a:spcPts val="0"/>
+              </a:spcBef>
+              <a:spcAft>
+                <a:spcPts val="0"/>
+              </a:spcAft>
+              <a:buNone/>
+            </a:pPr>
+            <a:r>
+              <a:t/>
+            </a:r>
+            <a:endParaRPr/>
+          </a:p>
+        </p:txBody>
+      </p:sp>
+      <p:sp>
+        <p:nvSpPr>
+          <p:cNvPr id="196" name="Google Shape;196;p17"/>
+          <p:cNvSpPr txBox="1"/>
+          <p:nvPr/>
+        </p:nvSpPr>
+        <p:spPr>
+          <a:xfrm>
+            <a:off x="3355918" y="4517477"/>
+            <a:ext cx="345000" cy="400200"/>
+          </a:xfrm>
+          <a:prstGeom prst="rect">
+            <a:avLst/>
+          </a:prstGeom>
+          <a:noFill/>
+          <a:ln>
+            <a:noFill/>
+          </a:ln>
+        </p:spPr>
+        <p:txBody>
+          <a:bodyPr anchorCtr="0" anchor="t" bIns="91425" lIns="91425" spcFirstLastPara="1" rIns="91425" wrap="square" tIns="91425">
+            <a:spAutoFit/>
+          </a:bodyPr>
+          <a:lstStyle/>
+          <a:p>
+            <a:pPr indent="0" lvl="0" marL="0" rtl="0" algn="l">
+              <a:spcBef>
+                <a:spcPts val="0"/>
+              </a:spcBef>
+              <a:spcAft>
+                <a:spcPts val="0"/>
+              </a:spcAft>
+              <a:buNone/>
+            </a:pPr>
+            <a:r>
+              <a:rPr lang="es">
+                <a:latin typeface="Lato"/>
+                <a:ea typeface="Lato"/>
+                <a:cs typeface="Lato"/>
+                <a:sym typeface="Lato"/>
+              </a:rPr>
+              <a:t>2</a:t>
+            </a:r>
+            <a:endParaRPr>
+              <a:latin typeface="Lato"/>
+              <a:ea typeface="Lato"/>
+              <a:cs typeface="Lato"/>
+              <a:sym typeface="Lato"/>
+            </a:endParaRPr>
+          </a:p>
+        </p:txBody>
+      </p:sp>
+      <p:sp>
+        <p:nvSpPr>
+          <p:cNvPr id="197" name="Google Shape;197;p17"/>
+          <p:cNvSpPr/>
+          <p:nvPr/>
+        </p:nvSpPr>
+        <p:spPr>
+          <a:xfrm>
+            <a:off x="3700918" y="4545077"/>
+            <a:ext cx="345000" cy="345000"/>
+          </a:xfrm>
+          <a:prstGeom prst="rect">
+            <a:avLst/>
+          </a:prstGeom>
+          <a:noFill/>
+          <a:ln cap="flat" cmpd="sng" w="28575">
+            <a:solidFill>
+              <a:schemeClr val="dk2"/>
+            </a:solidFill>
+            <a:prstDash val="solid"/>
+            <a:round/>
+            <a:headEnd len="sm" w="sm" type="none"/>
+            <a:tailEnd len="sm" w="sm" type="none"/>
+          </a:ln>
+        </p:spPr>
+        <p:txBody>
+          <a:bodyPr anchorCtr="0" anchor="ctr" bIns="91425" lIns="91425" spcFirstLastPara="1" rIns="91425" wrap="square" tIns="91425">
+            <a:noAutofit/>
+          </a:bodyPr>
+          <a:lstStyle/>
+          <a:p>
+            <a:pPr indent="0" lvl="0" marL="0" rtl="0" algn="l">
+              <a:spcBef>
+                <a:spcPts val="0"/>
+              </a:spcBef>
+              <a:spcAft>
+                <a:spcPts val="0"/>
+              </a:spcAft>
+              <a:buNone/>
+            </a:pPr>
+            <a:r>
+              <a:t/>
+            </a:r>
+            <a:endParaRPr>
+              <a:highlight>
+                <a:srgbClr val="FFE599"/>
+              </a:highlight>
+            </a:endParaRPr>
+          </a:p>
+        </p:txBody>
+      </p:sp>
+      <p:sp>
+        <p:nvSpPr>
+          <p:cNvPr id="198" name="Google Shape;198;p17"/>
+          <p:cNvSpPr txBox="1"/>
+          <p:nvPr/>
+        </p:nvSpPr>
+        <p:spPr>
+          <a:xfrm>
+            <a:off x="3704018" y="4517477"/>
+            <a:ext cx="345000" cy="400200"/>
+          </a:xfrm>
+          <a:prstGeom prst="rect">
+            <a:avLst/>
+          </a:prstGeom>
+          <a:noFill/>
+          <a:ln>
+            <a:noFill/>
+          </a:ln>
+        </p:spPr>
+        <p:txBody>
+          <a:bodyPr anchorCtr="0" anchor="t" bIns="91425" lIns="91425" spcFirstLastPara="1" rIns="91425" wrap="square" tIns="91425">
+            <a:spAutoFit/>
+          </a:bodyPr>
+          <a:lstStyle/>
+          <a:p>
+            <a:pPr indent="0" lvl="0" marL="0" rtl="0" algn="l">
+              <a:spcBef>
+                <a:spcPts val="0"/>
+              </a:spcBef>
+              <a:spcAft>
+                <a:spcPts val="0"/>
+              </a:spcAft>
+              <a:buNone/>
+            </a:pPr>
+            <a:r>
+              <a:rPr lang="es">
+                <a:latin typeface="Lato"/>
+                <a:ea typeface="Lato"/>
+                <a:cs typeface="Lato"/>
+                <a:sym typeface="Lato"/>
+              </a:rPr>
+              <a:t>4</a:t>
+            </a:r>
+            <a:endParaRPr>
+              <a:latin typeface="Lato"/>
+              <a:ea typeface="Lato"/>
+              <a:cs typeface="Lato"/>
+              <a:sym typeface="Lato"/>
+            </a:endParaRPr>
+          </a:p>
+        </p:txBody>
+      </p:sp>
+      <p:sp>
+        <p:nvSpPr>
+          <p:cNvPr id="199" name="Google Shape;199;p17"/>
+          <p:cNvSpPr/>
+          <p:nvPr/>
+        </p:nvSpPr>
+        <p:spPr>
+          <a:xfrm>
+            <a:off x="4052125" y="4545077"/>
+            <a:ext cx="345000" cy="345000"/>
+          </a:xfrm>
+          <a:prstGeom prst="rect">
+            <a:avLst/>
+          </a:prstGeom>
+          <a:noFill/>
+          <a:ln cap="flat" cmpd="sng" w="28575">
+            <a:solidFill>
+              <a:schemeClr val="dk2"/>
+            </a:solidFill>
+            <a:prstDash val="solid"/>
+            <a:round/>
+            <a:headEnd len="sm" w="sm" type="none"/>
+            <a:tailEnd len="sm" w="sm" type="none"/>
+          </a:ln>
+        </p:spPr>
+        <p:txBody>
+          <a:bodyPr anchorCtr="0" anchor="ctr" bIns="91425" lIns="91425" spcFirstLastPara="1" rIns="91425" wrap="square" tIns="91425">
+            <a:noAutofit/>
+          </a:bodyPr>
+          <a:lstStyle/>
+          <a:p>
+            <a:pPr indent="0" lvl="0" marL="0" rtl="0" algn="l">
+              <a:spcBef>
+                <a:spcPts val="0"/>
+              </a:spcBef>
+              <a:spcAft>
+                <a:spcPts val="0"/>
+              </a:spcAft>
+              <a:buNone/>
+            </a:pPr>
+            <a:r>
+              <a:t/>
+            </a:r>
+            <a:endParaRPr/>
+          </a:p>
+        </p:txBody>
+      </p:sp>
+      <p:sp>
+        <p:nvSpPr>
+          <p:cNvPr id="200" name="Google Shape;200;p17"/>
+          <p:cNvSpPr txBox="1"/>
+          <p:nvPr/>
+        </p:nvSpPr>
+        <p:spPr>
+          <a:xfrm>
+            <a:off x="4052125" y="4517477"/>
+            <a:ext cx="345000" cy="400200"/>
+          </a:xfrm>
+          <a:prstGeom prst="rect">
+            <a:avLst/>
+          </a:prstGeom>
+          <a:noFill/>
+          <a:ln>
+            <a:noFill/>
+          </a:ln>
+        </p:spPr>
+        <p:txBody>
+          <a:bodyPr anchorCtr="0" anchor="t" bIns="91425" lIns="91425" spcFirstLastPara="1" rIns="91425" wrap="square" tIns="91425">
+            <a:spAutoFit/>
+          </a:bodyPr>
+          <a:lstStyle/>
+          <a:p>
+            <a:pPr indent="0" lvl="0" marL="0" rtl="0" algn="l">
+              <a:spcBef>
+                <a:spcPts val="0"/>
+              </a:spcBef>
+              <a:spcAft>
+                <a:spcPts val="0"/>
+              </a:spcAft>
+              <a:buNone/>
+            </a:pPr>
+            <a:r>
+              <a:rPr lang="es">
+                <a:latin typeface="Lato"/>
+                <a:ea typeface="Lato"/>
+                <a:cs typeface="Lato"/>
+                <a:sym typeface="Lato"/>
+              </a:rPr>
+              <a:t>5</a:t>
+            </a:r>
+            <a:endParaRPr>
+              <a:latin typeface="Lato"/>
+              <a:ea typeface="Lato"/>
+              <a:cs typeface="Lato"/>
+              <a:sym typeface="Lato"/>
+            </a:endParaRPr>
+          </a:p>
+        </p:txBody>
+      </p:sp>
+      <p:sp>
+        <p:nvSpPr>
+          <p:cNvPr id="201" name="Google Shape;201;p17"/>
+          <p:cNvSpPr/>
+          <p:nvPr/>
+        </p:nvSpPr>
+        <p:spPr>
+          <a:xfrm>
+            <a:off x="5438325" y="4545077"/>
+            <a:ext cx="345000" cy="345000"/>
+          </a:xfrm>
+          <a:prstGeom prst="rect">
+            <a:avLst/>
+          </a:prstGeom>
+          <a:noFill/>
+          <a:ln cap="flat" cmpd="sng" w="28575">
+            <a:solidFill>
+              <a:schemeClr val="dk2"/>
+            </a:solidFill>
+            <a:prstDash val="solid"/>
+            <a:round/>
+            <a:headEnd len="sm" w="sm" type="none"/>
+            <a:tailEnd len="sm" w="sm" type="none"/>
+          </a:ln>
+        </p:spPr>
+        <p:txBody>
+          <a:bodyPr anchorCtr="0" anchor="ctr" bIns="91425" lIns="91425" spcFirstLastPara="1" rIns="91425" wrap="square" tIns="91425">
+            <a:noAutofit/>
+          </a:bodyPr>
+          <a:lstStyle/>
+          <a:p>
+            <a:pPr indent="0" lvl="0" marL="0" rtl="0" algn="l">
+              <a:spcBef>
+                <a:spcPts val="0"/>
+              </a:spcBef>
+              <a:spcAft>
+                <a:spcPts val="0"/>
+              </a:spcAft>
+              <a:buNone/>
+            </a:pPr>
+            <a:r>
+              <a:t/>
+            </a:r>
+            <a:endParaRPr/>
+          </a:p>
+        </p:txBody>
+      </p:sp>
+      <p:sp>
+        <p:nvSpPr>
+          <p:cNvPr id="202" name="Google Shape;202;p17"/>
+          <p:cNvSpPr txBox="1"/>
+          <p:nvPr/>
+        </p:nvSpPr>
+        <p:spPr>
+          <a:xfrm>
+            <a:off x="5438325" y="4517477"/>
+            <a:ext cx="345000" cy="400200"/>
+          </a:xfrm>
+          <a:prstGeom prst="rect">
+            <a:avLst/>
+          </a:prstGeom>
+          <a:noFill/>
+          <a:ln>
+            <a:noFill/>
+          </a:ln>
+        </p:spPr>
+        <p:txBody>
+          <a:bodyPr anchorCtr="0" anchor="t" bIns="91425" lIns="91425" spcFirstLastPara="1" rIns="91425" wrap="square" tIns="91425">
+            <a:spAutoFit/>
+          </a:bodyPr>
+          <a:lstStyle/>
+          <a:p>
+            <a:pPr indent="0" lvl="0" marL="0" rtl="0" algn="l">
+              <a:spcBef>
+                <a:spcPts val="0"/>
+              </a:spcBef>
+              <a:spcAft>
+                <a:spcPts val="0"/>
+              </a:spcAft>
+              <a:buNone/>
+            </a:pPr>
+            <a:r>
+              <a:rPr lang="es">
+                <a:latin typeface="Lato"/>
+                <a:ea typeface="Lato"/>
+                <a:cs typeface="Lato"/>
+                <a:sym typeface="Lato"/>
+              </a:rPr>
+              <a:t>9</a:t>
+            </a:r>
+            <a:endParaRPr>
+              <a:latin typeface="Lato"/>
+              <a:ea typeface="Lato"/>
+              <a:cs typeface="Lato"/>
+              <a:sym typeface="Lato"/>
+            </a:endParaRPr>
+          </a:p>
+        </p:txBody>
+      </p:sp>
+      <p:sp>
+        <p:nvSpPr>
+          <p:cNvPr id="203" name="Google Shape;203;p17"/>
+          <p:cNvSpPr/>
+          <p:nvPr/>
+        </p:nvSpPr>
+        <p:spPr>
+          <a:xfrm>
+            <a:off x="5090225" y="4545057"/>
+            <a:ext cx="345000" cy="345000"/>
+          </a:xfrm>
+          <a:prstGeom prst="rect">
+            <a:avLst/>
+          </a:prstGeom>
+          <a:noFill/>
+          <a:ln cap="flat" cmpd="sng" w="28575">
+            <a:solidFill>
+              <a:schemeClr val="dk2"/>
+            </a:solidFill>
+            <a:prstDash val="solid"/>
+            <a:round/>
+            <a:headEnd len="sm" w="sm" type="none"/>
+            <a:tailEnd len="sm" w="sm" type="none"/>
+          </a:ln>
+        </p:spPr>
+        <p:txBody>
+          <a:bodyPr anchorCtr="0" anchor="ctr" bIns="91425" lIns="91425" spcFirstLastPara="1" rIns="91425" wrap="square" tIns="91425">
+            <a:noAutofit/>
+          </a:bodyPr>
+          <a:lstStyle/>
+          <a:p>
+            <a:pPr indent="0" lvl="0" marL="0" rtl="0" algn="l">
+              <a:spcBef>
+                <a:spcPts val="0"/>
+              </a:spcBef>
+              <a:spcAft>
+                <a:spcPts val="0"/>
+              </a:spcAft>
+              <a:buNone/>
+            </a:pPr>
+            <a:r>
+              <a:t/>
+            </a:r>
+            <a:endParaRPr/>
+          </a:p>
+        </p:txBody>
+      </p:sp>
+      <p:sp>
+        <p:nvSpPr>
+          <p:cNvPr id="204" name="Google Shape;204;p17"/>
+          <p:cNvSpPr txBox="1"/>
+          <p:nvPr/>
+        </p:nvSpPr>
+        <p:spPr>
+          <a:xfrm>
+            <a:off x="5090225" y="4517457"/>
+            <a:ext cx="345000" cy="400200"/>
+          </a:xfrm>
+          <a:prstGeom prst="rect">
+            <a:avLst/>
+          </a:prstGeom>
+          <a:noFill/>
+          <a:ln>
+            <a:noFill/>
+          </a:ln>
+        </p:spPr>
+        <p:txBody>
+          <a:bodyPr anchorCtr="0" anchor="t" bIns="91425" lIns="91425" spcFirstLastPara="1" rIns="91425" wrap="square" tIns="91425">
+            <a:spAutoFit/>
+          </a:bodyPr>
+          <a:lstStyle/>
+          <a:p>
+            <a:pPr indent="0" lvl="0" marL="0" rtl="0" algn="l">
+              <a:spcBef>
+                <a:spcPts val="0"/>
+              </a:spcBef>
+              <a:spcAft>
+                <a:spcPts val="0"/>
+              </a:spcAft>
+              <a:buNone/>
+            </a:pPr>
+            <a:r>
+              <a:rPr lang="es">
+                <a:latin typeface="Lato"/>
+                <a:ea typeface="Lato"/>
+                <a:cs typeface="Lato"/>
+                <a:sym typeface="Lato"/>
+              </a:rPr>
+              <a:t>8</a:t>
+            </a:r>
+            <a:endParaRPr>
+              <a:latin typeface="Lato"/>
+              <a:ea typeface="Lato"/>
+              <a:cs typeface="Lato"/>
+              <a:sym typeface="Lato"/>
+            </a:endParaRPr>
+          </a:p>
+        </p:txBody>
+      </p:sp>
+      <p:sp>
+        <p:nvSpPr>
+          <p:cNvPr id="205" name="Google Shape;205;p17"/>
+          <p:cNvSpPr/>
+          <p:nvPr/>
+        </p:nvSpPr>
+        <p:spPr>
+          <a:xfrm>
+            <a:off x="4397120" y="4545077"/>
+            <a:ext cx="345000" cy="345000"/>
+          </a:xfrm>
+          <a:prstGeom prst="rect">
+            <a:avLst/>
+          </a:prstGeom>
+          <a:noFill/>
+          <a:ln cap="flat" cmpd="sng" w="28575">
+            <a:solidFill>
+              <a:schemeClr val="dk2"/>
+            </a:solidFill>
+            <a:prstDash val="solid"/>
+            <a:round/>
+            <a:headEnd len="sm" w="sm" type="none"/>
+            <a:tailEnd len="sm" w="sm" type="none"/>
+          </a:ln>
+        </p:spPr>
+        <p:txBody>
+          <a:bodyPr anchorCtr="0" anchor="ctr" bIns="91425" lIns="91425" spcFirstLastPara="1" rIns="91425" wrap="square" tIns="91425">
+            <a:noAutofit/>
+          </a:bodyPr>
+          <a:lstStyle/>
+          <a:p>
+            <a:pPr indent="0" lvl="0" marL="0" rtl="0" algn="l">
+              <a:spcBef>
+                <a:spcPts val="0"/>
+              </a:spcBef>
+              <a:spcAft>
+                <a:spcPts val="0"/>
+              </a:spcAft>
+              <a:buNone/>
+            </a:pPr>
+            <a:r>
+              <a:t/>
+            </a:r>
+            <a:endParaRPr/>
+          </a:p>
+        </p:txBody>
+      </p:sp>
+      <p:sp>
+        <p:nvSpPr>
+          <p:cNvPr id="206" name="Google Shape;206;p17"/>
+          <p:cNvSpPr txBox="1"/>
+          <p:nvPr/>
+        </p:nvSpPr>
+        <p:spPr>
+          <a:xfrm>
+            <a:off x="4397120" y="4517477"/>
+            <a:ext cx="345000" cy="400200"/>
+          </a:xfrm>
+          <a:prstGeom prst="rect">
+            <a:avLst/>
+          </a:prstGeom>
+          <a:noFill/>
+          <a:ln>
+            <a:noFill/>
+          </a:ln>
+        </p:spPr>
+        <p:txBody>
+          <a:bodyPr anchorCtr="0" anchor="t" bIns="91425" lIns="91425" spcFirstLastPara="1" rIns="91425" wrap="square" tIns="91425">
+            <a:spAutoFit/>
+          </a:bodyPr>
+          <a:lstStyle/>
+          <a:p>
+            <a:pPr indent="0" lvl="0" marL="0" rtl="0" algn="l">
+              <a:spcBef>
+                <a:spcPts val="0"/>
+              </a:spcBef>
+              <a:spcAft>
+                <a:spcPts val="0"/>
+              </a:spcAft>
+              <a:buNone/>
+            </a:pPr>
+            <a:r>
+              <a:rPr lang="es">
+                <a:latin typeface="Lato"/>
+                <a:ea typeface="Lato"/>
+                <a:cs typeface="Lato"/>
+                <a:sym typeface="Lato"/>
+              </a:rPr>
+              <a:t>6</a:t>
+            </a:r>
+            <a:endParaRPr>
+              <a:latin typeface="Lato"/>
+              <a:ea typeface="Lato"/>
+              <a:cs typeface="Lato"/>
+              <a:sym typeface="Lato"/>
+            </a:endParaRPr>
+          </a:p>
+        </p:txBody>
+      </p:sp>
+      <p:sp>
+        <p:nvSpPr>
+          <p:cNvPr id="207" name="Google Shape;207;p17"/>
+          <p:cNvSpPr/>
+          <p:nvPr/>
+        </p:nvSpPr>
+        <p:spPr>
+          <a:xfrm>
+            <a:off x="4742120" y="4545077"/>
+            <a:ext cx="345000" cy="345000"/>
+          </a:xfrm>
+          <a:prstGeom prst="rect">
+            <a:avLst/>
+          </a:prstGeom>
+          <a:noFill/>
+          <a:ln cap="flat" cmpd="sng" w="28575">
+            <a:solidFill>
+              <a:schemeClr val="dk2"/>
+            </a:solidFill>
+            <a:prstDash val="solid"/>
+            <a:round/>
+            <a:headEnd len="sm" w="sm" type="none"/>
+            <a:tailEnd len="sm" w="sm" type="none"/>
+          </a:ln>
+        </p:spPr>
+        <p:txBody>
+          <a:bodyPr anchorCtr="0" anchor="ctr" bIns="91425" lIns="91425" spcFirstLastPara="1" rIns="91425" wrap="square" tIns="91425">
+            <a:noAutofit/>
+          </a:bodyPr>
+          <a:lstStyle/>
+          <a:p>
+            <a:pPr indent="0" lvl="0" marL="0" rtl="0" algn="l">
+              <a:spcBef>
+                <a:spcPts val="0"/>
+              </a:spcBef>
+              <a:spcAft>
+                <a:spcPts val="0"/>
+              </a:spcAft>
+              <a:buNone/>
+            </a:pPr>
+            <a:r>
+              <a:t/>
+            </a:r>
+            <a:endParaRPr/>
+          </a:p>
+        </p:txBody>
+      </p:sp>
+      <p:sp>
+        <p:nvSpPr>
+          <p:cNvPr id="208" name="Google Shape;208;p17"/>
+          <p:cNvSpPr txBox="1"/>
+          <p:nvPr/>
+        </p:nvSpPr>
+        <p:spPr>
+          <a:xfrm>
+            <a:off x="4742120" y="4517477"/>
             <a:ext cx="345000" cy="400200"/>
           </a:xfrm>
           <a:prstGeom prst="rect">
@@ -18110,7 +20101,7 @@
   <p:cSld>
     <p:spTree>
       <p:nvGrpSpPr>
-        <p:cNvPr id="198" name="Shape 198"/>
+        <p:cNvPr id="212" name="Shape 212"/>
         <p:cNvGrpSpPr/>
         <p:nvPr/>
       </p:nvGrpSpPr>
@@ -18124,7 +20115,7 @@
       </p:grpSpPr>
       <p:pic>
         <p:nvPicPr>
-          <p:cNvPr id="199" name="Google Shape;199;p18"/>
+          <p:cNvPr id="213" name="Google Shape;213;p18"/>
           <p:cNvPicPr preferRelativeResize="0"/>
           <p:nvPr/>
         </p:nvPicPr>
@@ -18163,7 +20154,7 @@
   <p:cSld>
     <p:spTree>
       <p:nvGrpSpPr>
-        <p:cNvPr id="203" name="Shape 203"/>
+        <p:cNvPr id="217" name="Shape 217"/>
         <p:cNvGrpSpPr/>
         <p:nvPr/>
       </p:nvGrpSpPr>
@@ -18177,7 +20168,7 @@
       </p:grpSpPr>
       <p:sp>
         <p:nvSpPr>
-          <p:cNvPr id="204" name="Google Shape;204;p19"/>
+          <p:cNvPr id="218" name="Google Shape;218;p19"/>
           <p:cNvSpPr txBox="1"/>
           <p:nvPr>
             <p:ph type="title"/>
@@ -18185,16 +20176,16 @@
         </p:nvSpPr>
         <p:spPr>
           <a:xfrm>
-            <a:off x="1830975" y="2153950"/>
-            <a:ext cx="6321600" cy="635400"/>
+            <a:off x="406425" y="1806825"/>
+            <a:ext cx="8296800" cy="1542000"/>
           </a:xfrm>
           <a:prstGeom prst="rect">
             <a:avLst/>
           </a:prstGeom>
         </p:spPr>
         <p:txBody>
-          <a:bodyPr anchorCtr="0" anchor="t" bIns="91425" lIns="91425" spcFirstLastPara="1" rIns="91425" wrap="square" tIns="91425">
-            <a:normAutofit fontScale="90000"/>
+          <a:bodyPr anchorCtr="0" anchor="ctr" bIns="91425" lIns="91425" spcFirstLastPara="1" rIns="91425" wrap="square" tIns="91425">
+            <a:normAutofit/>
           </a:bodyPr>
           <a:lstStyle/>
           <a:p>
@@ -18208,42 +20199,10 @@
               <a:buNone/>
             </a:pPr>
             <a:r>
-              <a:rPr lang="es">
-                <a:solidFill>
-                  <a:schemeClr val="dk1"/>
-                </a:solidFill>
-              </a:rPr>
-              <a:t>Implementación del algoritmo</a:t>
-            </a:r>
-            <a:endParaRPr>
-              <a:solidFill>
-                <a:schemeClr val="dk1"/>
-              </a:solidFill>
-            </a:endParaRPr>
-          </a:p>
-          <a:p>
-            <a:pPr indent="0" lvl="0" marL="0" rtl="0" algn="ctr">
-              <a:spcBef>
-                <a:spcPts val="0"/>
-              </a:spcBef>
-              <a:spcAft>
-                <a:spcPts val="0"/>
-              </a:spcAft>
-              <a:buNone/>
-            </a:pPr>
-            <a:r>
-              <a:rPr lang="es">
-                <a:solidFill>
-                  <a:schemeClr val="dk1"/>
-                </a:solidFill>
-              </a:rPr>
-              <a:t>(archivo adjunto)</a:t>
-            </a:r>
-            <a:endParaRPr>
-              <a:solidFill>
-                <a:schemeClr val="dk1"/>
-              </a:solidFill>
-            </a:endParaRPr>
+              <a:rPr lang="es"/>
+              <a:t>Selection Sort</a:t>
+            </a:r>
+            <a:endParaRPr/>
           </a:p>
         </p:txBody>
       </p:sp>
@@ -18260,7 +20219,7 @@
   <p:cSld>
     <p:spTree>
       <p:nvGrpSpPr>
-        <p:cNvPr id="208" name="Shape 208"/>
+        <p:cNvPr id="222" name="Shape 222"/>
         <p:cNvGrpSpPr/>
         <p:nvPr/>
       </p:nvGrpSpPr>
@@ -18274,7 +20233,7 @@
       </p:grpSpPr>
       <p:sp>
         <p:nvSpPr>
-          <p:cNvPr id="209" name="Google Shape;209;p20"/>
+          <p:cNvPr id="223" name="Google Shape;223;p20"/>
           <p:cNvSpPr txBox="1"/>
           <p:nvPr>
             <p:ph type="title"/>
@@ -18282,36 +20241,267 @@
         </p:nvSpPr>
         <p:spPr>
           <a:xfrm>
-            <a:off x="406425" y="1806825"/>
-            <a:ext cx="8296800" cy="1542000"/>
+            <a:off x="303300" y="411575"/>
+            <a:ext cx="8520600" cy="639600"/>
           </a:xfrm>
           <a:prstGeom prst="rect">
             <a:avLst/>
           </a:prstGeom>
         </p:spPr>
         <p:txBody>
-          <a:bodyPr anchorCtr="0" anchor="ctr" bIns="91425" lIns="91425" spcFirstLastPara="1" rIns="91425" wrap="square" tIns="91425">
+          <a:bodyPr anchorCtr="0" anchor="t" bIns="91425" lIns="91425" spcFirstLastPara="1" rIns="91425" wrap="square" tIns="91425">
+            <a:normAutofit fontScale="90000"/>
+          </a:bodyPr>
+          <a:lstStyle/>
+          <a:p>
+            <a:pPr indent="0" lvl="0" marL="0" rtl="0" algn="l">
+              <a:spcBef>
+                <a:spcPts val="0"/>
+              </a:spcBef>
+              <a:spcAft>
+                <a:spcPts val="0"/>
+              </a:spcAft>
+              <a:buClr>
+                <a:schemeClr val="dk2"/>
+              </a:buClr>
+              <a:buSzPct val="36666"/>
+              <a:buFont typeface="Arial"/>
+              <a:buNone/>
+            </a:pPr>
+            <a:r>
+              <a:rPr lang="es"/>
+              <a:t>Selection Sort</a:t>
+            </a:r>
+            <a:endParaRPr/>
+          </a:p>
+          <a:p>
+            <a:pPr indent="0" lvl="0" marL="0" rtl="0" algn="l">
+              <a:spcBef>
+                <a:spcPts val="0"/>
+              </a:spcBef>
+              <a:spcAft>
+                <a:spcPts val="0"/>
+              </a:spcAft>
+              <a:buClr>
+                <a:schemeClr val="dk2"/>
+              </a:buClr>
+              <a:buSzPct val="36666"/>
+              <a:buFont typeface="Arial"/>
+              <a:buNone/>
+            </a:pPr>
+            <a:r>
+              <a:t/>
+            </a:r>
+            <a:endParaRPr/>
+          </a:p>
+          <a:p>
+            <a:pPr indent="0" lvl="0" marL="0" rtl="0" algn="l">
+              <a:spcBef>
+                <a:spcPts val="0"/>
+              </a:spcBef>
+              <a:spcAft>
+                <a:spcPts val="0"/>
+              </a:spcAft>
+              <a:buNone/>
+            </a:pPr>
+            <a:r>
+              <a:t/>
+            </a:r>
+            <a:endParaRPr/>
+          </a:p>
+        </p:txBody>
+      </p:sp>
+      <p:sp>
+        <p:nvSpPr>
+          <p:cNvPr id="224" name="Google Shape;224;p20"/>
+          <p:cNvSpPr txBox="1"/>
+          <p:nvPr>
+            <p:ph idx="4294967295" type="body"/>
+          </p:nvPr>
+        </p:nvSpPr>
+        <p:spPr>
+          <a:xfrm>
+            <a:off x="263346" y="1070550"/>
+            <a:ext cx="8121900" cy="3002400"/>
+          </a:xfrm>
+          <a:prstGeom prst="rect">
+            <a:avLst/>
+          </a:prstGeom>
+        </p:spPr>
+        <p:txBody>
+          <a:bodyPr anchorCtr="0" anchor="t" bIns="91425" lIns="91425" spcFirstLastPara="1" rIns="91425" wrap="square" tIns="91425">
             <a:normAutofit/>
           </a:bodyPr>
           <a:lstStyle/>
           <a:p>
-            <a:pPr indent="0" lvl="0" marL="0" rtl="0" algn="l">
-              <a:spcBef>
-                <a:spcPts val="0"/>
-              </a:spcBef>
-              <a:spcAft>
-                <a:spcPts val="0"/>
-              </a:spcAft>
-              <a:buNone/>
+            <a:pPr indent="-317500" lvl="0" marL="457200" rtl="0" algn="l">
+              <a:lnSpc>
+                <a:spcPct val="100000"/>
+              </a:lnSpc>
+              <a:spcBef>
+                <a:spcPts val="0"/>
+              </a:spcBef>
+              <a:spcAft>
+                <a:spcPts val="0"/>
+              </a:spcAft>
+              <a:buSzPts val="1400"/>
+              <a:buFont typeface="Roboto"/>
+              <a:buChar char="●"/>
             </a:pPr>
             <a:r>
-              <a:rPr lang="es"/>
-              <a:t>Selection Sort</a:t>
+              <a:rPr lang="es" sz="1400">
+                <a:latin typeface="Roboto"/>
+                <a:ea typeface="Roboto"/>
+                <a:cs typeface="Roboto"/>
+                <a:sym typeface="Roboto"/>
+              </a:rPr>
+              <a:t>Se recorre el arreglo hasta encontrar</a:t>
+            </a:r>
+            <a:r>
+              <a:rPr lang="es" sz="1400">
+                <a:latin typeface="Roboto"/>
+                <a:ea typeface="Roboto"/>
+                <a:cs typeface="Roboto"/>
+                <a:sym typeface="Roboto"/>
+              </a:rPr>
+              <a:t> </a:t>
+            </a:r>
+            <a:r>
+              <a:rPr lang="es" sz="1400">
+                <a:latin typeface="Roboto"/>
+                <a:ea typeface="Roboto"/>
+                <a:cs typeface="Roboto"/>
+                <a:sym typeface="Roboto"/>
+              </a:rPr>
+              <a:t>el valor mínimo o </a:t>
+            </a:r>
+            <a:r>
+              <a:rPr lang="es" sz="1400">
+                <a:latin typeface="Roboto"/>
+                <a:ea typeface="Roboto"/>
+                <a:cs typeface="Roboto"/>
+                <a:sym typeface="Roboto"/>
+              </a:rPr>
+              <a:t>más</a:t>
+            </a:r>
+            <a:r>
+              <a:rPr lang="es" sz="1400">
+                <a:latin typeface="Roboto"/>
+                <a:ea typeface="Roboto"/>
+                <a:cs typeface="Roboto"/>
+                <a:sym typeface="Roboto"/>
+              </a:rPr>
+              <a:t> pequeño. Una vez recorrido todo, se reemplaza el valor mínimo encontrado en </a:t>
+            </a:r>
+            <a:r>
+              <a:rPr b="1" lang="es" sz="1400">
+                <a:latin typeface="Roboto"/>
+                <a:ea typeface="Roboto"/>
+                <a:cs typeface="Roboto"/>
+                <a:sym typeface="Roboto"/>
+              </a:rPr>
+              <a:t>el primer valor</a:t>
+            </a:r>
+            <a:r>
+              <a:rPr lang="es" sz="1400">
+                <a:latin typeface="Roboto"/>
+                <a:ea typeface="Roboto"/>
+                <a:cs typeface="Roboto"/>
+                <a:sym typeface="Roboto"/>
+              </a:rPr>
+              <a:t> del arreglo.</a:t>
+            </a:r>
+            <a:endParaRPr sz="1400">
+              <a:latin typeface="Roboto"/>
+              <a:ea typeface="Roboto"/>
+              <a:cs typeface="Roboto"/>
+              <a:sym typeface="Roboto"/>
+            </a:endParaRPr>
+          </a:p>
+          <a:p>
+            <a:pPr indent="-317500" lvl="0" marL="457200" rtl="0" algn="l">
+              <a:lnSpc>
+                <a:spcPct val="100000"/>
+              </a:lnSpc>
+              <a:spcBef>
+                <a:spcPts val="0"/>
+              </a:spcBef>
+              <a:spcAft>
+                <a:spcPts val="0"/>
+              </a:spcAft>
+              <a:buSzPts val="1400"/>
+              <a:buFont typeface="Roboto"/>
+              <a:buChar char="●"/>
+            </a:pPr>
+            <a:r>
+              <a:rPr lang="es" sz="1400">
+                <a:latin typeface="Roboto"/>
+                <a:ea typeface="Roboto"/>
+                <a:cs typeface="Roboto"/>
+                <a:sym typeface="Roboto"/>
+              </a:rPr>
+              <a:t>Esto se repite iterando con los números que quedan hasta  que todos los números hayan sido visitados</a:t>
             </a:r>
             <a:endParaRPr/>
           </a:p>
         </p:txBody>
       </p:sp>
+      <p:pic>
+        <p:nvPicPr>
+          <p:cNvPr id="225" name="Google Shape;225;p20"/>
+          <p:cNvPicPr preferRelativeResize="0"/>
+          <p:nvPr/>
+        </p:nvPicPr>
+        <p:blipFill>
+          <a:blip r:embed="rId3">
+            <a:alphaModFix/>
+          </a:blip>
+          <a:stretch>
+            <a:fillRect/>
+          </a:stretch>
+        </p:blipFill>
+        <p:spPr>
+          <a:xfrm>
+            <a:off x="1198827" y="2192037"/>
+            <a:ext cx="2192100" cy="2674175"/>
+          </a:xfrm>
+          <a:prstGeom prst="rect">
+            <a:avLst/>
+          </a:prstGeom>
+          <a:noFill/>
+          <a:ln>
+            <a:noFill/>
+          </a:ln>
+        </p:spPr>
+      </p:pic>
+      <p:pic>
+        <p:nvPicPr>
+          <p:cNvPr id="226" name="Google Shape;226;p20"/>
+          <p:cNvPicPr preferRelativeResize="0"/>
+          <p:nvPr/>
+        </p:nvPicPr>
+        <p:blipFill>
+          <a:blip r:embed="rId4">
+            <a:alphaModFix/>
+          </a:blip>
+          <a:stretch>
+            <a:fillRect/>
+          </a:stretch>
+        </p:blipFill>
+        <p:spPr>
+          <a:xfrm>
+            <a:off x="3825375" y="2223662"/>
+            <a:ext cx="4420050" cy="2610900"/>
+          </a:xfrm>
+          <a:prstGeom prst="rect">
+            <a:avLst/>
+          </a:prstGeom>
+          <a:noFill/>
+          <a:ln>
+            <a:noFill/>
+          </a:ln>
+        </p:spPr>
+      </p:pic>
     </p:spTree>
   </p:cSld>
   <p:clrMapOvr>
@@ -18325,7 +20515,7 @@
   <p:cSld>
     <p:spTree>
       <p:nvGrpSpPr>
-        <p:cNvPr id="213" name="Shape 213"/>
+        <p:cNvPr id="230" name="Shape 230"/>
         <p:cNvGrpSpPr/>
         <p:nvPr/>
       </p:nvGrpSpPr>
@@ -18339,7 +20529,7 @@
       </p:grpSpPr>
       <p:sp>
         <p:nvSpPr>
-          <p:cNvPr id="214" name="Google Shape;214;p21"/>
+          <p:cNvPr id="231" name="Google Shape;231;p21"/>
           <p:cNvSpPr txBox="1"/>
           <p:nvPr>
             <p:ph type="title"/>
@@ -18347,8 +20537,8 @@
         </p:nvSpPr>
         <p:spPr>
           <a:xfrm>
-            <a:off x="303300" y="411575"/>
-            <a:ext cx="8520600" cy="639600"/>
+            <a:off x="303300" y="1249775"/>
+            <a:ext cx="4268700" cy="639600"/>
           </a:xfrm>
           <a:prstGeom prst="rect">
             <a:avLst/>
@@ -18360,58 +20550,18 @@
           </a:bodyPr>
           <a:lstStyle/>
           <a:p>
-            <a:pPr indent="0" lvl="0" marL="0" rtl="0" algn="l">
-              <a:spcBef>
-                <a:spcPts val="0"/>
-              </a:spcBef>
-              <a:spcAft>
-                <a:spcPts val="0"/>
-              </a:spcAft>
-              <a:buClr>
-                <a:schemeClr val="dk2"/>
-              </a:buClr>
-              <a:buSzPct val="36666"/>
-              <a:buFont typeface="Arial"/>
+            <a:pPr indent="0" lvl="0" marL="0" rtl="0" algn="ctr">
+              <a:spcBef>
+                <a:spcPts val="0"/>
+              </a:spcBef>
+              <a:spcAft>
+                <a:spcPts val="0"/>
+              </a:spcAft>
               <a:buNone/>
             </a:pPr>
             <a:r>
               <a:rPr lang="es"/>
-              <a:t>Selection Sort</a:t>
-            </a:r>
-            <a:endParaRPr/>
-          </a:p>
-          <a:p>
-            <a:pPr indent="0" lvl="0" marL="0" rtl="0" algn="l">
-              <a:spcBef>
-                <a:spcPts val="0"/>
-              </a:spcBef>
-              <a:spcAft>
-                <a:spcPts val="0"/>
-              </a:spcAft>
-              <a:buClr>
-                <a:schemeClr val="dk2"/>
-              </a:buClr>
-              <a:buSzPct val="36666"/>
-              <a:buFont typeface="Arial"/>
-              <a:buNone/>
-            </a:pPr>
-            <a:r>
-              <a:t/>
-            </a:r>
-            <a:endParaRPr/>
-          </a:p>
-          <a:p>
-            <a:pPr indent="0" lvl="0" marL="0" rtl="0" algn="l">
-              <a:spcBef>
-                <a:spcPts val="0"/>
-              </a:spcBef>
-              <a:spcAft>
-                <a:spcPts val="0"/>
-              </a:spcAft>
-              <a:buNone/>
-            </a:pPr>
-            <a:r>
-              <a:t/>
+              <a:t>Pros</a:t>
             </a:r>
             <a:endParaRPr/>
           </a:p>
@@ -18419,7 +20569,7 @@
       </p:sp>
       <p:sp>
         <p:nvSpPr>
-          <p:cNvPr id="215" name="Google Shape;215;p21"/>
+          <p:cNvPr id="232" name="Google Shape;232;p21"/>
           <p:cNvSpPr txBox="1"/>
           <p:nvPr>
             <p:ph idx="4294967295" type="body"/>
@@ -18427,8 +20577,8 @@
         </p:nvSpPr>
         <p:spPr>
           <a:xfrm>
-            <a:off x="263346" y="1070550"/>
-            <a:ext cx="8121900" cy="3002400"/>
+            <a:off x="303300" y="1763700"/>
+            <a:ext cx="4437000" cy="3002400"/>
           </a:xfrm>
           <a:prstGeom prst="rect">
             <a:avLst/>
@@ -18440,174 +20590,188 @@
           </a:bodyPr>
           <a:lstStyle/>
           <a:p>
-            <a:pPr indent="-317500" lvl="0" marL="457200" rtl="0" algn="l">
-              <a:lnSpc>
-                <a:spcPct val="100000"/>
-              </a:lnSpc>
-              <a:spcBef>
-                <a:spcPts val="0"/>
-              </a:spcBef>
-              <a:spcAft>
-                <a:spcPts val="0"/>
-              </a:spcAft>
-              <a:buSzPts val="1400"/>
-              <a:buFont typeface="Roboto"/>
+            <a:pPr indent="-342900" lvl="0" marL="457200" rtl="0" algn="l">
+              <a:spcBef>
+                <a:spcPts val="0"/>
+              </a:spcBef>
+              <a:spcAft>
+                <a:spcPts val="0"/>
+              </a:spcAft>
+              <a:buSzPts val="1800"/>
               <a:buChar char="●"/>
             </a:pPr>
             <a:r>
-              <a:rPr lang="es" sz="1400">
-                <a:latin typeface="Roboto"/>
-                <a:ea typeface="Roboto"/>
-                <a:cs typeface="Roboto"/>
-                <a:sym typeface="Roboto"/>
-              </a:rPr>
-              <a:t>Se recorre el arreglo hasta encontrar </a:t>
-            </a:r>
-            <a:r>
-              <a:rPr lang="es" sz="1400">
-                <a:latin typeface="Roboto"/>
-                <a:ea typeface="Roboto"/>
-                <a:cs typeface="Roboto"/>
-                <a:sym typeface="Roboto"/>
-              </a:rPr>
-              <a:t>búsqueda </a:t>
-            </a:r>
-            <a:r>
-              <a:rPr lang="es" sz="1400">
-                <a:latin typeface="Roboto"/>
-                <a:ea typeface="Roboto"/>
-                <a:cs typeface="Roboto"/>
-                <a:sym typeface="Roboto"/>
-              </a:rPr>
-              <a:t>el valor mínimo o </a:t>
-            </a:r>
-            <a:r>
-              <a:rPr lang="es" sz="1400">
-                <a:latin typeface="Roboto"/>
-                <a:ea typeface="Roboto"/>
-                <a:cs typeface="Roboto"/>
-                <a:sym typeface="Roboto"/>
-              </a:rPr>
-              <a:t>más</a:t>
-            </a:r>
-            <a:r>
-              <a:rPr lang="es" sz="1400">
-                <a:latin typeface="Roboto"/>
-                <a:ea typeface="Roboto"/>
-                <a:cs typeface="Roboto"/>
-                <a:sym typeface="Roboto"/>
-              </a:rPr>
-              <a:t> pequeño. Una vez recorrido todo, se reemplaza el valor mínimo encontrado en </a:t>
-            </a:r>
-            <a:r>
-              <a:rPr b="1" lang="es" sz="1400">
-                <a:latin typeface="Roboto"/>
-                <a:ea typeface="Roboto"/>
-                <a:cs typeface="Roboto"/>
-                <a:sym typeface="Roboto"/>
-              </a:rPr>
-              <a:t>el primer valor</a:t>
-            </a:r>
-            <a:r>
-              <a:rPr lang="es" sz="1400">
-                <a:latin typeface="Roboto"/>
-                <a:ea typeface="Roboto"/>
-                <a:cs typeface="Roboto"/>
-                <a:sym typeface="Roboto"/>
-              </a:rPr>
-              <a:t> del arreglo.</a:t>
-            </a:r>
-            <a:endParaRPr sz="1400">
-              <a:latin typeface="Roboto"/>
-              <a:ea typeface="Roboto"/>
-              <a:cs typeface="Roboto"/>
-              <a:sym typeface="Roboto"/>
-            </a:endParaRPr>
+              <a:rPr lang="es"/>
+              <a:t>Es fácil de implementar.</a:t>
+            </a:r>
+            <a:endParaRPr/>
           </a:p>
           <a:p>
-            <a:pPr indent="-317500" lvl="0" marL="457200" rtl="0" algn="l">
-              <a:lnSpc>
-                <a:spcPct val="100000"/>
-              </a:lnSpc>
-              <a:spcBef>
-                <a:spcPts val="0"/>
-              </a:spcBef>
-              <a:spcAft>
-                <a:spcPts val="0"/>
-              </a:spcAft>
-              <a:buSzPts val="1400"/>
-              <a:buFont typeface="Roboto"/>
+            <a:pPr indent="-342900" lvl="0" marL="457200" rtl="0" algn="l">
+              <a:spcBef>
+                <a:spcPts val="0"/>
+              </a:spcBef>
+              <a:spcAft>
+                <a:spcPts val="0"/>
+              </a:spcAft>
+              <a:buSzPts val="1800"/>
               <a:buChar char="●"/>
             </a:pPr>
             <a:r>
-              <a:rPr lang="es" sz="1400">
-                <a:latin typeface="Roboto"/>
-                <a:ea typeface="Roboto"/>
-                <a:cs typeface="Roboto"/>
-                <a:sym typeface="Roboto"/>
-              </a:rPr>
-              <a:t>Esto se repite iterando con los números que quedan hasta  que todos los números hayan sido visitados</a:t>
+              <a:rPr lang="es"/>
+              <a:t>No necesita memoria adicional.</a:t>
+            </a:r>
+            <a:endParaRPr/>
+          </a:p>
+          <a:p>
+            <a:pPr indent="-342900" lvl="0" marL="457200" rtl="0" algn="l">
+              <a:spcBef>
+                <a:spcPts val="0"/>
+              </a:spcBef>
+              <a:spcAft>
+                <a:spcPts val="0"/>
+              </a:spcAft>
+              <a:buSzPts val="1800"/>
+              <a:buChar char="●"/>
+            </a:pPr>
+            <a:r>
+              <a:rPr lang="es"/>
+              <a:t>Realiza pocos intercambios.</a:t>
+            </a:r>
+            <a:endParaRPr/>
+          </a:p>
+          <a:p>
+            <a:pPr indent="-342900" lvl="0" marL="457200" rtl="0" algn="l">
+              <a:spcBef>
+                <a:spcPts val="0"/>
+              </a:spcBef>
+              <a:spcAft>
+                <a:spcPts val="0"/>
+              </a:spcAft>
+              <a:buSzPts val="1800"/>
+              <a:buChar char="●"/>
+            </a:pPr>
+            <a:r>
+              <a:rPr lang="es"/>
+              <a:t>Rendimiento constante.</a:t>
+            </a:r>
+            <a:endParaRPr/>
+          </a:p>
+          <a:p>
+            <a:pPr indent="0" lvl="0" marL="0" rtl="0" algn="l">
+              <a:spcBef>
+                <a:spcPts val="1200"/>
+              </a:spcBef>
+              <a:spcAft>
+                <a:spcPts val="1200"/>
+              </a:spcAft>
+              <a:buNone/>
+            </a:pPr>
+            <a:r>
+              <a:t/>
             </a:r>
             <a:endParaRPr/>
           </a:p>
         </p:txBody>
       </p:sp>
-      <p:pic>
-        <p:nvPicPr>
-          <p:cNvPr id="216" name="Google Shape;216;p21"/>
-          <p:cNvPicPr preferRelativeResize="0"/>
-          <p:nvPr/>
-        </p:nvPicPr>
-        <p:blipFill>
-          <a:blip r:embed="rId3">
-            <a:alphaModFix/>
-          </a:blip>
-          <a:stretch>
-            <a:fillRect/>
-          </a:stretch>
-        </p:blipFill>
-        <p:spPr>
-          <a:xfrm>
-            <a:off x="1198827" y="2192037"/>
-            <a:ext cx="2192100" cy="2674175"/>
+      <p:sp>
+        <p:nvSpPr>
+          <p:cNvPr id="233" name="Google Shape;233;p21"/>
+          <p:cNvSpPr txBox="1"/>
+          <p:nvPr>
+            <p:ph type="title"/>
+          </p:nvPr>
+        </p:nvSpPr>
+        <p:spPr>
+          <a:xfrm>
+            <a:off x="4740275" y="1249775"/>
+            <a:ext cx="4268700" cy="639600"/>
           </a:xfrm>
           <a:prstGeom prst="rect">
             <a:avLst/>
           </a:prstGeom>
-          <a:noFill/>
-          <a:ln>
-            <a:noFill/>
-          </a:ln>
-        </p:spPr>
-      </p:pic>
-      <p:pic>
-        <p:nvPicPr>
-          <p:cNvPr id="217" name="Google Shape;217;p21"/>
-          <p:cNvPicPr preferRelativeResize="0"/>
-          <p:nvPr/>
-        </p:nvPicPr>
-        <p:blipFill>
-          <a:blip r:embed="rId4">
-            <a:alphaModFix/>
-          </a:blip>
-          <a:stretch>
-            <a:fillRect/>
-          </a:stretch>
-        </p:blipFill>
-        <p:spPr>
-          <a:xfrm>
-            <a:off x="3825375" y="2223662"/>
-            <a:ext cx="4420050" cy="2610900"/>
+        </p:spPr>
+        <p:txBody>
+          <a:bodyPr anchorCtr="0" anchor="t" bIns="91425" lIns="91425" spcFirstLastPara="1" rIns="91425" wrap="square" tIns="91425">
+            <a:normAutofit fontScale="90000"/>
+          </a:bodyPr>
+          <a:lstStyle/>
+          <a:p>
+            <a:pPr indent="0" lvl="0" marL="0" rtl="0" algn="ctr">
+              <a:spcBef>
+                <a:spcPts val="0"/>
+              </a:spcBef>
+              <a:spcAft>
+                <a:spcPts val="0"/>
+              </a:spcAft>
+              <a:buNone/>
+            </a:pPr>
+            <a:r>
+              <a:rPr lang="es"/>
+              <a:t>Contras</a:t>
+            </a:r>
+            <a:endParaRPr/>
+          </a:p>
+        </p:txBody>
+      </p:sp>
+      <p:sp>
+        <p:nvSpPr>
+          <p:cNvPr id="234" name="Google Shape;234;p21"/>
+          <p:cNvSpPr txBox="1"/>
+          <p:nvPr>
+            <p:ph idx="4294967295" type="body"/>
+          </p:nvPr>
+        </p:nvSpPr>
+        <p:spPr>
+          <a:xfrm>
+            <a:off x="4656125" y="1763700"/>
+            <a:ext cx="4437000" cy="3002400"/>
           </a:xfrm>
           <a:prstGeom prst="rect">
             <a:avLst/>
           </a:prstGeom>
-          <a:noFill/>
-          <a:ln>
-            <a:noFill/>
-          </a:ln>
-        </p:spPr>
-      </p:pic>
+        </p:spPr>
+        <p:txBody>
+          <a:bodyPr anchorCtr="0" anchor="t" bIns="91425" lIns="91425" spcFirstLastPara="1" rIns="91425" wrap="square" tIns="91425">
+            <a:normAutofit/>
+          </a:bodyPr>
+          <a:lstStyle/>
+          <a:p>
+            <a:pPr indent="-342900" lvl="0" marL="457200" rtl="0" algn="l">
+              <a:spcBef>
+                <a:spcPts val="0"/>
+              </a:spcBef>
+              <a:spcAft>
+                <a:spcPts val="0"/>
+              </a:spcAft>
+              <a:buSzPts val="1800"/>
+              <a:buChar char="●"/>
+            </a:pPr>
+            <a:r>
+              <a:rPr lang="es"/>
+              <a:t>Es lento, poco eficiente cuando se usa en listas de más de 10 000 unidades</a:t>
+            </a:r>
+            <a:endParaRPr/>
+          </a:p>
+          <a:p>
+            <a:pPr indent="-342900" lvl="0" marL="457200" rtl="0" algn="l">
+              <a:spcBef>
+                <a:spcPts val="0"/>
+              </a:spcBef>
+              <a:spcAft>
+                <a:spcPts val="0"/>
+              </a:spcAft>
+              <a:buSzPts val="1800"/>
+              <a:buChar char="●"/>
+            </a:pPr>
+            <a:r>
+              <a:rPr lang="es"/>
+              <a:t>Realiza numerosas comparaciones.</a:t>
+            </a:r>
+            <a:endParaRPr/>
+          </a:p>
+        </p:txBody>
+      </p:sp>
     </p:spTree>
   </p:cSld>
   <p:clrMapOvr>
@@ -18617,6 +20781,285 @@
 </file>
 
 <file path=ppt/theme/theme1.xml><?xml version="1.0" encoding="utf-8"?>
+<a:theme xmlns:a="http://schemas.openxmlformats.org/drawingml/2006/main" xmlns:r="http://schemas.openxmlformats.org/officeDocument/2006/relationships">
+  <a:themeElements>
+    <a:clrScheme name="Default">
+      <a:dk1>
+        <a:srgbClr val="000000"/>
+      </a:dk1>
+      <a:lt1>
+        <a:srgbClr val="FFFFFF"/>
+      </a:lt1>
+      <a:dk2>
+        <a:srgbClr val="158158"/>
+      </a:dk2>
+      <a:lt2>
+        <a:srgbClr val="F3F3F3"/>
+      </a:lt2>
+      <a:accent1>
+        <a:srgbClr val="058DC7"/>
+      </a:accent1>
+      <a:accent2>
+        <a:srgbClr val="50B432"/>
+      </a:accent2>
+      <a:accent3>
+        <a:srgbClr val="ED561B"/>
+      </a:accent3>
+      <a:accent4>
+        <a:srgbClr val="EDEF00"/>
+      </a:accent4>
+      <a:accent5>
+        <a:srgbClr val="24CBE5"/>
+      </a:accent5>
+      <a:accent6>
+        <a:srgbClr val="64E572"/>
+      </a:accent6>
+      <a:hlink>
+        <a:srgbClr val="2200CC"/>
+      </a:hlink>
+      <a:folHlink>
+        <a:srgbClr val="551A8B"/>
+      </a:folHlink>
+    </a:clrScheme>
+    <a:fontScheme name="Office">
+      <a:majorFont>
+        <a:latin typeface="Arial"/>
+        <a:ea typeface=""/>
+        <a:cs typeface=""/>
+        <a:font script="Jpan" typeface="ＭＳ Ｐゴシック"/>
+        <a:font script="Hang" typeface="맑은 고딕"/>
+        <a:font script="Hans" typeface="宋体"/>
+        <a:font script="Hant" typeface="新細明體"/>
+        <a:font script="Arab" typeface="Times New Roman"/>
+        <a:font script="Hebr" typeface="Times New Roman"/>
+        <a:font script="Thai" typeface="Angsana New"/>
+        <a:font script="Ethi" typeface="Nyala"/>
+        <a:font script="Beng" typeface="Vrinda"/>
+        <a:font script="Gujr" typeface="Shruti"/>
+        <a:font script="Khmr" typeface="MoolBoran"/>
+        <a:font script="Knda" typeface="Tunga"/>
+        <a:font script="Guru" typeface="Raavi"/>
+        <a:font script="Cans" typeface="Euphemia"/>
+        <a:font script="Cher" typeface="Plantagenet Cherokee"/>
+        <a:font script="Yiii" typeface="Microsoft Yi Baiti"/>
+        <a:font script="Tibt" typeface="Microsoft Himalaya"/>
+        <a:font script="Thaa" typeface="MV Boli"/>
+        <a:font script="Deva" typeface="Mangal"/>
+        <a:font script="Telu" typeface="Gautami"/>
+        <a:font script="Taml" typeface="Latha"/>
+        <a:font script="Syrc" typeface="Estrangelo Edessa"/>
+        <a:font script="Orya" typeface="Kalinga"/>
+        <a:font script="Mlym" typeface="Kartika"/>
+        <a:font script="Laoo" typeface="DokChampa"/>
+        <a:font script="Sinh" typeface="Iskoola Pota"/>
+        <a:font script="Mong" typeface="Mongolian Baiti"/>
+        <a:font script="Viet" typeface="Times New Roman"/>
+        <a:font script="Uigh" typeface="Microsoft Uighur"/>
+        <a:font script="Geor" typeface="Sylfaen"/>
+      </a:majorFont>
+      <a:minorFont>
+        <a:latin typeface="Arial"/>
+        <a:ea typeface=""/>
+        <a:cs typeface=""/>
+        <a:font script="Jpan" typeface="ＭＳ Ｐゴシック"/>
+        <a:font script="Hang" typeface="맑은 고딕"/>
+        <a:font script="Hans" typeface="宋体"/>
+        <a:font script="Hant" typeface="新細明體"/>
+        <a:font script="Arab" typeface="Arial"/>
+        <a:font script="Hebr" typeface="Arial"/>
+        <a:font script="Thai" typeface="Cordia New"/>
+        <a:font script="Ethi" typeface="Nyala"/>
+        <a:font script="Beng" typeface="Vrinda"/>
+        <a:font script="Gujr" typeface="Shruti"/>
+        <a:font script="Khmr" typeface="DaunPenh"/>
+        <a:font script="Knda" typeface="Tunga"/>
+        <a:font script="Guru" typeface="Raavi"/>
+        <a:font script="Cans" typeface="Euphemia"/>
+        <a:font script="Cher" typeface="Plantagenet Cherokee"/>
+        <a:font script="Yiii" typeface="Microsoft Yi Baiti"/>
+        <a:font script="Tibt" typeface="Microsoft Himalaya"/>
+        <a:font script="Thaa" typeface="MV Boli"/>
+        <a:font script="Deva" typeface="Mangal"/>
+        <a:font script="Telu" typeface="Gautami"/>
+        <a:font script="Taml" typeface="Latha"/>
+        <a:font script="Syrc" typeface="Estrangelo Edessa"/>
+        <a:font script="Orya" typeface="Kalinga"/>
+        <a:font script="Mlym" typeface="Kartika"/>
+        <a:font script="Laoo" typeface="DokChampa"/>
+        <a:font script="Sinh" typeface="Iskoola Pota"/>
+        <a:font script="Mong" typeface="Mongolian Baiti"/>
+        <a:font script="Viet" typeface="Arial"/>
+        <a:font script="Uigh" typeface="Microsoft Uighur"/>
+        <a:font script="Geor" typeface="Sylfaen"/>
+      </a:minorFont>
+    </a:fontScheme>
+    <a:fmtScheme name="Office">
+      <a:fillStyleLst>
+        <a:solidFill>
+          <a:schemeClr val="phClr"/>
+        </a:solidFill>
+        <a:gradFill rotWithShape="1">
+          <a:gsLst>
+            <a:gs pos="0">
+              <a:schemeClr val="phClr">
+                <a:tint val="50000"/>
+                <a:satMod val="300000"/>
+              </a:schemeClr>
+            </a:gs>
+            <a:gs pos="35000">
+              <a:schemeClr val="phClr">
+                <a:tint val="37000"/>
+                <a:satMod val="300000"/>
+              </a:schemeClr>
+            </a:gs>
+            <a:gs pos="100000">
+              <a:schemeClr val="phClr">
+                <a:tint val="15000"/>
+                <a:satMod val="350000"/>
+              </a:schemeClr>
+            </a:gs>
+          </a:gsLst>
+          <a:lin ang="16200000" scaled="1"/>
+        </a:gradFill>
+        <a:gradFill rotWithShape="1">
+          <a:gsLst>
+            <a:gs pos="0">
+              <a:schemeClr val="phClr">
+                <a:tint val="100000"/>
+                <a:shade val="100000"/>
+                <a:satMod val="130000"/>
+              </a:schemeClr>
+            </a:gs>
+            <a:gs pos="100000">
+              <a:schemeClr val="phClr">
+                <a:tint val="50000"/>
+                <a:shade val="100000"/>
+                <a:satMod val="350000"/>
+              </a:schemeClr>
+            </a:gs>
+          </a:gsLst>
+          <a:lin ang="16200000" scaled="0"/>
+        </a:gradFill>
+      </a:fillStyleLst>
+      <a:lnStyleLst>
+        <a:ln w="9525" cap="flat" cmpd="sng" algn="ctr">
+          <a:solidFill>
+            <a:schemeClr val="phClr">
+              <a:shade val="95000"/>
+              <a:satMod val="105000"/>
+            </a:schemeClr>
+          </a:solidFill>
+          <a:prstDash val="solid"/>
+        </a:ln>
+        <a:ln w="25400" cap="flat" cmpd="sng" algn="ctr">
+          <a:solidFill>
+            <a:schemeClr val="phClr"/>
+          </a:solidFill>
+          <a:prstDash val="solid"/>
+        </a:ln>
+        <a:ln w="38100" cap="flat" cmpd="sng" algn="ctr">
+          <a:solidFill>
+            <a:schemeClr val="phClr"/>
+          </a:solidFill>
+          <a:prstDash val="solid"/>
+        </a:ln>
+      </a:lnStyleLst>
+      <a:effectStyleLst>
+        <a:effectStyle>
+          <a:effectLst>
+            <a:outerShdw blurRad="40000" dist="20000" dir="5400000" rotWithShape="0">
+              <a:srgbClr val="000000">
+                <a:alpha val="38000"/>
+              </a:srgbClr>
+            </a:outerShdw>
+          </a:effectLst>
+        </a:effectStyle>
+        <a:effectStyle>
+          <a:effectLst>
+            <a:outerShdw blurRad="40000" dist="23000" dir="5400000" rotWithShape="0">
+              <a:srgbClr val="000000">
+                <a:alpha val="35000"/>
+              </a:srgbClr>
+            </a:outerShdw>
+          </a:effectLst>
+        </a:effectStyle>
+        <a:effectStyle>
+          <a:effectLst>
+            <a:outerShdw blurRad="40000" dist="23000" dir="5400000" rotWithShape="0">
+              <a:srgbClr val="000000">
+                <a:alpha val="35000"/>
+              </a:srgbClr>
+            </a:outerShdw>
+          </a:effectLst>
+          <a:scene3d>
+            <a:camera prst="orthographicFront">
+              <a:rot lat="0" lon="0" rev="0"/>
+            </a:camera>
+            <a:lightRig rig="threePt" dir="t">
+              <a:rot lat="0" lon="0" rev="1200000"/>
+            </a:lightRig>
+          </a:scene3d>
+          <a:sp3d>
+            <a:bevelT w="63500" h="25400"/>
+          </a:sp3d>
+        </a:effectStyle>
+      </a:effectStyleLst>
+      <a:bgFillStyleLst>
+        <a:solidFill>
+          <a:schemeClr val="phClr"/>
+        </a:solidFill>
+        <a:gradFill rotWithShape="1">
+          <a:gsLst>
+            <a:gs pos="0">
+              <a:schemeClr val="phClr">
+                <a:tint val="40000"/>
+                <a:satMod val="350000"/>
+              </a:schemeClr>
+            </a:gs>
+            <a:gs pos="40000">
+              <a:schemeClr val="phClr">
+                <a:tint val="45000"/>
+                <a:shade val="99000"/>
+                <a:satMod val="350000"/>
+              </a:schemeClr>
+            </a:gs>
+            <a:gs pos="100000">
+              <a:schemeClr val="phClr">
+                <a:shade val="20000"/>
+                <a:satMod val="255000"/>
+              </a:schemeClr>
+            </a:gs>
+          </a:gsLst>
+          <a:path path="circle">
+            <a:fillToRect l="50000" t="-80000" r="50000" b="180000"/>
+          </a:path>
+        </a:gradFill>
+        <a:gradFill rotWithShape="1">
+          <a:gsLst>
+            <a:gs pos="0">
+              <a:schemeClr val="phClr">
+                <a:tint val="80000"/>
+                <a:satMod val="300000"/>
+              </a:schemeClr>
+            </a:gs>
+            <a:gs pos="100000">
+              <a:schemeClr val="phClr">
+                <a:shade val="30000"/>
+                <a:satMod val="200000"/>
+              </a:schemeClr>
+            </a:gs>
+          </a:gsLst>
+          <a:path path="circle">
+            <a:fillToRect l="50000" t="50000" r="50000" b="50000"/>
+          </a:path>
+        </a:gradFill>
+      </a:bgFillStyleLst>
+    </a:fmtScheme>
+  </a:themeElements>
+</a:theme>
+</file>
+
+<file path=ppt/theme/theme2.xml><?xml version="1.0" encoding="utf-8"?>
 <a:theme xmlns:a="http://schemas.openxmlformats.org/drawingml/2006/main" xmlns:r="http://schemas.openxmlformats.org/officeDocument/2006/relationships" name="Swiss">
   <a:themeElements>
     <a:clrScheme name="Swiss">
@@ -18893,283 +21336,4 @@
     </a:fmtScheme>
   </a:themeElements>
 </a:theme>
-</file>
-
-<file path=ppt/theme/theme2.xml><?xml version="1.0" encoding="utf-8"?>
-<a:theme xmlns:a="http://schemas.openxmlformats.org/drawingml/2006/main" xmlns:r="http://schemas.openxmlformats.org/officeDocument/2006/relationships">
-  <a:themeElements>
-    <a:clrScheme name="Default">
-      <a:dk1>
-        <a:srgbClr val="000000"/>
-      </a:dk1>
-      <a:lt1>
-        <a:srgbClr val="FFFFFF"/>
-      </a:lt1>
-      <a:dk2>
-        <a:srgbClr val="158158"/>
-      </a:dk2>
-      <a:lt2>
-        <a:srgbClr val="F3F3F3"/>
-      </a:lt2>
-      <a:accent1>
-        <a:srgbClr val="058DC7"/>
-      </a:accent1>
-      <a:accent2>
-        <a:srgbClr val="50B432"/>
-      </a:accent2>
-      <a:accent3>
-        <a:srgbClr val="ED561B"/>
-      </a:accent3>
-      <a:accent4>
-        <a:srgbClr val="EDEF00"/>
-      </a:accent4>
-      <a:accent5>
-        <a:srgbClr val="24CBE5"/>
-      </a:accent5>
-      <a:accent6>
-        <a:srgbClr val="64E572"/>
-      </a:accent6>
-      <a:hlink>
-        <a:srgbClr val="2200CC"/>
-      </a:hlink>
-      <a:folHlink>
-        <a:srgbClr val="551A8B"/>
-      </a:folHlink>
-    </a:clrScheme>
-    <a:fontScheme name="Office">
-      <a:majorFont>
-        <a:latin typeface="Arial"/>
-        <a:ea typeface=""/>
-        <a:cs typeface=""/>
-        <a:font script="Jpan" typeface="ＭＳ Ｐゴシック"/>
-        <a:font script="Hang" typeface="맑은 고딕"/>
-        <a:font script="Hans" typeface="宋体"/>
-        <a:font script="Hant" typeface="新細明體"/>
-        <a:font script="Arab" typeface="Times New Roman"/>
-        <a:font script="Hebr" typeface="Times New Roman"/>
-        <a:font script="Thai" typeface="Angsana New"/>
-        <a:font script="Ethi" typeface="Nyala"/>
-        <a:font script="Beng" typeface="Vrinda"/>
-        <a:font script="Gujr" typeface="Shruti"/>
-        <a:font script="Khmr" typeface="MoolBoran"/>
-        <a:font script="Knda" typeface="Tunga"/>
-        <a:font script="Guru" typeface="Raavi"/>
-        <a:font script="Cans" typeface="Euphemia"/>
-        <a:font script="Cher" typeface="Plantagenet Cherokee"/>
-        <a:font script="Yiii" typeface="Microsoft Yi Baiti"/>
-        <a:font script="Tibt" typeface="Microsoft Himalaya"/>
-        <a:font script="Thaa" typeface="MV Boli"/>
-        <a:font script="Deva" typeface="Mangal"/>
-        <a:font script="Telu" typeface="Gautami"/>
-        <a:font script="Taml" typeface="Latha"/>
-        <a:font script="Syrc" typeface="Estrangelo Edessa"/>
-        <a:font script="Orya" typeface="Kalinga"/>
-        <a:font script="Mlym" typeface="Kartika"/>
-        <a:font script="Laoo" typeface="DokChampa"/>
-        <a:font script="Sinh" typeface="Iskoola Pota"/>
-        <a:font script="Mong" typeface="Mongolian Baiti"/>
-        <a:font script="Viet" typeface="Times New Roman"/>
-        <a:font script="Uigh" typeface="Microsoft Uighur"/>
-        <a:font script="Geor" typeface="Sylfaen"/>
-      </a:majorFont>
-      <a:minorFont>
-        <a:latin typeface="Arial"/>
-        <a:ea typeface=""/>
-        <a:cs typeface=""/>
-        <a:font script="Jpan" typeface="ＭＳ Ｐゴシック"/>
-        <a:font script="Hang" typeface="맑은 고딕"/>
-        <a:font script="Hans" typeface="宋体"/>
-        <a:font script="Hant" typeface="新細明體"/>
-        <a:font script="Arab" typeface="Arial"/>
-        <a:font script="Hebr" typeface="Arial"/>
-        <a:font script="Thai" typeface="Cordia New"/>
-        <a:font script="Ethi" typeface="Nyala"/>
-        <a:font script="Beng" typeface="Vrinda"/>
-        <a:font script="Gujr" typeface="Shruti"/>
-        <a:font script="Khmr" typeface="DaunPenh"/>
-        <a:font script="Knda" typeface="Tunga"/>
-        <a:font script="Guru" typeface="Raavi"/>
-        <a:font script="Cans" typeface="Euphemia"/>
-        <a:font script="Cher" typeface="Plantagenet Cherokee"/>
-        <a:font script="Yiii" typeface="Microsoft Yi Baiti"/>
-        <a:font script="Tibt" typeface="Microsoft Himalaya"/>
-        <a:font script="Thaa" typeface="MV Boli"/>
-        <a:font script="Deva" typeface="Mangal"/>
-        <a:font script="Telu" typeface="Gautami"/>
-        <a:font script="Taml" typeface="Latha"/>
-        <a:font script="Syrc" typeface="Estrangelo Edessa"/>
-        <a:font script="Orya" typeface="Kalinga"/>
-        <a:font script="Mlym" typeface="Kartika"/>
-        <a:font script="Laoo" typeface="DokChampa"/>
-        <a:font script="Sinh" typeface="Iskoola Pota"/>
-        <a:font script="Mong" typeface="Mongolian Baiti"/>
-        <a:font script="Viet" typeface="Arial"/>
-        <a:font script="Uigh" typeface="Microsoft Uighur"/>
-        <a:font script="Geor" typeface="Sylfaen"/>
-      </a:minorFont>
-    </a:fontScheme>
-    <a:fmtScheme name="Office">
-      <a:fillStyleLst>
-        <a:solidFill>
-          <a:schemeClr val="phClr"/>
-        </a:solidFill>
-        <a:gradFill rotWithShape="1">
-          <a:gsLst>
-            <a:gs pos="0">
-              <a:schemeClr val="phClr">
-                <a:tint val="50000"/>
-                <a:satMod val="300000"/>
-              </a:schemeClr>
-            </a:gs>
-            <a:gs pos="35000">
-              <a:schemeClr val="phClr">
-                <a:tint val="37000"/>
-                <a:satMod val="300000"/>
-              </a:schemeClr>
-            </a:gs>
-            <a:gs pos="100000">
-              <a:schemeClr val="phClr">
-                <a:tint val="15000"/>
-                <a:satMod val="350000"/>
-              </a:schemeClr>
-            </a:gs>
-          </a:gsLst>
-          <a:lin ang="16200000" scaled="1"/>
-        </a:gradFill>
-        <a:gradFill rotWithShape="1">
-          <a:gsLst>
-            <a:gs pos="0">
-              <a:schemeClr val="phClr">
-                <a:tint val="100000"/>
-                <a:shade val="100000"/>
-                <a:satMod val="130000"/>
-              </a:schemeClr>
-            </a:gs>
-            <a:gs pos="100000">
-              <a:schemeClr val="phClr">
-                <a:tint val="50000"/>
-                <a:shade val="100000"/>
-                <a:satMod val="350000"/>
-              </a:schemeClr>
-            </a:gs>
-          </a:gsLst>
-          <a:lin ang="16200000" scaled="0"/>
-        </a:gradFill>
-      </a:fillStyleLst>
-      <a:lnStyleLst>
-        <a:ln w="9525" cap="flat" cmpd="sng" algn="ctr">
-          <a:solidFill>
-            <a:schemeClr val="phClr">
-              <a:shade val="95000"/>
-              <a:satMod val="105000"/>
-            </a:schemeClr>
-          </a:solidFill>
-          <a:prstDash val="solid"/>
-        </a:ln>
-        <a:ln w="25400" cap="flat" cmpd="sng" algn="ctr">
-          <a:solidFill>
-            <a:schemeClr val="phClr"/>
-          </a:solidFill>
-          <a:prstDash val="solid"/>
-        </a:ln>
-        <a:ln w="38100" cap="flat" cmpd="sng" algn="ctr">
-          <a:solidFill>
-            <a:schemeClr val="phClr"/>
-          </a:solidFill>
-          <a:prstDash val="solid"/>
-        </a:ln>
-      </a:lnStyleLst>
-      <a:effectStyleLst>
-        <a:effectStyle>
-          <a:effectLst>
-            <a:outerShdw blurRad="40000" dist="20000" dir="5400000" rotWithShape="0">
-              <a:srgbClr val="000000">
-                <a:alpha val="38000"/>
-              </a:srgbClr>
-            </a:outerShdw>
-          </a:effectLst>
-        </a:effectStyle>
-        <a:effectStyle>
-          <a:effectLst>
-            <a:outerShdw blurRad="40000" dist="23000" dir="5400000" rotWithShape="0">
-              <a:srgbClr val="000000">
-                <a:alpha val="35000"/>
-              </a:srgbClr>
-            </a:outerShdw>
-          </a:effectLst>
-        </a:effectStyle>
-        <a:effectStyle>
-          <a:effectLst>
-            <a:outerShdw blurRad="40000" dist="23000" dir="5400000" rotWithShape="0">
-              <a:srgbClr val="000000">
-                <a:alpha val="35000"/>
-              </a:srgbClr>
-            </a:outerShdw>
-          </a:effectLst>
-          <a:scene3d>
-            <a:camera prst="orthographicFront">
-              <a:rot lat="0" lon="0" rev="0"/>
-            </a:camera>
-            <a:lightRig rig="threePt" dir="t">
-              <a:rot lat="0" lon="0" rev="1200000"/>
-            </a:lightRig>
-          </a:scene3d>
-          <a:sp3d>
-            <a:bevelT w="63500" h="25400"/>
-          </a:sp3d>
-        </a:effectStyle>
-      </a:effectStyleLst>
-      <a:bgFillStyleLst>
-        <a:solidFill>
-          <a:schemeClr val="phClr"/>
-        </a:solidFill>
-        <a:gradFill rotWithShape="1">
-          <a:gsLst>
-            <a:gs pos="0">
-              <a:schemeClr val="phClr">
-                <a:tint val="40000"/>
-                <a:satMod val="350000"/>
-              </a:schemeClr>
-            </a:gs>
-            <a:gs pos="40000">
-              <a:schemeClr val="phClr">
-                <a:tint val="45000"/>
-                <a:shade val="99000"/>
-                <a:satMod val="350000"/>
-              </a:schemeClr>
-            </a:gs>
-            <a:gs pos="100000">
-              <a:schemeClr val="phClr">
-                <a:shade val="20000"/>
-                <a:satMod val="255000"/>
-              </a:schemeClr>
-            </a:gs>
-          </a:gsLst>
-          <a:path path="circle">
-            <a:fillToRect l="50000" t="-80000" r="50000" b="180000"/>
-          </a:path>
-        </a:gradFill>
-        <a:gradFill rotWithShape="1">
-          <a:gsLst>
-            <a:gs pos="0">
-              <a:schemeClr val="phClr">
-                <a:tint val="80000"/>
-                <a:satMod val="300000"/>
-              </a:schemeClr>
-            </a:gs>
-            <a:gs pos="100000">
-              <a:schemeClr val="phClr">
-                <a:shade val="30000"/>
-                <a:satMod val="200000"/>
-              </a:schemeClr>
-            </a:gs>
-          </a:gsLst>
-          <a:path path="circle">
-            <a:fillToRect l="50000" t="50000" r="50000" b="50000"/>
-          </a:path>
-        </a:gradFill>
-      </a:bgFillStyleLst>
-    </a:fmtScheme>
-  </a:themeElements>
-</a:theme>
 </file>